--- a/Presentaciones/Introduccion .NET.pptx
+++ b/Presentaciones/Introduccion .NET.pptx
@@ -267,7 +267,7 @@
           <a:p>
             <a:fld id="{9CF9B008-76FC-4A89-86AF-A3CFDD2ADA03}" type="datetimeFigureOut">
               <a:rPr lang="en-US" smtClean="0"/>
-              <a:t>3/29/2016</a:t>
+              <a:t>4/11/2017</a:t>
             </a:fld>
             <a:endParaRPr lang="en-US"/>
           </a:p>
@@ -18897,8 +18897,8 @@
           <a:chExt cx="0" cy="0"/>
         </a:xfrm>
       </p:grpSpPr>
-      <mc:AlternateContent xmlns:mc="http://schemas.openxmlformats.org/markup-compatibility/2006">
-        <mc:Choice xmlns:a14="http://schemas.microsoft.com/office/drawing/2010/main" Requires="a14">
+      <mc:AlternateContent xmlns:mc="http://schemas.openxmlformats.org/markup-compatibility/2006" xmlns:a14="http://schemas.microsoft.com/office/drawing/2010/main">
+        <mc:Choice Requires="a14">
           <p:sp>
             <p:nvSpPr>
               <p:cNvPr id="2" name="Content Placeholder 1"/>
@@ -19250,7 +19250,7 @@
             </p:txBody>
           </p:sp>
         </mc:Choice>
-        <mc:Fallback>
+        <mc:Fallback xmlns="">
           <p:sp>
             <p:nvSpPr>
               <p:cNvPr id="2" name="Content Placeholder 1"/>
@@ -19682,35 +19682,6 @@
           </a:extLst>
         </p:spPr>
       </p:pic>
-      <p:sp>
-        <p:nvSpPr>
-          <p:cNvPr id="6" name="Rectangle 5"/>
-          <p:cNvSpPr/>
-          <p:nvPr/>
-        </p:nvSpPr>
-        <p:spPr>
-          <a:xfrm>
-            <a:off x="5659534" y="3244334"/>
-            <a:ext cx="872931" cy="369332"/>
-          </a:xfrm>
-          <a:prstGeom prst="rect">
-            <a:avLst/>
-          </a:prstGeom>
-        </p:spPr>
-        <p:txBody>
-          <a:bodyPr wrap="none">
-            <a:spAutoFit/>
-          </a:bodyPr>
-          <a:lstStyle/>
-          <a:p>
-            <a:r>
-              <a:rPr lang="en-US" dirty="0" err="1"/>
-              <a:t>Structs</a:t>
-            </a:r>
-            <a:endParaRPr lang="en-US" dirty="0"/>
-          </a:p>
-        </p:txBody>
-      </p:sp>
     </p:spTree>
     <p:extLst>
       <p:ext uri="{BB962C8B-B14F-4D97-AF65-F5344CB8AC3E}">

--- a/Presentaciones/Introduccion .NET.pptx
+++ b/Presentaciones/Introduccion .NET.pptx
@@ -250,7 +250,7 @@
           <a:p>
             <a:fld id="{9CF9B008-76FC-4A89-86AF-A3CFDD2ADA03}" type="datetimeFigureOut">
               <a:rPr lang="en-US" smtClean="0"/>
-              <a:t>4/12/2017</a:t>
+              <a:t>4/21/2017</a:t>
             </a:fld>
             <a:endParaRPr lang="en-US"/>
           </a:p>
@@ -10591,8 +10591,16 @@
           </a:lstStyle>
           <a:p>
             <a:r>
-              <a:rPr lang="en-US" smtClean="0"/>
-              <a:t>Creación de un Objeto</a:t>
+              <a:rPr lang="en-US" dirty="0" err="1" smtClean="0"/>
+              <a:t>Creación</a:t>
+            </a:r>
+            <a:r>
+              <a:rPr lang="en-US" dirty="0" smtClean="0"/>
+              <a:t> de un </a:t>
+            </a:r>
+            <a:r>
+              <a:rPr lang="en-US" dirty="0" err="1" smtClean="0"/>
+              <a:t>Objeto</a:t>
             </a:r>
             <a:endParaRPr lang="en-US" dirty="0"/>
           </a:p>
@@ -11651,7 +11659,7 @@
               <a:t>El descriptor de acceso de una propiedad </a:t>
             </a:r>
             <a:r>
-              <a:rPr lang="es-ES" dirty="0" err="1"/>
+              <a:rPr lang="es-ES" b="1" i="1" dirty="0" err="1"/>
               <a:t>get</a:t>
             </a:r>
             <a:r>
@@ -11665,7 +11673,7 @@
               <a:t>La palabra clave </a:t>
             </a:r>
             <a:r>
-              <a:rPr lang="es-ES" dirty="0" err="1"/>
+              <a:rPr lang="es-ES" b="1" i="1" dirty="0" err="1"/>
               <a:t>value</a:t>
             </a:r>
             <a:r>
@@ -11676,7 +11684,15 @@
           <a:p>
             <a:r>
               <a:rPr lang="es-ES" dirty="0"/>
-              <a:t>Las propiedades que no implementan un descriptor de acceso set son de sólo lectura.</a:t>
+              <a:t>Las propiedades que no implementan un descriptor de acceso </a:t>
+            </a:r>
+            <a:r>
+              <a:rPr lang="es-ES" b="1" i="1" dirty="0"/>
+              <a:t>set</a:t>
+            </a:r>
+            <a:r>
+              <a:rPr lang="es-ES" dirty="0"/>
+              <a:t> son de sólo lectura.</a:t>
             </a:r>
           </a:p>
           <a:p>
@@ -12790,34 +12806,34 @@
               <a:t>Operadores que requieren sólo un operando se denominan unarios (</a:t>
             </a:r>
             <a:r>
-              <a:rPr lang="es-ES" dirty="0" err="1"/>
+              <a:rPr lang="es-ES" dirty="0" smtClean="0"/>
+              <a:t>ej.: </a:t>
+            </a:r>
+            <a:r>
+              <a:rPr lang="es-ES" dirty="0"/>
+              <a:t>++)</a:t>
+            </a:r>
+          </a:p>
+          <a:p>
+            <a:r>
+              <a:rPr lang="es-ES" dirty="0"/>
+              <a:t>Los operados que requieren 2 operandos son binarios (</a:t>
+            </a:r>
+            <a:r>
+              <a:rPr lang="es-ES" dirty="0" smtClean="0"/>
               <a:t>ej</a:t>
             </a:r>
             <a:r>
+              <a:rPr lang="es-ES" dirty="0" smtClean="0"/>
+              <a:t>.:</a:t>
+            </a:r>
+            <a:r>
+              <a:rPr lang="es-ES" dirty="0" smtClean="0"/>
+              <a:t> </a:t>
+            </a:r>
+            <a:r>
               <a:rPr lang="es-ES" dirty="0"/>
-              <a:t>: ++)</a:t>
-            </a:r>
-          </a:p>
-          <a:p>
-            <a:r>
-              <a:rPr lang="es-ES" dirty="0"/>
-              <a:t>Los operados que requieren 2 </a:t>
-            </a:r>
-            <a:r>
-              <a:rPr lang="es-ES" dirty="0" err="1"/>
-              <a:t>operandos</a:t>
-            </a:r>
-            <a:r>
-              <a:rPr lang="es-ES" dirty="0"/>
-              <a:t> son binarios (</a:t>
-            </a:r>
-            <a:r>
-              <a:rPr lang="es-ES" dirty="0" err="1"/>
-              <a:t>ej</a:t>
-            </a:r>
-            <a:r>
-              <a:rPr lang="es-ES" dirty="0"/>
-              <a:t>: +, -, *) y los de 3 son ternarios.</a:t>
+              <a:t>+, -, *) y los de 3 son ternarios.</a:t>
             </a:r>
           </a:p>
           <a:p>
@@ -13035,6 +13051,13 @@
   <p:clrMapOvr>
     <a:masterClrMapping/>
   </p:clrMapOvr>
+  <p:timing>
+    <p:tnLst>
+      <p:par>
+        <p:cTn id="1" dur="indefinite" restart="never" nodeType="tmRoot"/>
+      </p:par>
+    </p:tnLst>
+  </p:timing>
 </p:sld>
 </file>
 
@@ -13202,157 +13225,37 @@
           <a:p>
             <a:pPr lvl="0"/>
             <a:r>
-              <a:rPr lang="es-AR" dirty="0"/>
+              <a:rPr lang="es-ES" dirty="0" smtClean="0"/>
               <a:t>Las clases pueden heredar de otras clases (que no sean </a:t>
             </a:r>
             <a:r>
-              <a:rPr lang="es-AR" dirty="0" err="1"/>
+              <a:rPr lang="es-ES" dirty="0" err="1" smtClean="0"/>
               <a:t>sealed</a:t>
             </a:r>
             <a:r>
-              <a:rPr lang="es-AR" dirty="0"/>
+              <a:rPr lang="es-ES" dirty="0" smtClean="0"/>
               <a:t>).</a:t>
             </a:r>
           </a:p>
           <a:p>
             <a:pPr lvl="0"/>
             <a:r>
-              <a:rPr lang="en-US" dirty="0"/>
-              <a:t>De la </a:t>
-            </a:r>
-            <a:r>
-              <a:rPr lang="en-US" dirty="0" err="1"/>
-              <a:t>clase</a:t>
-            </a:r>
-            <a:r>
-              <a:rPr lang="en-US" dirty="0"/>
-              <a:t> de la </a:t>
-            </a:r>
-            <a:r>
-              <a:rPr lang="en-US" dirty="0" err="1"/>
-              <a:t>cual</a:t>
-            </a:r>
-            <a:r>
-              <a:rPr lang="en-US" dirty="0"/>
-              <a:t> se </a:t>
-            </a:r>
-            <a:r>
-              <a:rPr lang="en-US" dirty="0" err="1"/>
-              <a:t>hereda</a:t>
-            </a:r>
-            <a:r>
-              <a:rPr lang="en-US" dirty="0"/>
-              <a:t> se la </a:t>
-            </a:r>
-            <a:r>
-              <a:rPr lang="en-US" dirty="0" err="1"/>
-              <a:t>denomina</a:t>
-            </a:r>
-            <a:r>
-              <a:rPr lang="en-US" dirty="0"/>
-              <a:t> </a:t>
-            </a:r>
-            <a:r>
-              <a:rPr lang="en-US" dirty="0" err="1"/>
-              <a:t>clase</a:t>
-            </a:r>
-            <a:r>
-              <a:rPr lang="en-US" dirty="0"/>
-              <a:t> base.</a:t>
+              <a:rPr lang="es-ES" dirty="0" smtClean="0"/>
+              <a:t>De la clase de la cual se hereda se la denomina clase base.</a:t>
             </a:r>
           </a:p>
           <a:p>
             <a:pPr lvl="0"/>
             <a:r>
-              <a:rPr lang="en-US" dirty="0"/>
-              <a:t>A la </a:t>
-            </a:r>
-            <a:r>
-              <a:rPr lang="en-US" dirty="0" err="1"/>
-              <a:t>clase</a:t>
-            </a:r>
-            <a:r>
-              <a:rPr lang="en-US" dirty="0"/>
-              <a:t> </a:t>
-            </a:r>
-            <a:r>
-              <a:rPr lang="en-US" dirty="0" err="1"/>
-              <a:t>heredera</a:t>
-            </a:r>
-            <a:r>
-              <a:rPr lang="en-US" dirty="0"/>
-              <a:t> se la </a:t>
-            </a:r>
-            <a:r>
-              <a:rPr lang="en-US" dirty="0" err="1"/>
-              <a:t>denomina</a:t>
-            </a:r>
-            <a:r>
-              <a:rPr lang="en-US" dirty="0"/>
-              <a:t> </a:t>
-            </a:r>
-            <a:r>
-              <a:rPr lang="en-US" dirty="0" err="1"/>
-              <a:t>derivada</a:t>
-            </a:r>
-            <a:r>
-              <a:rPr lang="en-US" dirty="0"/>
-              <a:t> o </a:t>
-            </a:r>
-            <a:r>
-              <a:rPr lang="en-US" dirty="0" err="1"/>
-              <a:t>subclase</a:t>
-            </a:r>
-            <a:r>
-              <a:rPr lang="en-US" dirty="0"/>
-              <a:t>.</a:t>
+              <a:rPr lang="es-ES" dirty="0" smtClean="0"/>
+              <a:t>A la clase heredera se la denomina derivada o subclase.</a:t>
             </a:r>
           </a:p>
           <a:p>
             <a:pPr lvl="0"/>
             <a:r>
-              <a:rPr lang="en-US" dirty="0"/>
-              <a:t>La </a:t>
-            </a:r>
-            <a:r>
-              <a:rPr lang="en-US" dirty="0" err="1"/>
-              <a:t>clase</a:t>
-            </a:r>
-            <a:r>
-              <a:rPr lang="en-US" dirty="0"/>
-              <a:t> </a:t>
-            </a:r>
-            <a:r>
-              <a:rPr lang="en-US" dirty="0" err="1"/>
-              <a:t>derivada</a:t>
-            </a:r>
-            <a:r>
-              <a:rPr lang="en-US" dirty="0"/>
-              <a:t> </a:t>
-            </a:r>
-            <a:r>
-              <a:rPr lang="en-US" dirty="0" err="1"/>
-              <a:t>tiene</a:t>
-            </a:r>
-            <a:r>
-              <a:rPr lang="en-US" dirty="0"/>
-              <a:t> dos </a:t>
-            </a:r>
-            <a:r>
-              <a:rPr lang="en-US" dirty="0" err="1"/>
-              <a:t>tipos</a:t>
-            </a:r>
-            <a:r>
-              <a:rPr lang="en-US" dirty="0"/>
-              <a:t> </a:t>
-            </a:r>
-            <a:r>
-              <a:rPr lang="en-US" dirty="0" err="1"/>
-              <a:t>efectivos</a:t>
-            </a:r>
-            <a:r>
-              <a:rPr lang="en-US" dirty="0"/>
-              <a:t>.</a:t>
+              <a:rPr lang="es-ES" dirty="0" smtClean="0"/>
+              <a:t>La clase derivada tiene dos tipos efectivos.</a:t>
             </a:r>
           </a:p>
           <a:p>
@@ -13403,10 +13306,10 @@
           <a:lstStyle/>
           <a:p>
             <a:r>
-              <a:rPr lang="en-US" dirty="0" err="1" smtClean="0"/>
+              <a:rPr lang="es-ES" dirty="0" smtClean="0"/>
               <a:t>Herencia</a:t>
             </a:r>
-            <a:endParaRPr lang="en-US" dirty="0"/>
+            <a:endParaRPr lang="es-ES" dirty="0"/>
           </a:p>
         </p:txBody>
       </p:sp>
@@ -13520,77 +13423,60 @@
           <a:lstStyle/>
           <a:p>
             <a:r>
-              <a:rPr lang="es-AR" dirty="0"/>
+              <a:rPr lang="es-ES" dirty="0" smtClean="0"/>
               <a:t>Describen un grupo de comportamientos relacionados</a:t>
             </a:r>
           </a:p>
           <a:p>
             <a:r>
-              <a:rPr lang="es-AR" dirty="0" smtClean="0"/>
-              <a:t>No </a:t>
-            </a:r>
-            <a:r>
-              <a:rPr lang="es-AR" dirty="0"/>
-              <a:t>puede contener campos.</a:t>
-            </a:r>
-          </a:p>
-          <a:p>
-            <a:r>
-              <a:rPr lang="es-AR" dirty="0"/>
+              <a:rPr lang="es-ES" dirty="0" smtClean="0"/>
+              <a:t>No puede contener campos.</a:t>
+            </a:r>
+          </a:p>
+          <a:p>
+            <a:r>
+              <a:rPr lang="es-ES" dirty="0" smtClean="0"/>
               <a:t>Sus miembros son automáticamente públicos.</a:t>
             </a:r>
           </a:p>
           <a:p>
             <a:r>
-              <a:rPr lang="es-AR" dirty="0"/>
+              <a:rPr lang="es-ES" dirty="0" smtClean="0"/>
               <a:t>Pueden heredar de otras interfaces</a:t>
             </a:r>
           </a:p>
           <a:p>
             <a:r>
-              <a:rPr lang="es-AR" dirty="0"/>
+              <a:rPr lang="es-ES" dirty="0" smtClean="0"/>
               <a:t>Las clases pueden implementar interfaces:</a:t>
             </a:r>
           </a:p>
           <a:p>
             <a:pPr lvl="1"/>
             <a:r>
-              <a:rPr lang="es-AR" dirty="0"/>
-              <a:t>Una clase puede implementar más de una interfaz</a:t>
-            </a:r>
-            <a:r>
-              <a:rPr lang="es-AR" dirty="0" smtClean="0"/>
-              <a:t>.</a:t>
+              <a:rPr lang="es-ES" dirty="0" smtClean="0"/>
+              <a:t>Una clase puede implementar más de una interfaz.</a:t>
             </a:r>
           </a:p>
           <a:p>
             <a:pPr lvl="1"/>
             <a:r>
-              <a:rPr lang="es-AR" dirty="0" smtClean="0"/>
-              <a:t>Pueden </a:t>
-            </a:r>
-            <a:r>
-              <a:rPr lang="es-AR" dirty="0"/>
-              <a:t>estar compuestas de métodos, propiedades, eventos, indizadores.</a:t>
+              <a:rPr lang="es-ES" dirty="0" smtClean="0"/>
+              <a:t>Pueden estar compuestas de métodos, propiedades, eventos, indizadores.</a:t>
             </a:r>
           </a:p>
           <a:p>
             <a:pPr lvl="1"/>
             <a:r>
-              <a:rPr lang="es-AR" dirty="0" smtClean="0"/>
-              <a:t>Cuando </a:t>
-            </a:r>
-            <a:r>
-              <a:rPr lang="es-AR" dirty="0"/>
-              <a:t>una clase implementa una interfaz, toma de ella  sólo los nombres de método y las firmas, ya que la propia interface no contiene ninguna implementación.</a:t>
-            </a:r>
-            <a:endParaRPr lang="en-US" dirty="0"/>
-          </a:p>
-          <a:p>
-            <a:endParaRPr lang="en-US" dirty="0"/>
-          </a:p>
-          <a:p>
-            <a:endParaRPr lang="en-US" dirty="0"/>
+              <a:rPr lang="es-ES" dirty="0" smtClean="0"/>
+              <a:t>Cuando una clase implementa una interfaz, toma de ella  sólo los nombres de método y las firmas, ya que la propia interfaz no contiene ninguna implementación.</a:t>
+            </a:r>
+          </a:p>
+          <a:p>
+            <a:endParaRPr lang="es-ES" dirty="0" smtClean="0"/>
+          </a:p>
+          <a:p>
+            <a:endParaRPr lang="es-ES" dirty="0"/>
           </a:p>
         </p:txBody>
       </p:sp>
@@ -13827,10 +13713,10 @@
           <a:lstStyle/>
           <a:p>
             <a:r>
-              <a:rPr lang="en-US" dirty="0" err="1" smtClean="0"/>
+              <a:rPr lang="es-ES" dirty="0" smtClean="0"/>
               <a:t>Atributos</a:t>
             </a:r>
-            <a:endParaRPr lang="en-US" dirty="0"/>
+            <a:endParaRPr lang="es-ES" dirty="0"/>
           </a:p>
         </p:txBody>
       </p:sp>
@@ -14264,305 +14150,263 @@
               <a:lstStyle/>
               <a:p>
                 <a:r>
-                  <a:rPr lang="en-US" dirty="0"/>
-                  <a:t>Los </a:t>
+                  <a:rPr lang="es-ES" dirty="0" smtClean="0"/>
+                  <a:t>Los tipos más simples en </a:t>
                 </a:r>
                 <a:r>
-                  <a:rPr lang="en-US" dirty="0" err="1"/>
-                  <a:t>tipos</a:t>
-                </a:r>
-                <a:r>
-                  <a:rPr lang="en-US" dirty="0"/>
-                  <a:t> </a:t>
-                </a:r>
-                <a:r>
-                  <a:rPr lang="en-US" dirty="0" err="1"/>
-                  <a:t>más</a:t>
-                </a:r>
-                <a:r>
-                  <a:rPr lang="en-US" dirty="0"/>
-                  <a:t> simples en </a:t>
-                </a:r>
-                <a:r>
-                  <a:rPr lang="en-US" dirty="0" err="1"/>
+                  <a:rPr lang="es-ES" dirty="0" err="1" smtClean="0"/>
                   <a:t>.Net</a:t>
                 </a:r>
-                <a:endParaRPr lang="en-US" dirty="0"/>
+                <a:endParaRPr lang="es-ES" dirty="0" smtClean="0"/>
               </a:p>
               <a:p>
                 <a:r>
-                  <a:rPr lang="en-US" dirty="0" err="1"/>
-                  <a:t>Contienen</a:t>
-                </a:r>
-                <a:r>
-                  <a:rPr lang="en-US" dirty="0"/>
-                  <a:t> el valor y no </a:t>
-                </a:r>
-                <a:r>
-                  <a:rPr lang="en-US" dirty="0" err="1"/>
-                  <a:t>una</a:t>
-                </a:r>
-                <a:r>
-                  <a:rPr lang="en-US" dirty="0"/>
-                  <a:t> </a:t>
-                </a:r>
-                <a:r>
-                  <a:rPr lang="en-US" dirty="0" err="1"/>
-                  <a:t>referencia</a:t>
-                </a:r>
-                <a:r>
-                  <a:rPr lang="en-US" dirty="0"/>
-                  <a:t> al valor</a:t>
+                  <a:rPr lang="es-ES" dirty="0"/>
+                  <a:t>Contienen el valor y no una referencia al valor</a:t>
                 </a:r>
               </a:p>
               <a:p>
                 <a:r>
-                  <a:rPr lang="en-US" dirty="0"/>
-                  <a:t>Las </a:t>
+                  <a:rPr lang="es-ES" dirty="0"/>
+                  <a:t>Las instancias de estos se guardan en un </a:t>
                 </a:r>
                 <a:r>
-                  <a:rPr lang="en-US" dirty="0" err="1"/>
-                  <a:t>instancias</a:t>
+                  <a:rPr lang="es-ES" dirty="0" smtClean="0"/>
+                  <a:t>área </a:t>
                 </a:r>
                 <a:r>
-                  <a:rPr lang="en-US" dirty="0"/>
-                  <a:t> de </a:t>
+                  <a:rPr lang="es-ES" dirty="0"/>
+                  <a:t>de memoria de acceso mas veloz</a:t>
                 </a:r>
-                <a:r>
-                  <a:rPr lang="en-US" dirty="0" err="1"/>
-                  <a:t>estos</a:t>
-                </a:r>
-                <a:r>
-                  <a:rPr lang="en-US" dirty="0"/>
-                  <a:t> se </a:t>
-                </a:r>
-                <a:r>
-                  <a:rPr lang="en-US" dirty="0" err="1"/>
-                  <a:t>guardan</a:t>
-                </a:r>
-                <a:r>
-                  <a:rPr lang="en-US" dirty="0"/>
-                  <a:t> en un area de </a:t>
-                </a:r>
-                <a:r>
-                  <a:rPr lang="en-US" dirty="0" err="1"/>
-                  <a:t>memoria</a:t>
-                </a:r>
-                <a:r>
-                  <a:rPr lang="en-US" dirty="0"/>
-                  <a:t> de </a:t>
-                </a:r>
-                <a:r>
-                  <a:rPr lang="en-US" dirty="0" err="1"/>
-                  <a:t>acceso</a:t>
-                </a:r>
-                <a:r>
-                  <a:rPr lang="en-US" dirty="0"/>
-                  <a:t> mas </a:t>
-                </a:r>
-                <a:r>
-                  <a:rPr lang="en-US" dirty="0" err="1"/>
-                  <a:t>veloz</a:t>
-                </a:r>
-                <a:endParaRPr lang="en-US" dirty="0"/>
               </a:p>
               <a:p>
                 <a:r>
-                  <a:rPr lang="en-US" dirty="0"/>
-                  <a:t>Se </a:t>
+                  <a:rPr lang="es-ES" dirty="0"/>
+                  <a:t>Se pueden crear </a:t>
                 </a:r>
                 <a:r>
-                  <a:rPr lang="en-US" dirty="0" err="1"/>
-                  <a:t>pueden</a:t>
+                  <a:rPr lang="es-ES" dirty="0" err="1"/>
+                  <a:t>Value</a:t>
                 </a:r>
                 <a:r>
-                  <a:rPr lang="en-US" dirty="0"/>
+                  <a:rPr lang="es-ES" dirty="0"/>
                   <a:t> </a:t>
                 </a:r>
                 <a:r>
-                  <a:rPr lang="en-US" dirty="0" err="1"/>
-                  <a:t>crear</a:t>
+                  <a:rPr lang="es-ES" dirty="0" err="1"/>
+                  <a:t>Type</a:t>
                 </a:r>
                 <a:r>
-                  <a:rPr lang="en-US" dirty="0"/>
-                  <a:t> Value Type </a:t>
+                  <a:rPr lang="es-ES" dirty="0"/>
+                  <a:t> por medio de </a:t>
                 </a:r>
                 <a:r>
-                  <a:rPr lang="en-US" dirty="0" err="1"/>
-                  <a:t>por</a:t>
+                  <a:rPr lang="es-ES" dirty="0" err="1"/>
+                  <a:t>Enums</a:t>
                 </a:r>
                 <a:r>
-                  <a:rPr lang="en-US" dirty="0"/>
+                  <a:rPr lang="es-ES" dirty="0"/>
+                  <a:t> y </a:t>
+                </a:r>
+                <a:r>
+                  <a:rPr lang="es-ES" dirty="0" err="1" smtClean="0"/>
+                  <a:t>Structs</a:t>
+                </a:r>
+                <a:endParaRPr lang="es-ES" dirty="0"/>
+              </a:p>
+              <a:p>
+                <a:r>
+                  <a:rPr lang="es-ES" dirty="0"/>
+                  <a:t>Constructor </a:t>
+                </a:r>
+                <a:r>
+                  <a:rPr lang="es-ES" dirty="0" smtClean="0"/>
+                  <a:t>implícito:</a:t>
+                </a:r>
+                <a:r>
+                  <a:rPr lang="es-ES" dirty="0"/>
                   <a:t> </a:t>
                 </a:r>
                 <a:r>
-                  <a:rPr lang="en-US" dirty="0" err="1"/>
-                  <a:t>medio</a:t>
-                </a:r>
-                <a:r>
-                  <a:rPr lang="en-US" dirty="0"/>
-                  <a:t> de </a:t>
-                </a:r>
-                <a:r>
-                  <a:rPr lang="en-US" dirty="0" err="1"/>
-                  <a:t>Enums</a:t>
-                </a:r>
-                <a:r>
-                  <a:rPr lang="en-US" dirty="0"/>
-                  <a:t> y </a:t>
-                </a:r>
-                <a:r>
-                  <a:rPr lang="en-US" dirty="0" err="1" smtClean="0"/>
-                  <a:t>Structs</a:t>
-                </a:r>
-                <a:endParaRPr lang="en-US" dirty="0"/>
-              </a:p>
-              <a:p>
-                <a:r>
-                  <a:rPr lang="en-US" dirty="0"/>
-                  <a:t>Constructor </a:t>
-                </a:r>
-                <a:r>
-                  <a:rPr lang="en-US" dirty="0" err="1"/>
-                  <a:t>implicito</a:t>
-                </a:r>
-                <a:r>
-                  <a:rPr lang="en-US" dirty="0" smtClean="0"/>
-                  <a:t>:</a:t>
-                </a:r>
-                <a:endParaRPr lang="en-US" dirty="0"/>
-              </a:p>
-              <a:p>
-                <a:pPr marL="0" lvl="2" indent="0">
-                  <a:buNone/>
-                </a:pPr>
-                <a:r>
-                  <a:rPr lang="es-AR" dirty="0">
+                  <a:rPr lang="es-ES" b="1" dirty="0" smtClean="0">
                     <a:latin typeface="Courier New" pitchFamily="49" charset="0"/>
                     <a:cs typeface="Courier New" pitchFamily="49" charset="0"/>
                   </a:rPr>
-                  <a:t>&lt;tipo de dato&gt; </a:t>
+                  <a:t>&lt;</a:t>
                 </a:r>
                 <a:r>
-                  <a:rPr lang="es-AR" dirty="0" err="1">
+                  <a:rPr lang="es-ES" b="1" dirty="0">
+                    <a:latin typeface="Courier New" pitchFamily="49" charset="0"/>
+                    <a:cs typeface="Courier New" pitchFamily="49" charset="0"/>
+                  </a:rPr>
+                  <a:t>tipo de dato&gt; </a:t>
+                </a:r>
+                <a:r>
+                  <a:rPr lang="es-ES" b="1" dirty="0" err="1">
                     <a:latin typeface="Courier New" pitchFamily="49" charset="0"/>
                     <a:cs typeface="Courier New" pitchFamily="49" charset="0"/>
                   </a:rPr>
                   <a:t>nombreVariable</a:t>
                 </a:r>
                 <a:r>
-                  <a:rPr lang="es-AR" dirty="0">
+                  <a:rPr lang="es-ES" b="1" dirty="0">
                     <a:latin typeface="Courier New" pitchFamily="49" charset="0"/>
                     <a:cs typeface="Courier New" pitchFamily="49" charset="0"/>
                   </a:rPr>
                   <a:t> = valor inicial</a:t>
                 </a:r>
                 <a:r>
-                  <a:rPr lang="es-AR" dirty="0" smtClean="0">
+                  <a:rPr lang="es-ES" b="1" dirty="0" smtClean="0">
                     <a:latin typeface="Courier New" pitchFamily="49" charset="0"/>
                     <a:cs typeface="Courier New" pitchFamily="49" charset="0"/>
                   </a:rPr>
                   <a:t>;</a:t>
                 </a:r>
-                <a:endParaRPr lang="en-US" dirty="0"/>
+                <a:endParaRPr lang="es-ES" b="1" dirty="0"/>
               </a:p>
               <a:p>
                 <a:r>
-                  <a:rPr lang="es-AR" dirty="0"/>
+                  <a:rPr lang="es-ES" dirty="0"/>
                   <a:t>Net Framework provee los siguientes </a:t>
                 </a:r>
                 <a:r>
-                  <a:rPr lang="es-AR" dirty="0" err="1"/>
+                  <a:rPr lang="es-ES" dirty="0" err="1"/>
                   <a:t>value</a:t>
                 </a:r>
                 <a:r>
-                  <a:rPr lang="es-AR" dirty="0"/>
+                  <a:rPr lang="es-ES" dirty="0"/>
                   <a:t> </a:t>
                 </a:r>
                 <a:r>
-                  <a:rPr lang="es-AR" dirty="0" err="1"/>
+                  <a:rPr lang="es-ES" dirty="0" err="1"/>
                   <a:t>types</a:t>
                 </a:r>
                 <a:r>
-                  <a:rPr lang="es-AR" dirty="0"/>
+                  <a:rPr lang="es-ES" dirty="0"/>
                   <a:t> por default:</a:t>
                 </a:r>
               </a:p>
               <a:p>
-                <a:pPr marL="285750" lvl="3" indent="-285750">
+                <a:pPr marL="541338" lvl="4" indent="-276225">
                   <a:buFont typeface="Wingdings" panose="05000000000000000000" pitchFamily="2" charset="2"/>
                   <a:buChar char="ü"/>
                 </a:pPr>
                 <a:r>
-                  <a:rPr lang="en-US" i="1" dirty="0" err="1"/>
+                  <a:rPr lang="es-ES" b="1" i="1" dirty="0"/>
                   <a:t>Numéricos</a:t>
                 </a:r>
                 <a:r>
-                  <a:rPr lang="en-US" i="1" dirty="0"/>
-                  <a:t> (int, decimal, float, double, </a:t>
+                  <a:rPr lang="es-ES" i="1" dirty="0"/>
+                  <a:t> (</a:t>
                 </a:r>
                 <a:r>
-                  <a:rPr lang="en-US" i="1" dirty="0" err="1"/>
+                  <a:rPr lang="es-ES" i="1" dirty="0" err="1"/>
+                  <a:t>int</a:t>
+                </a:r>
+                <a:r>
+                  <a:rPr lang="es-ES" i="1" dirty="0"/>
+                  <a:t>, decimal, </a:t>
+                </a:r>
+                <a:r>
+                  <a:rPr lang="es-ES" i="1" dirty="0" err="1"/>
+                  <a:t>float</a:t>
+                </a:r>
+                <a:r>
+                  <a:rPr lang="es-ES" i="1" dirty="0"/>
+                  <a:t>, </a:t>
+                </a:r>
+                <a:r>
+                  <a:rPr lang="es-ES" i="1" dirty="0" err="1"/>
+                  <a:t>double</a:t>
+                </a:r>
+                <a:r>
+                  <a:rPr lang="es-ES" i="1" dirty="0"/>
+                  <a:t>, </a:t>
+                </a:r>
+                <a:r>
+                  <a:rPr lang="es-ES" i="1" dirty="0" err="1"/>
                   <a:t>sbyte</a:t>
                 </a:r>
                 <a:r>
-                  <a:rPr lang="en-US" i="1" dirty="0"/>
-                  <a:t>, short, long, </a:t>
+                  <a:rPr lang="es-ES" i="1" dirty="0"/>
+                  <a:t>, short, </a:t>
                 </a:r>
                 <a:r>
-                  <a:rPr lang="en-US" i="1" dirty="0" err="1"/>
+                  <a:rPr lang="es-ES" i="1" dirty="0" err="1"/>
+                  <a:t>long</a:t>
+                </a:r>
+                <a:r>
+                  <a:rPr lang="es-ES" i="1" dirty="0"/>
+                  <a:t>, </a:t>
+                </a:r>
+                <a:r>
+                  <a:rPr lang="es-ES" i="1" dirty="0" err="1"/>
                   <a:t>ushort</a:t>
                 </a:r>
                 <a:r>
-                  <a:rPr lang="en-US" i="1" dirty="0"/>
+                  <a:rPr lang="es-ES" i="1" dirty="0"/>
                   <a:t>, </a:t>
                 </a:r>
                 <a:r>
-                  <a:rPr lang="en-US" i="1" dirty="0" err="1"/>
+                  <a:rPr lang="es-ES" i="1" dirty="0" err="1"/>
                   <a:t>uint</a:t>
                 </a:r>
                 <a:r>
-                  <a:rPr lang="en-US" i="1" dirty="0"/>
+                  <a:rPr lang="es-ES" i="1" dirty="0"/>
                   <a:t>, </a:t>
                 </a:r>
                 <a:r>
-                  <a:rPr lang="en-US" i="1" dirty="0" err="1"/>
+                  <a:rPr lang="es-ES" i="1" dirty="0" err="1"/>
                   <a:t>ulong</a:t>
                 </a:r>
                 <a:r>
-                  <a:rPr lang="en-US" i="1" dirty="0"/>
-                  <a:t>, byte, double)</a:t>
+                  <a:rPr lang="es-ES" i="1" dirty="0"/>
+                  <a:t>, byte, </a:t>
                 </a:r>
-                <a:endParaRPr lang="es-AR" i="1" dirty="0"/>
+                <a:r>
+                  <a:rPr lang="es-ES" i="1" dirty="0" err="1"/>
+                  <a:t>double</a:t>
+                </a:r>
+                <a:r>
+                  <a:rPr lang="es-ES" i="1" dirty="0"/>
+                  <a:t>)</a:t>
+                </a:r>
               </a:p>
               <a:p>
-                <a:pPr marL="285750" lvl="3" indent="-285750">
+                <a:pPr marL="541338" lvl="4" indent="-276225">
                   <a:buFont typeface="Wingdings" panose="05000000000000000000" pitchFamily="2" charset="2"/>
                   <a:buChar char="ü"/>
                 </a:pPr>
                 <a:r>
-                  <a:rPr lang="en-US" i="1" dirty="0" err="1"/>
+                  <a:rPr lang="es-ES" b="1" i="1" dirty="0"/>
                   <a:t>Alfabéticos</a:t>
                 </a:r>
                 <a:r>
-                  <a:rPr lang="en-US" i="1" dirty="0"/>
-                  <a:t> (char)</a:t>
+                  <a:rPr lang="es-ES" i="1" dirty="0"/>
+                  <a:t> (</a:t>
                 </a:r>
-                <a:endParaRPr lang="es-AR" i="1" dirty="0"/>
+                <a:r>
+                  <a:rPr lang="es-ES" i="1" dirty="0" err="1"/>
+                  <a:t>char</a:t>
+                </a:r>
+                <a:r>
+                  <a:rPr lang="es-ES" i="1" dirty="0"/>
+                  <a:t>)</a:t>
+                </a:r>
               </a:p>
               <a:p>
-                <a:pPr marL="285750" lvl="3" indent="-285750">
+                <a:pPr marL="541338" lvl="4" indent="-276225">
                   <a:buFont typeface="Wingdings" panose="05000000000000000000" pitchFamily="2" charset="2"/>
                   <a:buChar char="ü"/>
                 </a:pPr>
                 <a:r>
-                  <a:rPr lang="en-US" i="1" dirty="0"/>
+                  <a:rPr lang="es-ES" b="1" i="1" dirty="0"/>
                   <a:t>L</a:t>
                 </a:r>
                 <a14:m>
                   <m:oMath xmlns:m="http://schemas.openxmlformats.org/officeDocument/2006/math">
                     <m:r>
-                      <a:rPr lang="en-US" i="1">
+                      <a:rPr lang="es-ES" b="1" i="1">
                         <a:latin typeface="Cambria Math"/>
                       </a:rPr>
                       <m:t>ó</m:t>
@@ -14570,25 +14414,24 @@
                   </m:oMath>
                 </a14:m>
                 <a:r>
-                  <a:rPr lang="en-US" i="1" dirty="0" err="1"/>
+                  <a:rPr lang="es-ES" b="1" i="1" dirty="0" err="1"/>
                   <a:t>gicos</a:t>
                 </a:r>
                 <a:r>
-                  <a:rPr lang="en-US" i="1" dirty="0"/>
+                  <a:rPr lang="es-ES" i="1" dirty="0"/>
                   <a:t> (</a:t>
                 </a:r>
                 <a:r>
-                  <a:rPr lang="en-US" i="1" dirty="0" err="1"/>
+                  <a:rPr lang="es-ES" i="1" dirty="0" err="1"/>
                   <a:t>bool</a:t>
                 </a:r>
                 <a:r>
-                  <a:rPr lang="en-US" i="1" dirty="0"/>
+                  <a:rPr lang="es-ES" i="1" dirty="0"/>
                   <a:t>)</a:t>
                 </a:r>
-                <a:endParaRPr lang="es-AR" i="1" dirty="0"/>
               </a:p>
               <a:p>
-                <a:endParaRPr lang="en-US" dirty="0"/>
+                <a:endParaRPr lang="es-ES" dirty="0"/>
               </a:p>
             </p:txBody>
           </p:sp>
@@ -14608,7 +14451,7 @@
               <a:blipFill rotWithShape="0">
                 <a:blip r:embed="rId3"/>
                 <a:stretch>
-                  <a:fillRect l="-364" t="-488"/>
+                  <a:fillRect l="-312" t="-488"/>
                 </a:stretch>
               </a:blipFill>
             </p:spPr>
@@ -14617,7 +14460,7 @@
               <a:lstStyle/>
               <a:p>
                 <a:r>
-                  <a:rPr lang="es-AR">
+                  <a:rPr lang="es-ES">
                     <a:noFill/>
                   </a:rPr>
                   <a:t> </a:t>
@@ -14811,14 +14654,14 @@
           <a:lstStyle/>
           <a:p>
             <a:r>
-              <a:rPr lang="es-AR" dirty="0"/>
+              <a:rPr lang="es-ES" dirty="0" smtClean="0"/>
               <a:t>Variables locales implícitamente </a:t>
             </a:r>
             <a:r>
-              <a:rPr lang="es-AR" dirty="0" err="1" smtClean="0"/>
+              <a:rPr lang="es-ES" dirty="0" err="1" smtClean="0"/>
               <a:t>tipadas</a:t>
             </a:r>
-            <a:endParaRPr lang="es-AR" dirty="0"/>
+            <a:endParaRPr lang="es-ES" dirty="0"/>
           </a:p>
         </p:txBody>
       </p:sp>
@@ -15405,10 +15248,10 @@
           <a:lstStyle/>
           <a:p>
             <a:r>
-              <a:rPr lang="en-US" dirty="0" err="1" smtClean="0"/>
+              <a:rPr lang="es-ES" dirty="0" smtClean="0"/>
               <a:t>Colecciones</a:t>
             </a:r>
-            <a:endParaRPr lang="en-US" dirty="0"/>
+            <a:endParaRPr lang="es-ES" dirty="0"/>
           </a:p>
         </p:txBody>
       </p:sp>
@@ -15529,10 +15372,10 @@
           <a:lstStyle/>
           <a:p>
             <a:r>
-              <a:rPr lang="en-US" dirty="0" err="1" smtClean="0"/>
+              <a:rPr lang="es-ES" dirty="0" smtClean="0"/>
               <a:t>Enumeración</a:t>
             </a:r>
-            <a:endParaRPr lang="en-US" dirty="0"/>
+            <a:endParaRPr lang="es-ES" dirty="0"/>
           </a:p>
         </p:txBody>
       </p:sp>
@@ -15719,134 +15562,114 @@
           <a:lstStyle/>
           <a:p>
             <a:r>
-              <a:rPr lang="en-US" dirty="0" err="1"/>
+              <a:rPr lang="es-ES" dirty="0" err="1" smtClean="0"/>
               <a:t>IEnumerable</a:t>
             </a:r>
             <a:r>
-              <a:rPr lang="en-US" dirty="0"/>
+              <a:rPr lang="es-ES" dirty="0" smtClean="0"/>
               <a:t>&lt;T&gt; (and </a:t>
             </a:r>
             <a:r>
-              <a:rPr lang="en-US" dirty="0" err="1"/>
+              <a:rPr lang="es-ES" dirty="0" err="1" smtClean="0"/>
               <a:t>IEnumerable</a:t>
             </a:r>
             <a:r>
-              <a:rPr lang="en-US" dirty="0"/>
-              <a:t>): </a:t>
-            </a:r>
-            <a:r>
-              <a:rPr lang="en-US" dirty="0" err="1"/>
-              <a:t>mínima</a:t>
-            </a:r>
-            <a:r>
-              <a:rPr lang="en-US" dirty="0"/>
+              <a:rPr lang="es-ES" dirty="0" smtClean="0"/>
+              <a:t>): mínima funcionalidad (solo enumeración).</a:t>
+            </a:r>
+          </a:p>
+          <a:p>
+            <a:endParaRPr lang="es-ES" dirty="0" smtClean="0"/>
+          </a:p>
+          <a:p>
+            <a:r>
+              <a:rPr lang="es-ES" dirty="0" err="1" smtClean="0"/>
+              <a:t>ICollection</a:t>
+            </a:r>
+            <a:r>
+              <a:rPr lang="es-ES" dirty="0" smtClean="0"/>
+              <a:t>&lt;T&gt; (and </a:t>
+            </a:r>
+            <a:r>
+              <a:rPr lang="es-ES" dirty="0" err="1" smtClean="0"/>
+              <a:t>ICollection</a:t>
+            </a:r>
+            <a:r>
+              <a:rPr lang="es-ES" dirty="0" smtClean="0"/>
+              <a:t>): funcionalidad media (ej.: la propiedad </a:t>
+            </a:r>
+            <a:r>
+              <a:rPr lang="es-ES" b="1" i="1" dirty="0" err="1" smtClean="0"/>
+              <a:t>Count</a:t>
+            </a:r>
+            <a:r>
+              <a:rPr lang="es-ES" dirty="0" smtClean="0"/>
+              <a:t>).</a:t>
+            </a:r>
+          </a:p>
+          <a:p>
+            <a:endParaRPr lang="es-ES" dirty="0" smtClean="0"/>
+          </a:p>
+          <a:p>
+            <a:r>
+              <a:rPr lang="es-ES" dirty="0" err="1" smtClean="0"/>
+              <a:t>IList</a:t>
+            </a:r>
+            <a:r>
+              <a:rPr lang="es-ES" dirty="0" smtClean="0"/>
+              <a:t> &lt;T&gt;/</a:t>
+            </a:r>
+            <a:r>
+              <a:rPr lang="es-ES" dirty="0" err="1" smtClean="0"/>
+              <a:t>IDictionary</a:t>
+            </a:r>
+            <a:r>
+              <a:rPr lang="es-ES" dirty="0" smtClean="0"/>
+              <a:t> &lt;K,V&gt;: gran funcionalidad (incluye “</a:t>
+            </a:r>
+            <a:r>
+              <a:rPr lang="es-ES" dirty="0" err="1" smtClean="0"/>
+              <a:t>random</a:t>
+            </a:r>
+            <a:r>
+              <a:rPr lang="es-ES" dirty="0" smtClean="0"/>
               <a:t> </a:t>
             </a:r>
             <a:r>
-              <a:rPr lang="en-US" dirty="0" err="1"/>
-              <a:t>funcionalidad</a:t>
-            </a:r>
-            <a:r>
-              <a:rPr lang="en-US" dirty="0"/>
-              <a:t> (solo </a:t>
-            </a:r>
-            <a:r>
-              <a:rPr lang="en-US" dirty="0" err="1"/>
-              <a:t>enumeración</a:t>
-            </a:r>
-            <a:r>
-              <a:rPr lang="en-US" dirty="0"/>
-              <a:t>).</a:t>
-            </a:r>
-          </a:p>
-          <a:p>
-            <a:endParaRPr lang="en-US" dirty="0" smtClean="0"/>
-          </a:p>
-          <a:p>
-            <a:r>
-              <a:rPr lang="en-US" dirty="0" err="1" smtClean="0"/>
-              <a:t>ICollection</a:t>
-            </a:r>
-            <a:r>
-              <a:rPr lang="en-US" dirty="0" smtClean="0"/>
-              <a:t>&lt;T</a:t>
-            </a:r>
-            <a:r>
-              <a:rPr lang="en-US" dirty="0"/>
-              <a:t>&gt; (and </a:t>
-            </a:r>
-            <a:r>
-              <a:rPr lang="en-US" dirty="0" err="1"/>
-              <a:t>ICollection</a:t>
-            </a:r>
-            <a:r>
-              <a:rPr lang="en-US" dirty="0"/>
-              <a:t>): </a:t>
-            </a:r>
-            <a:r>
-              <a:rPr lang="en-US" dirty="0" err="1"/>
-              <a:t>funcionalidad</a:t>
-            </a:r>
-            <a:r>
-              <a:rPr lang="en-US" dirty="0"/>
-              <a:t> media (</a:t>
-            </a:r>
-            <a:r>
-              <a:rPr lang="en-US" dirty="0" err="1"/>
-              <a:t>ej</a:t>
-            </a:r>
-            <a:r>
-              <a:rPr lang="en-US" dirty="0"/>
-              <a:t>: la </a:t>
-            </a:r>
-            <a:r>
-              <a:rPr lang="en-US" dirty="0" err="1"/>
-              <a:t>propiedad</a:t>
-            </a:r>
-            <a:r>
-              <a:rPr lang="en-US" dirty="0"/>
-              <a:t> Count).</a:t>
-            </a:r>
-          </a:p>
-          <a:p>
-            <a:endParaRPr lang="en-US" dirty="0"/>
-          </a:p>
-          <a:p>
-            <a:r>
-              <a:rPr lang="en-US" dirty="0" err="1"/>
-              <a:t>IList</a:t>
-            </a:r>
-            <a:r>
-              <a:rPr lang="en-US" dirty="0"/>
-              <a:t> &lt;T&gt;/</a:t>
-            </a:r>
-            <a:r>
-              <a:rPr lang="en-US" dirty="0" err="1"/>
-              <a:t>IDictionary</a:t>
-            </a:r>
-            <a:r>
-              <a:rPr lang="en-US" dirty="0"/>
-              <a:t> &lt;K,V&gt;: gran </a:t>
-            </a:r>
-            <a:r>
-              <a:rPr lang="en-US" dirty="0" err="1"/>
-              <a:t>funcionalidad</a:t>
-            </a:r>
-            <a:r>
-              <a:rPr lang="en-US" dirty="0"/>
-              <a:t> (</a:t>
-            </a:r>
-            <a:r>
-              <a:rPr lang="en-US" dirty="0" err="1"/>
-              <a:t>incluye</a:t>
-            </a:r>
-            <a:r>
-              <a:rPr lang="en-US" dirty="0"/>
-              <a:t> “random access by index/key”).</a:t>
-            </a:r>
-          </a:p>
-          <a:p>
-            <a:endParaRPr lang="en-US" dirty="0"/>
+              <a:rPr lang="es-ES" dirty="0" err="1" smtClean="0"/>
+              <a:t>access</a:t>
+            </a:r>
+            <a:r>
+              <a:rPr lang="es-ES" dirty="0" smtClean="0"/>
+              <a:t> </a:t>
+            </a:r>
+            <a:r>
+              <a:rPr lang="es-ES" dirty="0" err="1" smtClean="0"/>
+              <a:t>by</a:t>
+            </a:r>
+            <a:r>
+              <a:rPr lang="es-ES" dirty="0" smtClean="0"/>
+              <a:t> </a:t>
+            </a:r>
+            <a:r>
+              <a:rPr lang="es-ES" dirty="0" err="1" smtClean="0"/>
+              <a:t>index</a:t>
+            </a:r>
+            <a:r>
+              <a:rPr lang="es-ES" dirty="0" smtClean="0"/>
+              <a:t>/</a:t>
+            </a:r>
+            <a:r>
+              <a:rPr lang="es-ES" dirty="0" err="1" smtClean="0"/>
+              <a:t>key</a:t>
+            </a:r>
+            <a:r>
+              <a:rPr lang="es-ES" dirty="0" smtClean="0"/>
+              <a:t>”).</a:t>
+            </a:r>
+          </a:p>
+          <a:p>
+            <a:endParaRPr lang="es-ES" dirty="0"/>
           </a:p>
         </p:txBody>
       </p:sp>
@@ -15889,26 +15712,26 @@
           <a:lstStyle/>
           <a:p>
             <a:r>
-              <a:rPr lang="en-US" dirty="0" err="1"/>
+              <a:rPr lang="es-ES" dirty="0" err="1" smtClean="0"/>
               <a:t>ICollection</a:t>
             </a:r>
             <a:r>
-              <a:rPr lang="en-US" dirty="0"/>
+              <a:rPr lang="es-ES" dirty="0" smtClean="0"/>
               <a:t>, </a:t>
             </a:r>
             <a:r>
-              <a:rPr lang="en-US" dirty="0" err="1"/>
+              <a:rPr lang="es-ES" dirty="0" err="1" smtClean="0"/>
               <a:t>IList</a:t>
             </a:r>
             <a:r>
-              <a:rPr lang="en-US" dirty="0"/>
+              <a:rPr lang="es-ES" dirty="0" smtClean="0"/>
               <a:t> e </a:t>
             </a:r>
             <a:r>
-              <a:rPr lang="en-US" dirty="0" err="1"/>
+              <a:rPr lang="es-ES" dirty="0" err="1" smtClean="0"/>
               <a:t>IDictionary</a:t>
             </a:r>
-            <a:endParaRPr lang="en-US" dirty="0"/>
+            <a:endParaRPr lang="es-ES" dirty="0" smtClean="0"/>
           </a:p>
           <a:p>
             <a:endParaRPr lang="en-US" dirty="0"/>
@@ -16097,7 +15920,7 @@
           <a:lstStyle/>
           <a:p>
             <a:r>
-              <a:rPr lang="en-US" dirty="0" err="1" smtClean="0"/>
+              <a:rPr lang="en-US" dirty="0" smtClean="0"/>
               <a:t>Introducción</a:t>
             </a:r>
             <a:endParaRPr lang="en-US" dirty="0"/>
@@ -16150,70 +15973,49 @@
           <a:lstStyle/>
           <a:p>
             <a:r>
-              <a:rPr lang="en-US" dirty="0" err="1"/>
-              <a:t>Es</a:t>
-            </a:r>
-            <a:r>
-              <a:rPr lang="en-US" dirty="0"/>
-              <a:t> </a:t>
-            </a:r>
-            <a:r>
-              <a:rPr lang="en-US" dirty="0" err="1"/>
-              <a:t>una</a:t>
-            </a:r>
-            <a:r>
-              <a:rPr lang="en-US" dirty="0"/>
-              <a:t> </a:t>
-            </a:r>
-            <a:r>
-              <a:rPr lang="en-US" dirty="0" err="1"/>
-              <a:t>clase</a:t>
-            </a:r>
-            <a:r>
-              <a:rPr lang="en-US" dirty="0"/>
+              <a:rPr lang="es-ES" dirty="0" smtClean="0"/>
+              <a:t>Es una clase.</a:t>
+            </a:r>
+          </a:p>
+          <a:p>
+            <a:r>
+              <a:rPr lang="es-ES" dirty="0" smtClean="0"/>
+              <a:t>Implícita para todos los </a:t>
+            </a:r>
+            <a:r>
+              <a:rPr lang="es-ES" dirty="0" err="1" smtClean="0"/>
+              <a:t>arrays</a:t>
+            </a:r>
+            <a:r>
+              <a:rPr lang="es-ES" dirty="0" smtClean="0"/>
+              <a:t> simples o multidimensionales.</a:t>
+            </a:r>
+          </a:p>
+          <a:p>
+            <a:r>
+              <a:rPr lang="es-ES" dirty="0" smtClean="0"/>
+              <a:t>Utilizada para implementar las colecciones más básicas y fundamentales dentro de </a:t>
+            </a:r>
+            <a:r>
+              <a:rPr lang="es-ES" dirty="0" err="1" smtClean="0"/>
+              <a:t>.Net</a:t>
+            </a:r>
+            <a:r>
+              <a:rPr lang="es-ES" dirty="0" smtClean="0"/>
               <a:t>.</a:t>
             </a:r>
-            <a:endParaRPr lang="es-AR" dirty="0"/>
-          </a:p>
-          <a:p>
-            <a:r>
-              <a:rPr lang="es-AR" dirty="0"/>
-              <a:t>Implícita para todos los </a:t>
-            </a:r>
-            <a:r>
-              <a:rPr lang="es-AR" dirty="0" err="1"/>
-              <a:t>arrays</a:t>
-            </a:r>
-            <a:r>
-              <a:rPr lang="es-AR" dirty="0"/>
-              <a:t> simples o multidimensionales.</a:t>
-            </a:r>
-          </a:p>
-          <a:p>
-            <a:r>
-              <a:rPr lang="es-AR" dirty="0"/>
-              <a:t>Utilizada para implementar las colecciones más básicas y fundamentales dentro de </a:t>
-            </a:r>
-            <a:r>
-              <a:rPr lang="es-AR" dirty="0" err="1"/>
-              <a:t>.Net</a:t>
-            </a:r>
-            <a:r>
-              <a:rPr lang="es-AR" dirty="0"/>
-              <a:t>.</a:t>
-            </a:r>
-          </a:p>
-          <a:p>
-            <a:r>
-              <a:rPr lang="es-AR" dirty="0"/>
+          </a:p>
+          <a:p>
+            <a:r>
+              <a:rPr lang="es-ES" dirty="0" smtClean="0"/>
               <a:t>C# provee sintaxis explicita para su declaración e instanciación.</a:t>
             </a:r>
           </a:p>
           <a:p>
-            <a:endParaRPr lang="es-AR" dirty="0"/>
-          </a:p>
-          <a:p>
-            <a:endParaRPr lang="en-US" dirty="0"/>
+            <a:endParaRPr lang="es-ES" dirty="0" smtClean="0"/>
+          </a:p>
+          <a:p>
+            <a:endParaRPr lang="es-ES" dirty="0"/>
           </a:p>
         </p:txBody>
       </p:sp>
@@ -16782,7 +16584,7 @@
           <a:bodyPr/>
           <a:lstStyle/>
           <a:p>
-            <a:endParaRPr lang="en-US"/>
+            <a:endParaRPr lang="en-US" dirty="0"/>
           </a:p>
         </p:txBody>
       </p:sp>
@@ -17547,7 +17349,7 @@
             </a:r>
           </a:p>
           <a:p>
-            <a:endParaRPr lang="en-US" dirty="0"/>
+            <a:endParaRPr lang="es-ES" dirty="0"/>
           </a:p>
         </p:txBody>
       </p:sp>
@@ -17590,10 +17392,10 @@
           <a:lstStyle/>
           <a:p>
             <a:r>
-              <a:rPr lang="en-US" dirty="0" err="1"/>
+              <a:rPr lang="es-ES" dirty="0" smtClean="0"/>
               <a:t>Diccionarios</a:t>
             </a:r>
-            <a:endParaRPr lang="en-US" dirty="0"/>
+            <a:endParaRPr lang="es-ES" dirty="0"/>
           </a:p>
         </p:txBody>
       </p:sp>
@@ -18298,9 +18100,10 @@
           <a:lstStyle/>
           <a:p>
             <a:r>
-              <a:rPr lang="en-US" dirty="0"/>
-              <a:t>Exception</a:t>
-            </a:r>
+              <a:rPr lang="en-US" dirty="0" err="1" smtClean="0"/>
+              <a:t>Excepciones</a:t>
+            </a:r>
+            <a:endParaRPr lang="en-US" dirty="0"/>
           </a:p>
         </p:txBody>
       </p:sp>
@@ -18357,16 +18160,17 @@
           <a:lstStyle/>
           <a:p>
             <a:r>
-              <a:rPr lang="en-US" dirty="0" err="1"/>
-              <a:t>Bloque</a:t>
-            </a:r>
-            <a:r>
-              <a:rPr lang="en-US" dirty="0"/>
-              <a:t> try / catch / finally</a:t>
-            </a:r>
-          </a:p>
-          <a:p>
-            <a:endParaRPr lang="en-US" dirty="0"/>
+              <a:rPr lang="es-ES" dirty="0" smtClean="0"/>
+              <a:t>Bloque try / catch / </a:t>
+            </a:r>
+            <a:r>
+              <a:rPr lang="es-ES" dirty="0" err="1" smtClean="0"/>
+              <a:t>finally</a:t>
+            </a:r>
+            <a:endParaRPr lang="es-ES" dirty="0" smtClean="0"/>
+          </a:p>
+          <a:p>
+            <a:endParaRPr lang="es-ES" dirty="0"/>
           </a:p>
         </p:txBody>
       </p:sp>
@@ -18409,13 +18213,12 @@
           <a:lstStyle/>
           <a:p>
             <a:r>
-              <a:rPr lang="en-US" dirty="0" smtClean="0"/>
-              <a:t>Exception</a:t>
-            </a:r>
-            <a:endParaRPr lang="en-US" dirty="0"/>
-          </a:p>
-          <a:p>
-            <a:endParaRPr lang="en-US" dirty="0"/>
+              <a:rPr lang="es-ES" dirty="0" smtClean="0"/>
+              <a:t>Excepciones</a:t>
+            </a:r>
+          </a:p>
+          <a:p>
+            <a:endParaRPr lang="es-ES" dirty="0"/>
           </a:p>
         </p:txBody>
       </p:sp>
@@ -18536,7 +18339,23 @@
             <a:pPr lvl="0"/>
             <a:r>
               <a:rPr lang="es-AR" dirty="0"/>
-              <a:t>Determina si hay un bloque try o catch para atrapar el error</a:t>
+              <a:t>Determina si hay un bloque </a:t>
+            </a:r>
+            <a:r>
+              <a:rPr lang="es-AR" i="1" dirty="0"/>
+              <a:t>try</a:t>
+            </a:r>
+            <a:r>
+              <a:rPr lang="es-AR" dirty="0"/>
+              <a:t> o </a:t>
+            </a:r>
+            <a:r>
+              <a:rPr lang="es-AR" i="1" dirty="0"/>
+              <a:t>catch</a:t>
+            </a:r>
+            <a:r>
+              <a:rPr lang="es-AR" dirty="0"/>
+              <a:t> para atrapar el error</a:t>
             </a:r>
             <a:r>
               <a:rPr lang="es-AR" dirty="0" smtClean="0"/>
@@ -18548,7 +18367,11 @@
             <a:pPr lvl="0"/>
             <a:r>
               <a:rPr lang="es-AR" dirty="0"/>
-              <a:t>Si es así, para la ejecución del programa al bloque catch</a:t>
+              <a:t>Si es así, para la ejecución del programa al bloque </a:t>
+            </a:r>
+            <a:r>
+              <a:rPr lang="es-AR" i="1" dirty="0"/>
+              <a:t>catch</a:t>
             </a:r>
             <a:r>
               <a:rPr lang="es-AR" dirty="0" smtClean="0"/>
@@ -18560,7 +18383,15 @@
             <a:pPr lvl="0"/>
             <a:r>
               <a:rPr lang="es-AR" dirty="0"/>
-              <a:t>Cuando finaliza la ejecución del catch se continua con la ejecución fuera del bloque</a:t>
+              <a:t>Cuando finaliza la ejecución del </a:t>
+            </a:r>
+            <a:r>
+              <a:rPr lang="es-AR" i="1" dirty="0"/>
+              <a:t>catch</a:t>
+            </a:r>
+            <a:r>
+              <a:rPr lang="es-AR" dirty="0"/>
+              <a:t> se continua con la ejecución fuera del bloque</a:t>
             </a:r>
             <a:r>
               <a:rPr lang="es-AR" dirty="0" smtClean="0"/>
@@ -18584,7 +18415,15 @@
             <a:pPr lvl="0"/>
             <a:r>
               <a:rPr lang="es-AR" dirty="0"/>
-              <a:t>Y se vuelve a evaluar si existe un bloque catch para manejar el error</a:t>
+              <a:t>Y se vuelve a evaluar si existe un bloque </a:t>
+            </a:r>
+            <a:r>
+              <a:rPr lang="es-AR" i="1" dirty="0"/>
+              <a:t>catch</a:t>
+            </a:r>
+            <a:r>
+              <a:rPr lang="es-AR" dirty="0"/>
+              <a:t> para manejar el error</a:t>
             </a:r>
             <a:r>
               <a:rPr lang="es-AR" dirty="0" smtClean="0"/>
@@ -18645,17 +18484,12 @@
           <a:lstStyle/>
           <a:p>
             <a:r>
-              <a:rPr lang="en-US" dirty="0"/>
-              <a:t>CLR y las </a:t>
-            </a:r>
-            <a:r>
-              <a:rPr lang="en-US" dirty="0" err="1"/>
-              <a:t>excepciones</a:t>
-            </a:r>
-            <a:endParaRPr lang="en-US" dirty="0"/>
-          </a:p>
-          <a:p>
-            <a:endParaRPr lang="en-US" dirty="0"/>
+              <a:rPr lang="es-ES" dirty="0" smtClean="0"/>
+              <a:t>CLR y las excepciones</a:t>
+            </a:r>
+          </a:p>
+          <a:p>
+            <a:endParaRPr lang="es-ES" dirty="0"/>
           </a:p>
         </p:txBody>
       </p:sp>
@@ -19747,10 +19581,10 @@
           <a:lstStyle/>
           <a:p>
             <a:r>
-              <a:rPr lang="en-US" dirty="0" smtClean="0"/>
-              <a:t>Exception</a:t>
-            </a:r>
-            <a:endParaRPr lang="en-US" dirty="0"/>
+              <a:rPr lang="es-ES" dirty="0" smtClean="0"/>
+              <a:t>Excepciones</a:t>
+            </a:r>
+            <a:endParaRPr lang="es-ES" dirty="0"/>
           </a:p>
         </p:txBody>
       </p:sp>
@@ -19875,13 +19709,14 @@
               <a:t>¿</a:t>
             </a:r>
             <a:r>
-              <a:rPr lang="en-US" dirty="0" err="1" smtClean="0"/>
+              <a:rPr lang="es-ES" dirty="0" smtClean="0"/>
               <a:t>Preguntas</a:t>
             </a:r>
             <a:r>
-              <a:rPr lang="en-US" dirty="0"/>
+              <a:rPr lang="en-US" dirty="0" smtClean="0"/>
               <a:t>?</a:t>
             </a:r>
+            <a:endParaRPr lang="en-US" dirty="0"/>
           </a:p>
         </p:txBody>
       </p:sp>
@@ -19998,20 +19833,12 @@
           <a:lstStyle/>
           <a:p>
             <a:r>
-              <a:rPr lang="en-US" dirty="0" err="1" smtClean="0"/>
-              <a:t>Todo</a:t>
-            </a:r>
-            <a:r>
               <a:rPr lang="en-US" dirty="0" smtClean="0"/>
-              <a:t> </a:t>
-            </a:r>
-            <a:r>
-              <a:rPr lang="en-US" dirty="0" err="1"/>
-              <a:t>es</a:t>
+              <a:t>Todo </a:t>
             </a:r>
             <a:r>
               <a:rPr lang="en-US" dirty="0"/>
-              <a:t> un object</a:t>
+              <a:t>es un object</a:t>
             </a:r>
             <a:endParaRPr lang="es-AR" dirty="0"/>
           </a:p>
@@ -20765,23 +20592,19 @@
           <a:lstStyle/>
           <a:p>
             <a:r>
-              <a:rPr lang="en-US" dirty="0" err="1"/>
+              <a:rPr lang="en-US" dirty="0" err="1" smtClean="0"/>
               <a:t>Mi</a:t>
             </a:r>
             <a:r>
+              <a:rPr lang="en-US" dirty="0" smtClean="0"/>
+              <a:t> </a:t>
+            </a:r>
+            <a:r>
+              <a:rPr lang="en-US" dirty="0" smtClean="0"/>
+              <a:t>primer </a:t>
+            </a:r>
+            <a:r>
               <a:rPr lang="en-US" dirty="0"/>
-              <a:t> </a:t>
-            </a:r>
-            <a:r>
-              <a:rPr lang="en-US" dirty="0" err="1"/>
-              <a:t>primera</a:t>
-            </a:r>
-            <a:r>
-              <a:rPr lang="en-US" dirty="0"/>
-              <a:t> </a:t>
-            </a:r>
-            <a:r>
-              <a:rPr lang="en-US" dirty="0" err="1"/>
               <a:t>aplicación</a:t>
             </a:r>
             <a:endParaRPr lang="es-AR" dirty="0"/>
@@ -20916,12 +20739,16 @@
           <a:lstStyle/>
           <a:p>
             <a:r>
-              <a:rPr lang="en-US" dirty="0" err="1"/>
+              <a:rPr lang="en-US" dirty="0" err="1" smtClean="0"/>
               <a:t>Estructuras</a:t>
             </a:r>
             <a:r>
+              <a:rPr lang="en-US" dirty="0" smtClean="0"/>
+              <a:t> de </a:t>
+            </a:r>
+            <a:r>
               <a:rPr lang="en-US" dirty="0"/>
-              <a:t> de control</a:t>
+              <a:t>control</a:t>
             </a:r>
             <a:endParaRPr lang="es-AR" dirty="0"/>
           </a:p>
@@ -21424,10 +21251,10 @@
           <a:lstStyle/>
           <a:p>
             <a:r>
-              <a:rPr lang="en-US" dirty="0" err="1" smtClean="0"/>
+              <a:rPr lang="es-ES" dirty="0" smtClean="0"/>
               <a:t>Clases</a:t>
             </a:r>
-            <a:endParaRPr lang="en-US" dirty="0"/>
+            <a:endParaRPr lang="es-ES" dirty="0"/>
           </a:p>
         </p:txBody>
       </p:sp>

--- a/Presentaciones/Introduccion .NET.pptx
+++ b/Presentaciones/Introduccion .NET.pptx
@@ -5,7 +5,7 @@
     <p:sldMasterId id="2147483660" r:id="rId1"/>
   </p:sldMasterIdLst>
   <p:notesMasterIdLst>
-    <p:notesMasterId r:id="rId44"/>
+    <p:notesMasterId r:id="rId40"/>
   </p:notesMasterIdLst>
   <p:sldIdLst>
     <p:sldId id="257" r:id="rId2"/>
@@ -25,31 +25,27 @@
     <p:sldId id="283" r:id="rId16"/>
     <p:sldId id="284" r:id="rId17"/>
     <p:sldId id="286" r:id="rId18"/>
-    <p:sldId id="287" r:id="rId19"/>
-    <p:sldId id="290" r:id="rId20"/>
-    <p:sldId id="288" r:id="rId21"/>
-    <p:sldId id="291" r:id="rId22"/>
-    <p:sldId id="293" r:id="rId23"/>
-    <p:sldId id="297" r:id="rId24"/>
-    <p:sldId id="294" r:id="rId25"/>
-    <p:sldId id="299" r:id="rId26"/>
-    <p:sldId id="303" r:id="rId27"/>
-    <p:sldId id="304" r:id="rId28"/>
-    <p:sldId id="305" r:id="rId29"/>
-    <p:sldId id="306" r:id="rId30"/>
-    <p:sldId id="311" r:id="rId31"/>
-    <p:sldId id="308" r:id="rId32"/>
-    <p:sldId id="313" r:id="rId33"/>
-    <p:sldId id="315" r:id="rId34"/>
-    <p:sldId id="314" r:id="rId35"/>
-    <p:sldId id="316" r:id="rId36"/>
-    <p:sldId id="320" r:id="rId37"/>
-    <p:sldId id="321" r:id="rId38"/>
-    <p:sldId id="322" r:id="rId39"/>
-    <p:sldId id="323" r:id="rId40"/>
-    <p:sldId id="324" r:id="rId41"/>
-    <p:sldId id="325" r:id="rId42"/>
-    <p:sldId id="270" r:id="rId43"/>
+    <p:sldId id="290" r:id="rId19"/>
+    <p:sldId id="288" r:id="rId20"/>
+    <p:sldId id="291" r:id="rId21"/>
+    <p:sldId id="293" r:id="rId22"/>
+    <p:sldId id="294" r:id="rId23"/>
+    <p:sldId id="303" r:id="rId24"/>
+    <p:sldId id="304" r:id="rId25"/>
+    <p:sldId id="305" r:id="rId26"/>
+    <p:sldId id="311" r:id="rId27"/>
+    <p:sldId id="308" r:id="rId28"/>
+    <p:sldId id="313" r:id="rId29"/>
+    <p:sldId id="315" r:id="rId30"/>
+    <p:sldId id="316" r:id="rId31"/>
+    <p:sldId id="320" r:id="rId32"/>
+    <p:sldId id="326" r:id="rId33"/>
+    <p:sldId id="327" r:id="rId34"/>
+    <p:sldId id="321" r:id="rId35"/>
+    <p:sldId id="323" r:id="rId36"/>
+    <p:sldId id="324" r:id="rId37"/>
+    <p:sldId id="325" r:id="rId38"/>
+    <p:sldId id="270" r:id="rId39"/>
   </p:sldIdLst>
   <p:sldSz cx="12192000" cy="6858000"/>
   <p:notesSz cx="6858000" cy="9144000"/>
@@ -250,7 +246,7 @@
           <a:p>
             <a:fld id="{9CF9B008-76FC-4A89-86AF-A3CFDD2ADA03}" type="datetimeFigureOut">
               <a:rPr lang="en-US" smtClean="0"/>
-              <a:t>4/21/2017</a:t>
+              <a:t>4/24/2017</a:t>
             </a:fld>
             <a:endParaRPr lang="en-US"/>
           </a:p>
@@ -674,6 +670,23 @@
           <a:bodyPr/>
           <a:lstStyle/>
           <a:p>
+            <a:pPr marL="0" marR="0" indent="0" algn="l" defTabSz="914400" rtl="0" eaLnBrk="1" fontAlgn="auto" latinLnBrk="0" hangingPunct="1">
+              <a:lnSpc>
+                <a:spcPct val="100000"/>
+              </a:lnSpc>
+              <a:spcBef>
+                <a:spcPts val="0"/>
+              </a:spcBef>
+              <a:spcAft>
+                <a:spcPts val="0"/>
+              </a:spcAft>
+              <a:buClrTx/>
+              <a:buSzTx/>
+              <a:buFontTx/>
+              <a:buNone/>
+              <a:tabLst/>
+              <a:defRPr/>
+            </a:pPr>
             <a:r>
               <a:rPr lang="es-AR" sz="1200" kern="1200" dirty="0" smtClean="0">
                 <a:solidFill>
@@ -684,7 +697,7 @@
                 <a:ea typeface="+mn-ea"/>
                 <a:cs typeface="+mn-cs"/>
               </a:rPr>
-              <a:t>Las </a:t>
+              <a:t>Los tipos genéricos agregan el concepto de parámetros de tipo a .NET Framework, lo cual permite diseñar clases y métodos que aplazan la especificación de uno o más tipos hasta que el código de cliente declara y crea una instancia de la clase o del método. Por ejemplo, mediante la utilización de un parámetro de tipo genérico T, se puede escribir una clase única que otro código de cliente puede utilizar sin generar el costo o el riesgo de conversiones en tiempo de ejecución u operaciones de conversión </a:t>
             </a:r>
             <a:r>
               <a:rPr lang="es-AR" sz="1200" kern="1200" dirty="0" err="1" smtClean="0">
@@ -696,328 +709,8 @@
                 <a:ea typeface="+mn-ea"/>
                 <a:cs typeface="+mn-cs"/>
               </a:rPr>
-              <a:t>structs</a:t>
-            </a:r>
-            <a:r>
-              <a:rPr lang="es-AR" sz="1200" kern="1200" dirty="0" smtClean="0">
-                <a:solidFill>
-                  <a:schemeClr val="tx1"/>
-                </a:solidFill>
-                <a:effectLst/>
-                <a:latin typeface="+mn-lt"/>
-                <a:ea typeface="+mn-ea"/>
-                <a:cs typeface="+mn-cs"/>
-              </a:rPr>
-              <a:t> tienen una función similar a las clases y son, generalmente, más eficientes. Debemos definir un </a:t>
-            </a:r>
-            <a:r>
-              <a:rPr lang="es-AR" sz="1200" kern="1200" dirty="0" err="1" smtClean="0">
-                <a:solidFill>
-                  <a:schemeClr val="tx1"/>
-                </a:solidFill>
-                <a:effectLst/>
-                <a:latin typeface="+mn-lt"/>
-                <a:ea typeface="+mn-ea"/>
-                <a:cs typeface="+mn-cs"/>
-              </a:rPr>
-              <a:t>struct</a:t>
-            </a:r>
-            <a:r>
-              <a:rPr lang="es-AR" sz="1200" kern="1200" dirty="0" smtClean="0">
-                <a:solidFill>
-                  <a:schemeClr val="tx1"/>
-                </a:solidFill>
-                <a:effectLst/>
-                <a:latin typeface="+mn-lt"/>
-                <a:ea typeface="+mn-ea"/>
-                <a:cs typeface="+mn-cs"/>
-              </a:rPr>
-              <a:t>, en lugar de una clase, si el tipo funcionará mejor como </a:t>
-            </a:r>
-            <a:r>
-              <a:rPr lang="es-AR" sz="1200" kern="1200" dirty="0" err="1" smtClean="0">
-                <a:solidFill>
-                  <a:schemeClr val="tx1"/>
-                </a:solidFill>
-                <a:effectLst/>
-                <a:latin typeface="+mn-lt"/>
-                <a:ea typeface="+mn-ea"/>
-                <a:cs typeface="+mn-cs"/>
-              </a:rPr>
-              <a:t>value</a:t>
-            </a:r>
-            <a:r>
-              <a:rPr lang="es-AR" sz="1200" kern="1200" dirty="0" smtClean="0">
-                <a:solidFill>
-                  <a:schemeClr val="tx1"/>
-                </a:solidFill>
-                <a:effectLst/>
-                <a:latin typeface="+mn-lt"/>
-                <a:ea typeface="+mn-ea"/>
-                <a:cs typeface="+mn-cs"/>
-              </a:rPr>
-              <a:t> </a:t>
-            </a:r>
-            <a:r>
-              <a:rPr lang="es-AR" sz="1200" kern="1200" dirty="0" err="1" smtClean="0">
-                <a:solidFill>
-                  <a:schemeClr val="tx1"/>
-                </a:solidFill>
-                <a:effectLst/>
-                <a:latin typeface="+mn-lt"/>
-                <a:ea typeface="+mn-ea"/>
-                <a:cs typeface="+mn-cs"/>
-              </a:rPr>
-              <a:t>type</a:t>
-            </a:r>
-            <a:r>
-              <a:rPr lang="es-AR" sz="1200" kern="1200" dirty="0" smtClean="0">
-                <a:solidFill>
-                  <a:schemeClr val="tx1"/>
-                </a:solidFill>
-                <a:effectLst/>
-                <a:latin typeface="+mn-lt"/>
-                <a:ea typeface="+mn-ea"/>
-                <a:cs typeface="+mn-cs"/>
-              </a:rPr>
-              <a:t> que como </a:t>
-            </a:r>
-            <a:r>
-              <a:rPr lang="es-AR" sz="1200" kern="1200" dirty="0" err="1" smtClean="0">
-                <a:solidFill>
-                  <a:schemeClr val="tx1"/>
-                </a:solidFill>
-                <a:effectLst/>
-                <a:latin typeface="+mn-lt"/>
-                <a:ea typeface="+mn-ea"/>
-                <a:cs typeface="+mn-cs"/>
-              </a:rPr>
-              <a:t>reference</a:t>
-            </a:r>
-            <a:r>
-              <a:rPr lang="es-AR" sz="1200" kern="1200" dirty="0" smtClean="0">
-                <a:solidFill>
-                  <a:schemeClr val="tx1"/>
-                </a:solidFill>
-                <a:effectLst/>
-                <a:latin typeface="+mn-lt"/>
-                <a:ea typeface="+mn-ea"/>
-                <a:cs typeface="+mn-cs"/>
-              </a:rPr>
-              <a:t> </a:t>
-            </a:r>
-            <a:r>
-              <a:rPr lang="es-AR" sz="1200" kern="1200" dirty="0" err="1" smtClean="0">
-                <a:solidFill>
-                  <a:schemeClr val="tx1"/>
-                </a:solidFill>
-                <a:effectLst/>
-                <a:latin typeface="+mn-lt"/>
-                <a:ea typeface="+mn-ea"/>
-                <a:cs typeface="+mn-cs"/>
-              </a:rPr>
-              <a:t>type</a:t>
-            </a:r>
-            <a:r>
-              <a:rPr lang="es-AR" sz="1200" kern="1200" dirty="0" smtClean="0">
-                <a:solidFill>
-                  <a:schemeClr val="tx1"/>
-                </a:solidFill>
-                <a:effectLst/>
-                <a:latin typeface="+mn-lt"/>
-                <a:ea typeface="+mn-ea"/>
-                <a:cs typeface="+mn-cs"/>
-              </a:rPr>
-              <a:t>. Específicamente, los tipo </a:t>
-            </a:r>
-            <a:r>
-              <a:rPr lang="es-AR" sz="1200" kern="1200" dirty="0" err="1" smtClean="0">
-                <a:solidFill>
-                  <a:schemeClr val="tx1"/>
-                </a:solidFill>
-                <a:effectLst/>
-                <a:latin typeface="+mn-lt"/>
-                <a:ea typeface="+mn-ea"/>
-                <a:cs typeface="+mn-cs"/>
-              </a:rPr>
-              <a:t>struct</a:t>
-            </a:r>
-            <a:r>
-              <a:rPr lang="es-AR" sz="1200" kern="1200" dirty="0" smtClean="0">
-                <a:solidFill>
-                  <a:schemeClr val="tx1"/>
-                </a:solidFill>
-                <a:effectLst/>
-                <a:latin typeface="+mn-lt"/>
-                <a:ea typeface="+mn-ea"/>
-                <a:cs typeface="+mn-cs"/>
-              </a:rPr>
-              <a:t> deben reunir todos los siguientes criterio:</a:t>
-            </a:r>
-          </a:p>
-          <a:p>
-            <a:pPr lvl="0"/>
-            <a:r>
-              <a:rPr lang="en-US" sz="1200" kern="1200" dirty="0" err="1" smtClean="0">
-                <a:solidFill>
-                  <a:schemeClr val="tx1"/>
-                </a:solidFill>
-                <a:effectLst/>
-                <a:latin typeface="+mn-lt"/>
-                <a:ea typeface="+mn-ea"/>
-                <a:cs typeface="+mn-cs"/>
-              </a:rPr>
-              <a:t>Representan</a:t>
-            </a:r>
-            <a:r>
-              <a:rPr lang="en-US" sz="1200" kern="1200" dirty="0" smtClean="0">
-                <a:solidFill>
-                  <a:schemeClr val="tx1"/>
-                </a:solidFill>
-                <a:effectLst/>
-                <a:latin typeface="+mn-lt"/>
-                <a:ea typeface="+mn-ea"/>
-                <a:cs typeface="+mn-cs"/>
-              </a:rPr>
-              <a:t> un solo valor</a:t>
-            </a:r>
-            <a:endParaRPr lang="es-AR" sz="1200" kern="1200" dirty="0" smtClean="0">
-              <a:solidFill>
-                <a:schemeClr val="tx1"/>
-              </a:solidFill>
-              <a:effectLst/>
-              <a:latin typeface="+mn-lt"/>
-              <a:ea typeface="+mn-ea"/>
-              <a:cs typeface="+mn-cs"/>
-            </a:endParaRPr>
-          </a:p>
-          <a:p>
-            <a:pPr lvl="0"/>
-            <a:r>
-              <a:rPr lang="es-AR" sz="1200" kern="1200" dirty="0" smtClean="0">
-                <a:solidFill>
-                  <a:schemeClr val="tx1"/>
-                </a:solidFill>
-                <a:effectLst/>
-                <a:latin typeface="+mn-lt"/>
-                <a:ea typeface="+mn-ea"/>
-                <a:cs typeface="+mn-cs"/>
-              </a:rPr>
-              <a:t>Tienen como tamaño de instancia menos de 16 bytes</a:t>
-            </a:r>
-          </a:p>
-          <a:p>
-            <a:pPr lvl="0"/>
-            <a:r>
-              <a:rPr lang="es-AR" sz="1200" kern="1200" dirty="0" smtClean="0">
-                <a:solidFill>
-                  <a:schemeClr val="tx1"/>
-                </a:solidFill>
-                <a:effectLst/>
-                <a:latin typeface="+mn-lt"/>
-                <a:ea typeface="+mn-ea"/>
-                <a:cs typeface="+mn-cs"/>
-              </a:rPr>
-              <a:t>No cambiarán luego de la creación.</a:t>
-            </a:r>
-          </a:p>
-          <a:p>
-            <a:pPr lvl="0"/>
-            <a:r>
-              <a:rPr lang="es-AR" sz="1200" kern="1200" dirty="0" smtClean="0">
-                <a:solidFill>
-                  <a:schemeClr val="tx1"/>
-                </a:solidFill>
-                <a:effectLst/>
-                <a:latin typeface="+mn-lt"/>
-                <a:ea typeface="+mn-ea"/>
-                <a:cs typeface="+mn-cs"/>
-              </a:rPr>
-              <a:t>No serán casteado a un </a:t>
-            </a:r>
-            <a:r>
-              <a:rPr lang="es-AR" sz="1200" kern="1200" dirty="0" err="1" smtClean="0">
-                <a:solidFill>
-                  <a:schemeClr val="tx1"/>
-                </a:solidFill>
-                <a:effectLst/>
-                <a:latin typeface="+mn-lt"/>
-                <a:ea typeface="+mn-ea"/>
-                <a:cs typeface="+mn-cs"/>
-              </a:rPr>
-              <a:t>reference</a:t>
-            </a:r>
-            <a:r>
-              <a:rPr lang="es-AR" sz="1200" kern="1200" dirty="0" smtClean="0">
-                <a:solidFill>
-                  <a:schemeClr val="tx1"/>
-                </a:solidFill>
-                <a:effectLst/>
-                <a:latin typeface="+mn-lt"/>
-                <a:ea typeface="+mn-ea"/>
-                <a:cs typeface="+mn-cs"/>
-              </a:rPr>
-              <a:t> </a:t>
-            </a:r>
-            <a:r>
-              <a:rPr lang="es-AR" sz="1200" kern="1200" dirty="0" err="1" smtClean="0">
-                <a:solidFill>
-                  <a:schemeClr val="tx1"/>
-                </a:solidFill>
-                <a:effectLst/>
-                <a:latin typeface="+mn-lt"/>
-                <a:ea typeface="+mn-ea"/>
-                <a:cs typeface="+mn-cs"/>
-              </a:rPr>
-              <a:t>type</a:t>
-            </a:r>
-            <a:endParaRPr lang="es-AR" sz="1200" kern="1200" dirty="0" smtClean="0">
-              <a:solidFill>
-                <a:schemeClr val="tx1"/>
-              </a:solidFill>
-              <a:effectLst/>
-              <a:latin typeface="+mn-lt"/>
-              <a:ea typeface="+mn-ea"/>
-              <a:cs typeface="+mn-cs"/>
-            </a:endParaRPr>
-          </a:p>
-          <a:p>
-            <a:pPr lvl="0"/>
-            <a:r>
-              <a:rPr lang="en-US" sz="1200" kern="1200" dirty="0" smtClean="0">
-                <a:solidFill>
-                  <a:schemeClr val="tx1"/>
-                </a:solidFill>
-                <a:effectLst/>
-                <a:latin typeface="+mn-lt"/>
-                <a:ea typeface="+mn-ea"/>
-                <a:cs typeface="+mn-cs"/>
-              </a:rPr>
-              <a:t>NO DEBEN SER UTILIZADAS</a:t>
-            </a:r>
-            <a:r>
-              <a:rPr lang="en-US" sz="1200" kern="1200" baseline="0" dirty="0" smtClean="0">
-                <a:solidFill>
-                  <a:schemeClr val="tx1"/>
-                </a:solidFill>
-                <a:effectLst/>
-                <a:latin typeface="+mn-lt"/>
-                <a:ea typeface="+mn-ea"/>
-                <a:cs typeface="+mn-cs"/>
-              </a:rPr>
-              <a:t> COMO CLASES!!!</a:t>
-            </a:r>
-            <a:endParaRPr lang="es-AR" sz="1200" kern="1200" dirty="0" smtClean="0">
-              <a:solidFill>
-                <a:schemeClr val="tx1"/>
-              </a:solidFill>
-              <a:effectLst/>
-              <a:latin typeface="+mn-lt"/>
-              <a:ea typeface="+mn-ea"/>
-              <a:cs typeface="+mn-cs"/>
-            </a:endParaRPr>
-          </a:p>
-          <a:p>
+              <a:t>boxing</a:t>
+            </a:r>
             <a:endParaRPr lang="es-AR" dirty="0" smtClean="0"/>
           </a:p>
           <a:p>
@@ -1042,7 +735,7 @@
           <a:p>
             <a:fld id="{2E06735B-51C2-4336-B998-004D15FB21DF}" type="slidenum">
               <a:rPr lang="en-US" smtClean="0"/>
-              <a:t>23</a:t>
+              <a:t>24</a:t>
             </a:fld>
             <a:endParaRPr lang="en-US"/>
           </a:p>
@@ -1051,7 +744,7 @@
     </p:spTree>
     <p:extLst>
       <p:ext uri="{BB962C8B-B14F-4D97-AF65-F5344CB8AC3E}">
-        <p14:creationId xmlns:p14="http://schemas.microsoft.com/office/powerpoint/2010/main" val="1281821899"/>
+        <p14:creationId xmlns:p14="http://schemas.microsoft.com/office/powerpoint/2010/main" val="754932092"/>
       </p:ext>
     </p:extLst>
   </p:cSld>
@@ -1105,25 +798,8 @@
           <a:bodyPr/>
           <a:lstStyle/>
           <a:p>
-            <a:pPr marL="0" marR="0" indent="0" algn="l" defTabSz="914400" rtl="0" eaLnBrk="1" fontAlgn="auto" latinLnBrk="0" hangingPunct="1">
-              <a:lnSpc>
-                <a:spcPct val="100000"/>
-              </a:lnSpc>
-              <a:spcBef>
-                <a:spcPts val="0"/>
-              </a:spcBef>
-              <a:spcAft>
-                <a:spcPts val="0"/>
-              </a:spcAft>
-              <a:buClrTx/>
-              <a:buSzTx/>
-              <a:buFontTx/>
-              <a:buNone/>
-              <a:tabLst/>
-              <a:defRPr/>
-            </a:pPr>
-            <a:r>
-              <a:rPr lang="es-AR" sz="1200" kern="1200" dirty="0" smtClean="0">
+            <a:r>
+              <a:rPr lang="es-AR" sz="1200" b="0" i="0" kern="1200" dirty="0" err="1" smtClean="0">
                 <a:solidFill>
                   <a:schemeClr val="tx1"/>
                 </a:solidFill>
@@ -1132,10 +808,10 @@
                 <a:ea typeface="+mn-ea"/>
                 <a:cs typeface="+mn-cs"/>
               </a:rPr>
-              <a:t>Los tipos genéricos agregan el concepto de parámetros de tipo a .NET Framework, lo cual permite diseñar clases y métodos que aplazan la especificación de uno o más tipos hasta que el código de cliente declara y crea una instancia de la clase o del método. Por ejemplo, mediante la utilización de un parámetro de tipo genérico T, se puede escribir una clase única que otro código de cliente puede utilizar sin generar el costo o el riesgo de conversiones en tiempo de ejecución u operaciones de conversión </a:t>
-            </a:r>
-            <a:r>
-              <a:rPr lang="es-AR" sz="1200" kern="1200" dirty="0" err="1" smtClean="0">
+              <a:t>IEnumerable</a:t>
+            </a:r>
+            <a:r>
+              <a:rPr lang="es-AR" sz="1200" b="0" i="0" kern="1200" dirty="0" smtClean="0">
                 <a:solidFill>
                   <a:schemeClr val="tx1"/>
                 </a:solidFill>
@@ -1144,11 +820,116 @@
                 <a:ea typeface="+mn-ea"/>
                 <a:cs typeface="+mn-cs"/>
               </a:rPr>
-              <a:t>boxing</a:t>
-            </a:r>
-            <a:endParaRPr lang="es-AR" dirty="0" smtClean="0"/>
-          </a:p>
-          <a:p>
+              <a:t> es una interfaz que define el método</a:t>
+            </a:r>
+            <a:r>
+              <a:rPr lang="es-AR" sz="1200" b="0" i="0" kern="1200" baseline="0" dirty="0" smtClean="0">
+                <a:solidFill>
+                  <a:schemeClr val="tx1"/>
+                </a:solidFill>
+                <a:effectLst/>
+                <a:latin typeface="+mn-lt"/>
+                <a:ea typeface="+mn-ea"/>
+                <a:cs typeface="+mn-cs"/>
+              </a:rPr>
+              <a:t> </a:t>
+            </a:r>
+            <a:r>
+              <a:rPr lang="es-AR" sz="1200" b="0" i="0" kern="1200" dirty="0" err="1" smtClean="0">
+                <a:solidFill>
+                  <a:schemeClr val="tx1"/>
+                </a:solidFill>
+                <a:effectLst/>
+                <a:latin typeface="+mn-lt"/>
+                <a:ea typeface="+mn-ea"/>
+                <a:cs typeface="+mn-cs"/>
+              </a:rPr>
+              <a:t>GetEnumerator</a:t>
+            </a:r>
+            <a:r>
+              <a:rPr lang="es-AR" sz="1200" b="0" i="0" kern="1200" dirty="0" smtClean="0">
+                <a:solidFill>
+                  <a:schemeClr val="tx1"/>
+                </a:solidFill>
+                <a:effectLst/>
+                <a:latin typeface="+mn-lt"/>
+                <a:ea typeface="+mn-ea"/>
+                <a:cs typeface="+mn-cs"/>
+              </a:rPr>
+              <a:t> que devuelve una interfaz </a:t>
+            </a:r>
+            <a:r>
+              <a:rPr lang="es-AR" sz="1200" b="0" i="0" kern="1200" dirty="0" err="1" smtClean="0">
+                <a:solidFill>
+                  <a:schemeClr val="tx1"/>
+                </a:solidFill>
+                <a:effectLst/>
+                <a:latin typeface="+mn-lt"/>
+                <a:ea typeface="+mn-ea"/>
+                <a:cs typeface="+mn-cs"/>
+              </a:rPr>
+              <a:t>IEnumerator</a:t>
+            </a:r>
+            <a:r>
+              <a:rPr lang="es-AR" sz="1200" b="0" i="0" kern="1200" dirty="0" smtClean="0">
+                <a:solidFill>
+                  <a:schemeClr val="tx1"/>
+                </a:solidFill>
+                <a:effectLst/>
+                <a:latin typeface="+mn-lt"/>
+                <a:ea typeface="+mn-ea"/>
+                <a:cs typeface="+mn-cs"/>
+              </a:rPr>
+              <a:t>, esto a su vez permite el acceso de sólo lectura a una colección. Una colección que implementa </a:t>
+            </a:r>
+            <a:r>
+              <a:rPr lang="es-AR" sz="1200" b="0" i="0" kern="1200" dirty="0" err="1" smtClean="0">
+                <a:solidFill>
+                  <a:schemeClr val="tx1"/>
+                </a:solidFill>
+                <a:effectLst/>
+                <a:latin typeface="+mn-lt"/>
+                <a:ea typeface="+mn-ea"/>
+                <a:cs typeface="+mn-cs"/>
+              </a:rPr>
+              <a:t>IEnumerable</a:t>
+            </a:r>
+            <a:r>
+              <a:rPr lang="es-AR" sz="1200" b="0" i="0" kern="1200" dirty="0" smtClean="0">
+                <a:solidFill>
+                  <a:schemeClr val="tx1"/>
+                </a:solidFill>
+                <a:effectLst/>
+                <a:latin typeface="+mn-lt"/>
+                <a:ea typeface="+mn-ea"/>
+                <a:cs typeface="+mn-cs"/>
+              </a:rPr>
+              <a:t> se puede utilizar con una declaración </a:t>
+            </a:r>
+            <a:r>
+              <a:rPr lang="es-AR" sz="1200" b="0" i="0" kern="1200" dirty="0" err="1" smtClean="0">
+                <a:solidFill>
+                  <a:schemeClr val="tx1"/>
+                </a:solidFill>
+                <a:effectLst/>
+                <a:latin typeface="+mn-lt"/>
+                <a:ea typeface="+mn-ea"/>
+                <a:cs typeface="+mn-cs"/>
+              </a:rPr>
+              <a:t>foreach</a:t>
+            </a:r>
+            <a:r>
+              <a:rPr lang="es-AR" sz="1200" b="0" i="0" kern="1200" dirty="0" smtClean="0">
+                <a:solidFill>
+                  <a:schemeClr val="tx1"/>
+                </a:solidFill>
+                <a:effectLst/>
+                <a:latin typeface="+mn-lt"/>
+                <a:ea typeface="+mn-ea"/>
+                <a:cs typeface="+mn-cs"/>
+              </a:rPr>
+              <a:t>.</a:t>
+            </a:r>
             <a:endParaRPr lang="en-US" dirty="0"/>
           </a:p>
         </p:txBody>
@@ -1170,7 +951,7 @@
           <a:p>
             <a:fld id="{2E06735B-51C2-4336-B998-004D15FB21DF}" type="slidenum">
               <a:rPr lang="en-US" smtClean="0"/>
-              <a:t>27</a:t>
+              <a:t>25</a:t>
             </a:fld>
             <a:endParaRPr lang="en-US"/>
           </a:p>
@@ -1179,7 +960,7 @@
     </p:spTree>
     <p:extLst>
       <p:ext uri="{BB962C8B-B14F-4D97-AF65-F5344CB8AC3E}">
-        <p14:creationId xmlns:p14="http://schemas.microsoft.com/office/powerpoint/2010/main" val="754932092"/>
+        <p14:creationId xmlns:p14="http://schemas.microsoft.com/office/powerpoint/2010/main" val="2866205236"/>
       </p:ext>
     </p:extLst>
   </p:cSld>
@@ -1233,8 +1014,25 @@
           <a:bodyPr/>
           <a:lstStyle/>
           <a:p>
-            <a:r>
-              <a:rPr lang="es-AR" sz="1200" b="0" i="0" kern="1200" dirty="0" err="1" smtClean="0">
+            <a:pPr marL="0" marR="0" indent="0" algn="l" defTabSz="914400" rtl="0" eaLnBrk="1" fontAlgn="auto" latinLnBrk="0" hangingPunct="1">
+              <a:lnSpc>
+                <a:spcPct val="100000"/>
+              </a:lnSpc>
+              <a:spcBef>
+                <a:spcPts val="0"/>
+              </a:spcBef>
+              <a:spcAft>
+                <a:spcPts val="0"/>
+              </a:spcAft>
+              <a:buClrTx/>
+              <a:buSzTx/>
+              <a:buFontTx/>
+              <a:buNone/>
+              <a:tabLst/>
+              <a:defRPr/>
+            </a:pPr>
+            <a:r>
+              <a:rPr lang="es-AR" sz="1200" kern="1200" dirty="0" smtClean="0">
                 <a:solidFill>
                   <a:schemeClr val="tx1"/>
                 </a:solidFill>
@@ -1243,10 +1041,10 @@
                 <a:ea typeface="+mn-ea"/>
                 <a:cs typeface="+mn-cs"/>
               </a:rPr>
-              <a:t>IEnumerable</a:t>
-            </a:r>
-            <a:r>
-              <a:rPr lang="es-AR" sz="1200" b="0" i="0" kern="1200" dirty="0" smtClean="0">
+              <a:t>Las interfaces anteriores proveen un protocolo solo para hacer una lectura secuencial y de adelante hacia atrás. Pero, si por ejemplo queremos conocer el tamaño de una colección, acceder a un </a:t>
+            </a:r>
+            <a:r>
+              <a:rPr lang="es-AR" sz="1200" kern="1200" dirty="0" err="1" smtClean="0">
                 <a:solidFill>
                   <a:schemeClr val="tx1"/>
                 </a:solidFill>
@@ -1255,10 +1053,10 @@
                 <a:ea typeface="+mn-ea"/>
                 <a:cs typeface="+mn-cs"/>
               </a:rPr>
-              <a:t> es una interfaz que define el método</a:t>
-            </a:r>
-            <a:r>
-              <a:rPr lang="es-AR" sz="1200" b="0" i="0" kern="1200" baseline="0" dirty="0" smtClean="0">
+              <a:t>elemeto</a:t>
+            </a:r>
+            <a:r>
+              <a:rPr lang="es-AR" sz="1200" kern="1200" dirty="0" smtClean="0">
                 <a:solidFill>
                   <a:schemeClr val="tx1"/>
                 </a:solidFill>
@@ -1267,104 +1065,11 @@
                 <a:ea typeface="+mn-ea"/>
                 <a:cs typeface="+mn-cs"/>
               </a:rPr>
-              <a:t> </a:t>
-            </a:r>
-            <a:r>
-              <a:rPr lang="es-AR" sz="1200" b="0" i="0" kern="1200" dirty="0" err="1" smtClean="0">
-                <a:solidFill>
-                  <a:schemeClr val="tx1"/>
-                </a:solidFill>
-                <a:effectLst/>
-                <a:latin typeface="+mn-lt"/>
-                <a:ea typeface="+mn-ea"/>
-                <a:cs typeface="+mn-cs"/>
-              </a:rPr>
-              <a:t>GetEnumerator</a:t>
-            </a:r>
-            <a:r>
-              <a:rPr lang="es-AR" sz="1200" b="0" i="0" kern="1200" dirty="0" smtClean="0">
-                <a:solidFill>
-                  <a:schemeClr val="tx1"/>
-                </a:solidFill>
-                <a:effectLst/>
-                <a:latin typeface="+mn-lt"/>
-                <a:ea typeface="+mn-ea"/>
-                <a:cs typeface="+mn-cs"/>
-              </a:rPr>
-              <a:t> que devuelve una interfaz </a:t>
-            </a:r>
-            <a:r>
-              <a:rPr lang="es-AR" sz="1200" b="0" i="0" kern="1200" dirty="0" err="1" smtClean="0">
-                <a:solidFill>
-                  <a:schemeClr val="tx1"/>
-                </a:solidFill>
-                <a:effectLst/>
-                <a:latin typeface="+mn-lt"/>
-                <a:ea typeface="+mn-ea"/>
-                <a:cs typeface="+mn-cs"/>
-              </a:rPr>
-              <a:t>IEnumerator</a:t>
-            </a:r>
-            <a:r>
-              <a:rPr lang="es-AR" sz="1200" b="0" i="0" kern="1200" dirty="0" smtClean="0">
-                <a:solidFill>
-                  <a:schemeClr val="tx1"/>
-                </a:solidFill>
-                <a:effectLst/>
-                <a:latin typeface="+mn-lt"/>
-                <a:ea typeface="+mn-ea"/>
-                <a:cs typeface="+mn-cs"/>
-              </a:rPr>
-              <a:t>, esto a su vez permite el acceso de sólo lectura a una colección. Una colección que implementa </a:t>
-            </a:r>
-            <a:r>
-              <a:rPr lang="es-AR" sz="1200" b="0" i="0" kern="1200" dirty="0" err="1" smtClean="0">
-                <a:solidFill>
-                  <a:schemeClr val="tx1"/>
-                </a:solidFill>
-                <a:effectLst/>
-                <a:latin typeface="+mn-lt"/>
-                <a:ea typeface="+mn-ea"/>
-                <a:cs typeface="+mn-cs"/>
-              </a:rPr>
-              <a:t>IEnumerable</a:t>
-            </a:r>
-            <a:r>
-              <a:rPr lang="es-AR" sz="1200" b="0" i="0" kern="1200" dirty="0" smtClean="0">
-                <a:solidFill>
-                  <a:schemeClr val="tx1"/>
-                </a:solidFill>
-                <a:effectLst/>
-                <a:latin typeface="+mn-lt"/>
-                <a:ea typeface="+mn-ea"/>
-                <a:cs typeface="+mn-cs"/>
-              </a:rPr>
-              <a:t> se puede utilizar con una declaración </a:t>
-            </a:r>
-            <a:r>
-              <a:rPr lang="es-AR" sz="1200" b="0" i="0" kern="1200" dirty="0" err="1" smtClean="0">
-                <a:solidFill>
-                  <a:schemeClr val="tx1"/>
-                </a:solidFill>
-                <a:effectLst/>
-                <a:latin typeface="+mn-lt"/>
-                <a:ea typeface="+mn-ea"/>
-                <a:cs typeface="+mn-cs"/>
-              </a:rPr>
-              <a:t>foreach</a:t>
-            </a:r>
-            <a:r>
-              <a:rPr lang="es-AR" sz="1200" b="0" i="0" kern="1200" dirty="0" smtClean="0">
-                <a:solidFill>
-                  <a:schemeClr val="tx1"/>
-                </a:solidFill>
-                <a:effectLst/>
-                <a:latin typeface="+mn-lt"/>
-                <a:ea typeface="+mn-ea"/>
-                <a:cs typeface="+mn-cs"/>
-              </a:rPr>
-              <a:t>.</a:t>
-            </a:r>
+              <a:t> por medio de su posición , realizar una búsqueda o modificar la colección no podes</a:t>
+            </a:r>
+            <a:endParaRPr lang="es-AR" dirty="0" smtClean="0"/>
+          </a:p>
+          <a:p>
             <a:endParaRPr lang="en-US" dirty="0"/>
           </a:p>
         </p:txBody>
@@ -1386,7 +1091,7 @@
           <a:p>
             <a:fld id="{2E06735B-51C2-4336-B998-004D15FB21DF}" type="slidenum">
               <a:rPr lang="en-US" smtClean="0"/>
-              <a:t>28</a:t>
+              <a:t>27</a:t>
             </a:fld>
             <a:endParaRPr lang="en-US"/>
           </a:p>
@@ -1395,7 +1100,7 @@
     </p:spTree>
     <p:extLst>
       <p:ext uri="{BB962C8B-B14F-4D97-AF65-F5344CB8AC3E}">
-        <p14:creationId xmlns:p14="http://schemas.microsoft.com/office/powerpoint/2010/main" val="2866205236"/>
+        <p14:creationId xmlns:p14="http://schemas.microsoft.com/office/powerpoint/2010/main" val="2341767683"/>
       </p:ext>
     </p:extLst>
   </p:cSld>
@@ -1467,42 +1172,38 @@
               <a:defRPr/>
             </a:pPr>
             <a:r>
-              <a:rPr lang="es-AR" sz="1200" kern="1200" dirty="0" smtClean="0">
-                <a:solidFill>
-                  <a:schemeClr val="tx1"/>
-                </a:solidFill>
-                <a:effectLst/>
-                <a:latin typeface="+mn-lt"/>
-                <a:ea typeface="+mn-ea"/>
-                <a:cs typeface="+mn-cs"/>
-              </a:rPr>
-              <a:t>Las interfaces anteriores proveen un protocolo solo para hacer una lectura secuencial y de adelante hacia atrás. Pero, si por ejemplo queremos conocer el tamaño de una colección, acceder a un </a:t>
-            </a:r>
-            <a:r>
-              <a:rPr lang="es-AR" sz="1200" kern="1200" dirty="0" err="1" smtClean="0">
-                <a:solidFill>
-                  <a:schemeClr val="tx1"/>
-                </a:solidFill>
-                <a:effectLst/>
-                <a:latin typeface="+mn-lt"/>
-                <a:ea typeface="+mn-ea"/>
-                <a:cs typeface="+mn-cs"/>
-              </a:rPr>
-              <a:t>elemeto</a:t>
-            </a:r>
-            <a:r>
-              <a:rPr lang="es-AR" sz="1200" kern="1200" dirty="0" smtClean="0">
-                <a:solidFill>
-                  <a:schemeClr val="tx1"/>
-                </a:solidFill>
-                <a:effectLst/>
-                <a:latin typeface="+mn-lt"/>
-                <a:ea typeface="+mn-ea"/>
-                <a:cs typeface="+mn-cs"/>
-              </a:rPr>
-              <a:t> por medio de su posición , realizar una búsqueda o modificar la colección no podes</a:t>
-            </a:r>
-            <a:endParaRPr lang="es-AR" dirty="0" smtClean="0"/>
+              <a:rPr lang="en-US" dirty="0" err="1" smtClean="0"/>
+              <a:t>Diccionarios</a:t>
+            </a:r>
+            <a:r>
+              <a:rPr lang="en-US" dirty="0" smtClean="0"/>
+              <a:t>:</a:t>
+            </a:r>
+            <a:r>
+              <a:rPr lang="en-US" baseline="0" dirty="0" smtClean="0"/>
+              <a:t> son </a:t>
+            </a:r>
+            <a:r>
+              <a:rPr lang="en-US" baseline="0" dirty="0" err="1" smtClean="0"/>
+              <a:t>colecciones</a:t>
+            </a:r>
+            <a:r>
+              <a:rPr lang="en-US" baseline="0" dirty="0" smtClean="0"/>
+              <a:t> con </a:t>
+            </a:r>
+            <a:r>
+              <a:rPr lang="en-US" baseline="0" dirty="0" err="1" smtClean="0"/>
+              <a:t>elementos</a:t>
+            </a:r>
+            <a:r>
+              <a:rPr lang="en-US" baseline="0" dirty="0" smtClean="0"/>
+              <a:t> KEY/</a:t>
+            </a:r>
+            <a:r>
+              <a:rPr lang="en-US" baseline="0" dirty="0" err="1" smtClean="0"/>
+              <a:t>VAlUE</a:t>
+            </a:r>
+            <a:endParaRPr lang="en-US" dirty="0" smtClean="0"/>
           </a:p>
           <a:p>
             <a:endParaRPr lang="en-US" dirty="0"/>
@@ -1526,7 +1227,7 @@
           <a:p>
             <a:fld id="{2E06735B-51C2-4336-B998-004D15FB21DF}" type="slidenum">
               <a:rPr lang="en-US" smtClean="0"/>
-              <a:t>31</a:t>
+              <a:t>28</a:t>
             </a:fld>
             <a:endParaRPr lang="en-US"/>
           </a:p>
@@ -1535,7 +1236,7 @@
     </p:spTree>
     <p:extLst>
       <p:ext uri="{BB962C8B-B14F-4D97-AF65-F5344CB8AC3E}">
-        <p14:creationId xmlns:p14="http://schemas.microsoft.com/office/powerpoint/2010/main" val="2341767683"/>
+        <p14:creationId xmlns:p14="http://schemas.microsoft.com/office/powerpoint/2010/main" val="1754076043"/>
       </p:ext>
     </p:extLst>
   </p:cSld>
@@ -1589,7 +1290,7 @@
           <a:bodyPr/>
           <a:lstStyle/>
           <a:p>
-            <a:pPr marL="0" marR="0" indent="0" algn="l" defTabSz="914400" rtl="0" eaLnBrk="1" fontAlgn="auto" latinLnBrk="0" hangingPunct="1">
+            <a:pPr marL="0" marR="0" lvl="0" indent="0" algn="l" defTabSz="914400" rtl="0" eaLnBrk="1" fontAlgn="auto" latinLnBrk="0" hangingPunct="1">
               <a:lnSpc>
                 <a:spcPct val="100000"/>
               </a:lnSpc>
@@ -1607,41 +1308,33 @@
               <a:defRPr/>
             </a:pPr>
             <a:r>
-              <a:rPr lang="en-US" dirty="0" err="1" smtClean="0"/>
-              <a:t>Diccionarios</a:t>
-            </a:r>
-            <a:r>
-              <a:rPr lang="en-US" dirty="0" smtClean="0"/>
-              <a:t>:</a:t>
-            </a:r>
-            <a:r>
-              <a:rPr lang="en-US" baseline="0" dirty="0" smtClean="0"/>
-              <a:t> son </a:t>
-            </a:r>
-            <a:r>
-              <a:rPr lang="en-US" baseline="0" dirty="0" err="1" smtClean="0"/>
-              <a:t>colecciones</a:t>
-            </a:r>
-            <a:r>
-              <a:rPr lang="en-US" baseline="0" dirty="0" smtClean="0"/>
-              <a:t> con </a:t>
-            </a:r>
-            <a:r>
-              <a:rPr lang="en-US" baseline="0" dirty="0" err="1" smtClean="0"/>
-              <a:t>elementos</a:t>
-            </a:r>
-            <a:r>
-              <a:rPr lang="en-US" baseline="0" dirty="0" smtClean="0"/>
-              <a:t> KEY/</a:t>
-            </a:r>
-            <a:r>
-              <a:rPr lang="en-US" baseline="0" dirty="0" err="1" smtClean="0"/>
-              <a:t>VAlUE</a:t>
-            </a:r>
-            <a:endParaRPr lang="en-US" dirty="0" smtClean="0"/>
-          </a:p>
-          <a:p>
-            <a:endParaRPr lang="en-US" dirty="0"/>
+              <a:rPr lang="es-AR" sz="1200" kern="1200" dirty="0" smtClean="0">
+                <a:solidFill>
+                  <a:schemeClr val="tx1"/>
+                </a:solidFill>
+                <a:effectLst/>
+                <a:latin typeface="+mn-lt"/>
+                <a:ea typeface="+mn-ea"/>
+                <a:cs typeface="+mn-cs"/>
+              </a:rPr>
+              <a:t>Los tipos genéricos agregan el concepto de parámetros de tipo a .NET Framework, lo cual permite diseñar clases y métodos que aplazan la especificación de uno o más tipos hasta que el código de cliente declara y crea una instancia de la clase o del método. Por ejemplo, mediante la utilización de un parámetro de tipo genérico T, se puede escribir una clase única que otro código de cliente puede utilizar sin generar el costo o el riesgo de conversiones en tiempo de ejecución u operaciones de conversión </a:t>
+            </a:r>
+            <a:r>
+              <a:rPr lang="es-AR" sz="1200" kern="1200" dirty="0" err="1" smtClean="0">
+                <a:solidFill>
+                  <a:schemeClr val="tx1"/>
+                </a:solidFill>
+                <a:effectLst/>
+                <a:latin typeface="+mn-lt"/>
+                <a:ea typeface="+mn-ea"/>
+                <a:cs typeface="+mn-cs"/>
+              </a:rPr>
+              <a:t>boxing</a:t>
+            </a:r>
+            <a:endParaRPr lang="es-AR" dirty="0" smtClean="0"/>
+          </a:p>
+          <a:p>
+            <a:endParaRPr lang="es-AR" dirty="0"/>
           </a:p>
         </p:txBody>
       </p:sp>
@@ -1662,7 +1355,7 @@
           <a:p>
             <a:fld id="{2E06735B-51C2-4336-B998-004D15FB21DF}" type="slidenum">
               <a:rPr lang="en-US" smtClean="0"/>
-              <a:t>32</a:t>
+              <a:t>30</a:t>
             </a:fld>
             <a:endParaRPr lang="en-US"/>
           </a:p>
@@ -1671,135 +1364,7 @@
     </p:spTree>
     <p:extLst>
       <p:ext uri="{BB962C8B-B14F-4D97-AF65-F5344CB8AC3E}">
-        <p14:creationId xmlns:p14="http://schemas.microsoft.com/office/powerpoint/2010/main" val="1754076043"/>
-      </p:ext>
-    </p:extLst>
-  </p:cSld>
-  <p:clrMapOvr>
-    <a:masterClrMapping/>
-  </p:clrMapOvr>
-</p:notes>
-</file>
-
-<file path=ppt/notesSlides/notesSlide15.xml><?xml version="1.0" encoding="utf-8"?>
-<p:notes xmlns:a="http://schemas.openxmlformats.org/drawingml/2006/main" xmlns:r="http://schemas.openxmlformats.org/officeDocument/2006/relationships" xmlns:p="http://schemas.openxmlformats.org/presentationml/2006/main">
-  <p:cSld>
-    <p:spTree>
-      <p:nvGrpSpPr>
-        <p:cNvPr id="1" name=""/>
-        <p:cNvGrpSpPr/>
-        <p:nvPr/>
-      </p:nvGrpSpPr>
-      <p:grpSpPr>
-        <a:xfrm>
-          <a:off x="0" y="0"/>
-          <a:ext cx="0" cy="0"/>
-          <a:chOff x="0" y="0"/>
-          <a:chExt cx="0" cy="0"/>
-        </a:xfrm>
-      </p:grpSpPr>
-      <p:sp>
-        <p:nvSpPr>
-          <p:cNvPr id="2" name="Slide Image Placeholder 1"/>
-          <p:cNvSpPr>
-            <a:spLocks noGrp="1" noRot="1" noChangeAspect="1"/>
-          </p:cNvSpPr>
-          <p:nvPr>
-            <p:ph type="sldImg"/>
-          </p:nvPr>
-        </p:nvSpPr>
-        <p:spPr/>
-      </p:sp>
-      <p:sp>
-        <p:nvSpPr>
-          <p:cNvPr id="3" name="Notes Placeholder 2"/>
-          <p:cNvSpPr>
-            <a:spLocks noGrp="1"/>
-          </p:cNvSpPr>
-          <p:nvPr>
-            <p:ph type="body" idx="1"/>
-          </p:nvPr>
-        </p:nvSpPr>
-        <p:spPr/>
-        <p:txBody>
-          <a:bodyPr/>
-          <a:lstStyle/>
-          <a:p>
-            <a:pPr marL="0" marR="0" indent="0" algn="l" defTabSz="914400" rtl="0" eaLnBrk="1" fontAlgn="auto" latinLnBrk="0" hangingPunct="1">
-              <a:lnSpc>
-                <a:spcPct val="100000"/>
-              </a:lnSpc>
-              <a:spcBef>
-                <a:spcPts val="0"/>
-              </a:spcBef>
-              <a:spcAft>
-                <a:spcPts val="0"/>
-              </a:spcAft>
-              <a:buClrTx/>
-              <a:buSzTx/>
-              <a:buFontTx/>
-              <a:buNone/>
-              <a:tabLst/>
-              <a:defRPr/>
-            </a:pPr>
-            <a:r>
-              <a:rPr lang="es-AR" sz="1200" kern="1200" dirty="0" smtClean="0">
-                <a:solidFill>
-                  <a:schemeClr val="tx1"/>
-                </a:solidFill>
-                <a:effectLst/>
-                <a:latin typeface="+mn-lt"/>
-                <a:ea typeface="+mn-ea"/>
-                <a:cs typeface="+mn-cs"/>
-              </a:rPr>
-              <a:t>Los tipos genéricos agregan el concepto de parámetros de tipo a .NET Framework, lo cual permite diseñar clases y métodos que aplazan la especificación de uno o más tipos hasta que el código de cliente declara y crea una instancia de la clase o del método. Por ejemplo, mediante la utilización de un parámetro de tipo genérico T, se puede escribir una clase única que otro código de cliente puede utilizar sin generar el costo o el riesgo de conversiones en tiempo de ejecución u operaciones de conversión </a:t>
-            </a:r>
-            <a:r>
-              <a:rPr lang="es-AR" sz="1200" kern="1200" dirty="0" err="1" smtClean="0">
-                <a:solidFill>
-                  <a:schemeClr val="tx1"/>
-                </a:solidFill>
-                <a:effectLst/>
-                <a:latin typeface="+mn-lt"/>
-                <a:ea typeface="+mn-ea"/>
-                <a:cs typeface="+mn-cs"/>
-              </a:rPr>
-              <a:t>boxing</a:t>
-            </a:r>
-            <a:endParaRPr lang="es-AR" dirty="0" smtClean="0"/>
-          </a:p>
-          <a:p>
-            <a:endParaRPr lang="en-US" dirty="0"/>
-          </a:p>
-        </p:txBody>
-      </p:sp>
-      <p:sp>
-        <p:nvSpPr>
-          <p:cNvPr id="4" name="Slide Number Placeholder 3"/>
-          <p:cNvSpPr>
-            <a:spLocks noGrp="1"/>
-          </p:cNvSpPr>
-          <p:nvPr>
-            <p:ph type="sldNum" sz="quarter" idx="10"/>
-          </p:nvPr>
-        </p:nvSpPr>
-        <p:spPr/>
-        <p:txBody>
-          <a:bodyPr/>
-          <a:lstStyle/>
-          <a:p>
-            <a:fld id="{2E06735B-51C2-4336-B998-004D15FB21DF}" type="slidenum">
-              <a:rPr lang="en-US" smtClean="0"/>
-              <a:t>34</a:t>
-            </a:fld>
-            <a:endParaRPr lang="en-US"/>
-          </a:p>
-        </p:txBody>
-      </p:sp>
-    </p:spTree>
-    <p:extLst>
-      <p:ext uri="{BB962C8B-B14F-4D97-AF65-F5344CB8AC3E}">
-        <p14:creationId xmlns:p14="http://schemas.microsoft.com/office/powerpoint/2010/main" val="3095851402"/>
+        <p14:creationId xmlns:p14="http://schemas.microsoft.com/office/powerpoint/2010/main" val="3574774697"/>
       </p:ext>
     </p:extLst>
   </p:cSld>
@@ -2835,7 +2400,7 @@
           <a:p>
             <a:fld id="{2E06735B-51C2-4336-B998-004D15FB21DF}" type="slidenum">
               <a:rPr lang="en-US" smtClean="0"/>
-              <a:t>20</a:t>
+              <a:t>19</a:t>
             </a:fld>
             <a:endParaRPr lang="en-US"/>
           </a:p>
@@ -3029,7 +2594,7 @@
           <a:p>
             <a:fld id="{2E06735B-51C2-4336-B998-004D15FB21DF}" type="slidenum">
               <a:rPr lang="en-US" smtClean="0"/>
-              <a:t>21</a:t>
+              <a:t>20</a:t>
             </a:fld>
             <a:endParaRPr lang="en-US"/>
           </a:p>
@@ -9957,6 +9522,13 @@
   <p:clrMapOvr>
     <a:masterClrMapping/>
   </p:clrMapOvr>
+  <p:timing>
+    <p:tnLst>
+      <p:par>
+        <p:cTn id="1" dur="indefinite" restart="never" nodeType="tmRoot"/>
+      </p:par>
+    </p:tnLst>
+  </p:timing>
 </p:sld>
 </file>
 
@@ -10744,6 +10316,13 @@
   <p:clrMapOvr>
     <a:masterClrMapping/>
   </p:clrMapOvr>
+  <p:timing>
+    <p:tnLst>
+      <p:par>
+        <p:cTn id="1" dur="indefinite" restart="never" nodeType="tmRoot"/>
+      </p:par>
+    </p:tnLst>
+  </p:timing>
 </p:sld>
 </file>
 
@@ -10797,6 +10376,13 @@
   <p:clrMapOvr>
     <a:masterClrMapping/>
   </p:clrMapOvr>
+  <p:timing>
+    <p:tnLst>
+      <p:par>
+        <p:cTn id="1" dur="indefinite" restart="never" nodeType="tmRoot"/>
+      </p:par>
+    </p:tnLst>
+  </p:timing>
 </p:sld>
 </file>
 
@@ -11303,6 +10889,13 @@
   <p:clrMapOvr>
     <a:masterClrMapping/>
   </p:clrMapOvr>
+  <p:timing>
+    <p:tnLst>
+      <p:par>
+        <p:cTn id="1" dur="indefinite" restart="never" nodeType="tmRoot"/>
+      </p:par>
+    </p:tnLst>
+  </p:timing>
 </p:sld>
 </file>
 
@@ -11471,6 +11064,13 @@
   <p:clrMapOvr>
     <a:masterClrMapping/>
   </p:clrMapOvr>
+  <p:timing>
+    <p:tnLst>
+      <p:par>
+        <p:cTn id="1" dur="indefinite" restart="never" nodeType="tmRoot"/>
+      </p:par>
+    </p:tnLst>
+  </p:timing>
 </p:sld>
 </file>
 
@@ -11613,6 +11213,13 @@
   <p:clrMapOvr>
     <a:masterClrMapping/>
   </p:clrMapOvr>
+  <p:timing>
+    <p:tnLst>
+      <p:par>
+        <p:cTn id="1" dur="indefinite" restart="never" nodeType="tmRoot"/>
+      </p:par>
+    </p:tnLst>
+  </p:timing>
 </p:sld>
 </file>
 
@@ -11910,6 +11517,13 @@
   <p:clrMapOvr>
     <a:masterClrMapping/>
   </p:clrMapOvr>
+  <p:timing>
+    <p:tnLst>
+      <p:par>
+        <p:cTn id="1" dur="indefinite" restart="never" nodeType="tmRoot"/>
+      </p:par>
+    </p:tnLst>
+  </p:timing>
 </p:sld>
 </file>
 
@@ -12559,6 +12173,13 @@
   <p:clrMapOvr>
     <a:masterClrMapping/>
   </p:clrMapOvr>
+  <p:timing>
+    <p:tnLst>
+      <p:par>
+        <p:cTn id="1" dur="indefinite" restart="never" nodeType="tmRoot"/>
+      </p:par>
+    </p:tnLst>
+  </p:timing>
 </p:sld>
 </file>
 
@@ -12760,6 +12381,13 @@
   <p:clrMapOvr>
     <a:masterClrMapping/>
   </p:clrMapOvr>
+  <p:timing>
+    <p:tnLst>
+      <p:par>
+        <p:cTn id="1" dur="indefinite" restart="never" nodeType="tmRoot"/>
+      </p:par>
+    </p:tnLst>
+  </p:timing>
 </p:sld>
 </file>
 
@@ -12782,12 +12410,12 @@
       </p:grpSpPr>
       <p:sp>
         <p:nvSpPr>
-          <p:cNvPr id="2" name="Content Placeholder 1"/>
+          <p:cNvPr id="2" name="Text Placeholder 1"/>
           <p:cNvSpPr>
             <a:spLocks noGrp="1"/>
           </p:cNvSpPr>
           <p:nvPr>
-            <p:ph idx="15"/>
+            <p:ph type="body" sz="quarter" idx="11"/>
           </p:nvPr>
         </p:nvSpPr>
         <p:spPr/>
@@ -12796,255 +12424,25 @@
           <a:lstStyle/>
           <a:p>
             <a:r>
-              <a:rPr lang="es-ES" dirty="0"/>
-              <a:t>Un operador es un término o símbolo que acepta como entrada expresiones u operados y devuelve un valor.</a:t>
-            </a:r>
-          </a:p>
-          <a:p>
-            <a:r>
-              <a:rPr lang="es-ES" dirty="0"/>
-              <a:t>Operadores que requieren sólo un operando se denominan unarios (</a:t>
-            </a:r>
-            <a:r>
-              <a:rPr lang="es-ES" dirty="0" smtClean="0"/>
-              <a:t>ej.: </a:t>
-            </a:r>
-            <a:r>
-              <a:rPr lang="es-ES" dirty="0"/>
-              <a:t>++)</a:t>
-            </a:r>
-          </a:p>
-          <a:p>
-            <a:r>
-              <a:rPr lang="es-ES" dirty="0"/>
-              <a:t>Los operados que requieren 2 operandos son binarios (</a:t>
-            </a:r>
-            <a:r>
-              <a:rPr lang="es-ES" dirty="0" smtClean="0"/>
-              <a:t>ej</a:t>
-            </a:r>
-            <a:r>
-              <a:rPr lang="es-ES" dirty="0" smtClean="0"/>
-              <a:t>.:</a:t>
-            </a:r>
-            <a:r>
-              <a:rPr lang="es-ES" dirty="0" smtClean="0"/>
+              <a:rPr lang="en-US" dirty="0" err="1" smtClean="0"/>
+              <a:t>Herencia</a:t>
+            </a:r>
+            <a:r>
+              <a:rPr lang="en-US" dirty="0"/>
               <a:t> </a:t>
             </a:r>
             <a:r>
-              <a:rPr lang="es-ES" dirty="0"/>
-              <a:t>+, -, *) y los de 3 son ternarios.</a:t>
-            </a:r>
-          </a:p>
-          <a:p>
-            <a:r>
-              <a:rPr lang="es-ES" dirty="0"/>
-              <a:t>Hay operadores que se pueden sobrecargar (+, -, *)</a:t>
-            </a:r>
-          </a:p>
-          <a:p>
-            <a:r>
-              <a:rPr lang="es-ES" dirty="0"/>
-              <a:t>Operador binario que no está en la imagen: ??. </a:t>
-            </a:r>
-          </a:p>
-          <a:p>
-            <a:endParaRPr lang="es-ES" dirty="0"/>
-          </a:p>
-          <a:p>
+              <a:rPr lang="en-US" dirty="0" smtClean="0"/>
+              <a:t>e Interfaces</a:t>
+            </a:r>
             <a:endParaRPr lang="en-US" dirty="0"/>
           </a:p>
         </p:txBody>
       </p:sp>
-      <p:sp>
-        <p:nvSpPr>
-          <p:cNvPr id="3" name="Text Placeholder 2"/>
-          <p:cNvSpPr>
-            <a:spLocks noGrp="1"/>
-          </p:cNvSpPr>
-          <p:nvPr>
-            <p:ph type="body" sz="quarter" idx="16"/>
-          </p:nvPr>
-        </p:nvSpPr>
-        <p:spPr/>
-        <p:txBody>
-          <a:bodyPr/>
-          <a:lstStyle/>
-          <a:p>
-            <a:r>
-              <a:rPr lang="en-US" dirty="0" smtClean="0"/>
-              <a:t>.NET C#</a:t>
-            </a:r>
-            <a:endParaRPr lang="en-US" dirty="0"/>
-          </a:p>
-        </p:txBody>
-      </p:sp>
-      <p:sp>
-        <p:nvSpPr>
-          <p:cNvPr id="4" name="Text Placeholder 3"/>
-          <p:cNvSpPr>
-            <a:spLocks noGrp="1"/>
-          </p:cNvSpPr>
-          <p:nvPr>
-            <p:ph type="body" sz="quarter" idx="17"/>
-          </p:nvPr>
-        </p:nvSpPr>
-        <p:spPr/>
-        <p:txBody>
-          <a:bodyPr/>
-          <a:lstStyle/>
-          <a:p>
-            <a:r>
-              <a:rPr lang="en-US" dirty="0" err="1"/>
-              <a:t>Miembros</a:t>
-            </a:r>
-            <a:r>
-              <a:rPr lang="en-US" dirty="0"/>
-              <a:t> – </a:t>
-            </a:r>
-            <a:r>
-              <a:rPr lang="en-US" dirty="0" err="1"/>
-              <a:t>Operadores</a:t>
-            </a:r>
-            <a:endParaRPr lang="en-US" dirty="0"/>
-          </a:p>
-          <a:p>
-            <a:endParaRPr lang="en-US" dirty="0"/>
-          </a:p>
-        </p:txBody>
-      </p:sp>
-      <p:pic>
-        <p:nvPicPr>
-          <p:cNvPr id="5" name="Picture 2"/>
-          <p:cNvPicPr>
-            <a:picLocks noChangeAspect="1" noChangeArrowheads="1"/>
-          </p:cNvPicPr>
-          <p:nvPr/>
-        </p:nvPicPr>
-        <p:blipFill>
-          <a:blip r:embed="rId2" cstate="print">
-            <a:extLst>
-              <a:ext uri="{28A0092B-C50C-407E-A947-70E740481C1C}">
-                <a14:useLocalDpi xmlns:a14="http://schemas.microsoft.com/office/drawing/2010/main" val="0"/>
-              </a:ext>
-            </a:extLst>
-          </a:blip>
-          <a:srcRect/>
-          <a:stretch>
-            <a:fillRect/>
-          </a:stretch>
-        </p:blipFill>
-        <p:spPr bwMode="auto">
-          <a:xfrm>
-            <a:off x="3647730" y="3200374"/>
-            <a:ext cx="4930214" cy="1583097"/>
-          </a:xfrm>
-          <a:prstGeom prst="rect">
-            <a:avLst/>
-          </a:prstGeom>
-          <a:noFill/>
-          <a:ln>
-            <a:noFill/>
-          </a:ln>
-          <a:effectLst/>
-          <a:extLst>
-            <a:ext uri="{909E8E84-426E-40DD-AFC4-6F175D3DCCD1}">
-              <a14:hiddenFill xmlns:a14="http://schemas.microsoft.com/office/drawing/2010/main">
-                <a:solidFill>
-                  <a:schemeClr val="accent1"/>
-                </a:solidFill>
-              </a14:hiddenFill>
-            </a:ext>
-            <a:ext uri="{91240B29-F687-4F45-9708-019B960494DF}">
-              <a14:hiddenLine xmlns:a14="http://schemas.microsoft.com/office/drawing/2010/main" w="9525">
-                <a:solidFill>
-                  <a:schemeClr val="tx1"/>
-                </a:solidFill>
-                <a:miter lim="800000"/>
-                <a:headEnd/>
-                <a:tailEnd/>
-              </a14:hiddenLine>
-            </a:ext>
-            <a:ext uri="{AF507438-7753-43E0-B8FC-AC1667EBCBE1}">
-              <a14:hiddenEffects xmlns:a14="http://schemas.microsoft.com/office/drawing/2010/main">
-                <a:effectLst>
-                  <a:outerShdw dist="35921" dir="2700000" algn="ctr" rotWithShape="0">
-                    <a:schemeClr val="bg2"/>
-                  </a:outerShdw>
-                </a:effectLst>
-              </a14:hiddenEffects>
-            </a:ext>
-          </a:extLst>
-        </p:spPr>
-      </p:pic>
-      <p:pic>
-        <p:nvPicPr>
-          <p:cNvPr id="6" name="Picture 3"/>
-          <p:cNvPicPr>
-            <a:picLocks noChangeAspect="1" noChangeArrowheads="1"/>
-          </p:cNvPicPr>
-          <p:nvPr/>
-        </p:nvPicPr>
-        <p:blipFill>
-          <a:blip r:embed="rId3" cstate="print">
-            <a:extLst>
-              <a:ext uri="{28A0092B-C50C-407E-A947-70E740481C1C}">
-                <a14:useLocalDpi xmlns:a14="http://schemas.microsoft.com/office/drawing/2010/main" val="0"/>
-              </a:ext>
-            </a:extLst>
-          </a:blip>
-          <a:srcRect/>
-          <a:stretch>
-            <a:fillRect/>
-          </a:stretch>
-        </p:blipFill>
-        <p:spPr bwMode="auto">
-          <a:xfrm>
-            <a:off x="3647564" y="4783471"/>
-            <a:ext cx="4749290" cy="989435"/>
-          </a:xfrm>
-          <a:prstGeom prst="rect">
-            <a:avLst/>
-          </a:prstGeom>
-          <a:noFill/>
-          <a:ln>
-            <a:noFill/>
-          </a:ln>
-          <a:effectLst/>
-          <a:extLst>
-            <a:ext uri="{909E8E84-426E-40DD-AFC4-6F175D3DCCD1}">
-              <a14:hiddenFill xmlns:a14="http://schemas.microsoft.com/office/drawing/2010/main">
-                <a:solidFill>
-                  <a:schemeClr val="accent1"/>
-                </a:solidFill>
-              </a14:hiddenFill>
-            </a:ext>
-            <a:ext uri="{91240B29-F687-4F45-9708-019B960494DF}">
-              <a14:hiddenLine xmlns:a14="http://schemas.microsoft.com/office/drawing/2010/main" w="9525">
-                <a:solidFill>
-                  <a:schemeClr val="tx1"/>
-                </a:solidFill>
-                <a:miter lim="800000"/>
-                <a:headEnd/>
-                <a:tailEnd/>
-              </a14:hiddenLine>
-            </a:ext>
-            <a:ext uri="{AF507438-7753-43E0-B8FC-AC1667EBCBE1}">
-              <a14:hiddenEffects xmlns:a14="http://schemas.microsoft.com/office/drawing/2010/main">
-                <a:effectLst>
-                  <a:outerShdw dist="35921" dir="2700000" algn="ctr" rotWithShape="0">
-                    <a:schemeClr val="bg2"/>
-                  </a:outerShdw>
-                </a:effectLst>
-              </a14:hiddenEffects>
-            </a:ext>
-          </a:extLst>
-        </p:spPr>
-      </p:pic>
     </p:spTree>
     <p:extLst>
       <p:ext uri="{BB962C8B-B14F-4D97-AF65-F5344CB8AC3E}">
-        <p14:creationId xmlns:p14="http://schemas.microsoft.com/office/powerpoint/2010/main" val="3470990653"/>
+        <p14:creationId xmlns:p14="http://schemas.microsoft.com/office/powerpoint/2010/main" val="1592887194"/>
       </p:ext>
     </p:extLst>
   </p:cSld>
@@ -13062,136 +12460,6 @@
 </file>
 
 <file path=ppt/slides/slide19.xml><?xml version="1.0" encoding="utf-8"?>
-<p:sld xmlns:a="http://schemas.openxmlformats.org/drawingml/2006/main" xmlns:r="http://schemas.openxmlformats.org/officeDocument/2006/relationships" xmlns:p="http://schemas.openxmlformats.org/presentationml/2006/main">
-  <p:cSld>
-    <p:spTree>
-      <p:nvGrpSpPr>
-        <p:cNvPr id="1" name=""/>
-        <p:cNvGrpSpPr/>
-        <p:nvPr/>
-      </p:nvGrpSpPr>
-      <p:grpSpPr>
-        <a:xfrm>
-          <a:off x="0" y="0"/>
-          <a:ext cx="0" cy="0"/>
-          <a:chOff x="0" y="0"/>
-          <a:chExt cx="0" cy="0"/>
-        </a:xfrm>
-      </p:grpSpPr>
-      <p:sp>
-        <p:nvSpPr>
-          <p:cNvPr id="2" name="Text Placeholder 1"/>
-          <p:cNvSpPr>
-            <a:spLocks noGrp="1"/>
-          </p:cNvSpPr>
-          <p:nvPr>
-            <p:ph type="body" sz="quarter" idx="11"/>
-          </p:nvPr>
-        </p:nvSpPr>
-        <p:spPr/>
-        <p:txBody>
-          <a:bodyPr/>
-          <a:lstStyle/>
-          <a:p>
-            <a:r>
-              <a:rPr lang="en-US" dirty="0" err="1" smtClean="0"/>
-              <a:t>Herencia</a:t>
-            </a:r>
-            <a:r>
-              <a:rPr lang="en-US" dirty="0" smtClean="0"/>
-              <a:t>, Interfaces, </a:t>
-            </a:r>
-            <a:r>
-              <a:rPr lang="en-US" dirty="0" err="1" smtClean="0"/>
-              <a:t>Clases</a:t>
-            </a:r>
-            <a:r>
-              <a:rPr lang="en-US" dirty="0" smtClean="0"/>
-              <a:t> </a:t>
-            </a:r>
-            <a:r>
-              <a:rPr lang="en-US" dirty="0" err="1" smtClean="0"/>
-              <a:t>Parciales</a:t>
-            </a:r>
-            <a:r>
-              <a:rPr lang="en-US" dirty="0" smtClean="0"/>
-              <a:t>, …</a:t>
-            </a:r>
-            <a:endParaRPr lang="en-US" dirty="0"/>
-          </a:p>
-        </p:txBody>
-      </p:sp>
-    </p:spTree>
-    <p:extLst>
-      <p:ext uri="{BB962C8B-B14F-4D97-AF65-F5344CB8AC3E}">
-        <p14:creationId xmlns:p14="http://schemas.microsoft.com/office/powerpoint/2010/main" val="1592887194"/>
-      </p:ext>
-    </p:extLst>
-  </p:cSld>
-  <p:clrMapOvr>
-    <a:masterClrMapping/>
-  </p:clrMapOvr>
-</p:sld>
-</file>
-
-<file path=ppt/slides/slide2.xml><?xml version="1.0" encoding="utf-8"?>
-<p:sld xmlns:a="http://schemas.openxmlformats.org/drawingml/2006/main" xmlns:r="http://schemas.openxmlformats.org/officeDocument/2006/relationships" xmlns:p="http://schemas.openxmlformats.org/presentationml/2006/main">
-  <p:cSld>
-    <p:spTree>
-      <p:nvGrpSpPr>
-        <p:cNvPr id="1" name=""/>
-        <p:cNvGrpSpPr/>
-        <p:nvPr/>
-      </p:nvGrpSpPr>
-      <p:grpSpPr>
-        <a:xfrm>
-          <a:off x="0" y="0"/>
-          <a:ext cx="0" cy="0"/>
-          <a:chOff x="0" y="0"/>
-          <a:chExt cx="0" cy="0"/>
-        </a:xfrm>
-      </p:grpSpPr>
-      <p:sp>
-        <p:nvSpPr>
-          <p:cNvPr id="2" name="Text Placeholder 1"/>
-          <p:cNvSpPr>
-            <a:spLocks noGrp="1"/>
-          </p:cNvSpPr>
-          <p:nvPr>
-            <p:ph type="body" sz="quarter" idx="11"/>
-          </p:nvPr>
-        </p:nvSpPr>
-        <p:spPr/>
-        <p:txBody>
-          <a:bodyPr/>
-          <a:lstStyle/>
-          <a:p>
-            <a:r>
-              <a:rPr lang="es-AR" dirty="0"/>
-              <a:t>C</a:t>
-            </a:r>
-            <a:r>
-              <a:rPr lang="es-AR" dirty="0" smtClean="0"/>
-              <a:t>#</a:t>
-            </a:r>
-            <a:endParaRPr lang="es-AR" dirty="0"/>
-          </a:p>
-        </p:txBody>
-      </p:sp>
-    </p:spTree>
-    <p:extLst>
-      <p:ext uri="{BB962C8B-B14F-4D97-AF65-F5344CB8AC3E}">
-        <p14:creationId xmlns:p14="http://schemas.microsoft.com/office/powerpoint/2010/main" val="3688172602"/>
-      </p:ext>
-    </p:extLst>
-  </p:cSld>
-  <p:clrMapOvr>
-    <a:masterClrMapping/>
-  </p:clrMapOvr>
-</p:sld>
-</file>
-
-<file path=ppt/slides/slide20.xml><?xml version="1.0" encoding="utf-8"?>
 <p:sld xmlns:a="http://schemas.openxmlformats.org/drawingml/2006/main" xmlns:r="http://schemas.openxmlformats.org/officeDocument/2006/relationships" xmlns:p="http://schemas.openxmlformats.org/presentationml/2006/main">
   <p:cSld>
     <p:spTree>
@@ -13387,10 +12655,81 @@
   <p:clrMapOvr>
     <a:masterClrMapping/>
   </p:clrMapOvr>
+  <p:timing>
+    <p:tnLst>
+      <p:par>
+        <p:cTn id="1" dur="indefinite" restart="never" nodeType="tmRoot"/>
+      </p:par>
+    </p:tnLst>
+  </p:timing>
 </p:sld>
 </file>
 
-<file path=ppt/slides/slide21.xml><?xml version="1.0" encoding="utf-8"?>
+<file path=ppt/slides/slide2.xml><?xml version="1.0" encoding="utf-8"?>
+<p:sld xmlns:a="http://schemas.openxmlformats.org/drawingml/2006/main" xmlns:r="http://schemas.openxmlformats.org/officeDocument/2006/relationships" xmlns:p="http://schemas.openxmlformats.org/presentationml/2006/main">
+  <p:cSld>
+    <p:spTree>
+      <p:nvGrpSpPr>
+        <p:cNvPr id="1" name=""/>
+        <p:cNvGrpSpPr/>
+        <p:nvPr/>
+      </p:nvGrpSpPr>
+      <p:grpSpPr>
+        <a:xfrm>
+          <a:off x="0" y="0"/>
+          <a:ext cx="0" cy="0"/>
+          <a:chOff x="0" y="0"/>
+          <a:chExt cx="0" cy="0"/>
+        </a:xfrm>
+      </p:grpSpPr>
+      <p:sp>
+        <p:nvSpPr>
+          <p:cNvPr id="2" name="Text Placeholder 1"/>
+          <p:cNvSpPr>
+            <a:spLocks noGrp="1"/>
+          </p:cNvSpPr>
+          <p:nvPr>
+            <p:ph type="body" sz="quarter" idx="11"/>
+          </p:nvPr>
+        </p:nvSpPr>
+        <p:spPr/>
+        <p:txBody>
+          <a:bodyPr/>
+          <a:lstStyle/>
+          <a:p>
+            <a:r>
+              <a:rPr lang="es-AR" dirty="0"/>
+              <a:t>C</a:t>
+            </a:r>
+            <a:r>
+              <a:rPr lang="es-AR" dirty="0" smtClean="0"/>
+              <a:t>#</a:t>
+            </a:r>
+            <a:endParaRPr lang="es-AR" dirty="0"/>
+          </a:p>
+        </p:txBody>
+      </p:sp>
+    </p:spTree>
+    <p:extLst>
+      <p:ext uri="{BB962C8B-B14F-4D97-AF65-F5344CB8AC3E}">
+        <p14:creationId xmlns:p14="http://schemas.microsoft.com/office/powerpoint/2010/main" val="3688172602"/>
+      </p:ext>
+    </p:extLst>
+  </p:cSld>
+  <p:clrMapOvr>
+    <a:masterClrMapping/>
+  </p:clrMapOvr>
+  <p:timing>
+    <p:tnLst>
+      <p:par>
+        <p:cTn id="1" dur="indefinite" restart="never" nodeType="tmRoot"/>
+      </p:par>
+    </p:tnLst>
+  </p:timing>
+</p:sld>
+</file>
+
+<file path=ppt/slides/slide20.xml><?xml version="1.0" encoding="utf-8"?>
 <p:sld xmlns:a="http://schemas.openxmlformats.org/drawingml/2006/main" xmlns:r="http://schemas.openxmlformats.org/officeDocument/2006/relationships" xmlns:p="http://schemas.openxmlformats.org/presentationml/2006/main">
   <p:cSld>
     <p:spTree>
@@ -13600,10 +12939,17 @@
   <p:clrMapOvr>
     <a:masterClrMapping/>
   </p:clrMapOvr>
+  <p:timing>
+    <p:tnLst>
+      <p:par>
+        <p:cTn id="1" dur="indefinite" restart="never" nodeType="tmRoot"/>
+      </p:par>
+    </p:tnLst>
+  </p:timing>
 </p:sld>
 </file>
 
-<file path=ppt/slides/slide22.xml><?xml version="1.0" encoding="utf-8"?>
+<file path=ppt/slides/slide21.xml><?xml version="1.0" encoding="utf-8"?>
 <p:sld xmlns:a="http://schemas.openxmlformats.org/drawingml/2006/main" xmlns:r="http://schemas.openxmlformats.org/officeDocument/2006/relationships" xmlns:p="http://schemas.openxmlformats.org/presentationml/2006/main">
   <p:cSld>
     <p:spTree>
@@ -14110,6 +13456,359 @@
   <p:clrMapOvr>
     <a:masterClrMapping/>
   </p:clrMapOvr>
+  <p:timing>
+    <p:tnLst>
+      <p:par>
+        <p:cTn id="1" dur="indefinite" restart="never" nodeType="tmRoot"/>
+      </p:par>
+    </p:tnLst>
+  </p:timing>
+</p:sld>
+</file>
+
+<file path=ppt/slides/slide22.xml><?xml version="1.0" encoding="utf-8"?>
+<p:sld xmlns:a="http://schemas.openxmlformats.org/drawingml/2006/main" xmlns:r="http://schemas.openxmlformats.org/officeDocument/2006/relationships" xmlns:p="http://schemas.openxmlformats.org/presentationml/2006/main">
+  <p:cSld>
+    <p:spTree>
+      <p:nvGrpSpPr>
+        <p:cNvPr id="1" name=""/>
+        <p:cNvGrpSpPr/>
+        <p:nvPr/>
+      </p:nvGrpSpPr>
+      <p:grpSpPr>
+        <a:xfrm>
+          <a:off x="0" y="0"/>
+          <a:ext cx="0" cy="0"/>
+          <a:chOff x="0" y="0"/>
+          <a:chExt cx="0" cy="0"/>
+        </a:xfrm>
+      </p:grpSpPr>
+      <p:sp>
+        <p:nvSpPr>
+          <p:cNvPr id="2" name="Content Placeholder 1"/>
+          <p:cNvSpPr>
+            <a:spLocks noGrp="1"/>
+          </p:cNvSpPr>
+          <p:nvPr>
+            <p:ph idx="15"/>
+          </p:nvPr>
+        </p:nvSpPr>
+        <p:spPr/>
+        <p:txBody>
+          <a:bodyPr/>
+          <a:lstStyle/>
+          <a:p>
+            <a:pPr marL="173038" lvl="1">
+              <a:buClrTx/>
+              <a:buBlip>
+                <a:blip r:embed="rId2"/>
+              </a:buBlip>
+            </a:pPr>
+            <a:r>
+              <a:rPr lang="es-AR" dirty="0"/>
+              <a:t>Es común declarar una variable e inicializarla en un mismo paso. </a:t>
+            </a:r>
+          </a:p>
+          <a:p>
+            <a:pPr marL="173038" lvl="1">
+              <a:buClrTx/>
+              <a:buBlip>
+                <a:blip r:embed="rId2"/>
+              </a:buBlip>
+            </a:pPr>
+            <a:r>
+              <a:rPr lang="es-AR" dirty="0"/>
+              <a:t>Si el compilador es capaz de inferir el tipo de la expresión de inicialización, es posible usar la palabra clave </a:t>
+            </a:r>
+            <a:r>
+              <a:rPr lang="es-AR" b="1" dirty="0" err="1"/>
+              <a:t>var</a:t>
+            </a:r>
+            <a:r>
+              <a:rPr lang="es-AR" dirty="0"/>
+              <a:t> en lugar de la declaración de tipo.</a:t>
+            </a:r>
+          </a:p>
+          <a:p>
+            <a:pPr marL="173038" lvl="1">
+              <a:buClrTx/>
+              <a:buBlip>
+                <a:blip r:embed="rId2"/>
+              </a:buBlip>
+            </a:pPr>
+            <a:endParaRPr lang="es-AR" dirty="0"/>
+          </a:p>
+          <a:p>
+            <a:endParaRPr lang="en-US" dirty="0"/>
+          </a:p>
+        </p:txBody>
+      </p:sp>
+      <p:sp>
+        <p:nvSpPr>
+          <p:cNvPr id="3" name="Text Placeholder 2"/>
+          <p:cNvSpPr>
+            <a:spLocks noGrp="1"/>
+          </p:cNvSpPr>
+          <p:nvPr>
+            <p:ph type="body" sz="quarter" idx="16"/>
+          </p:nvPr>
+        </p:nvSpPr>
+        <p:spPr/>
+        <p:txBody>
+          <a:bodyPr/>
+          <a:lstStyle/>
+          <a:p>
+            <a:r>
+              <a:rPr lang="en-US" dirty="0" smtClean="0"/>
+              <a:t>.NET C#</a:t>
+            </a:r>
+            <a:endParaRPr lang="en-US" dirty="0"/>
+          </a:p>
+        </p:txBody>
+      </p:sp>
+      <p:sp>
+        <p:nvSpPr>
+          <p:cNvPr id="4" name="Text Placeholder 3"/>
+          <p:cNvSpPr>
+            <a:spLocks noGrp="1"/>
+          </p:cNvSpPr>
+          <p:nvPr>
+            <p:ph type="body" sz="quarter" idx="17"/>
+          </p:nvPr>
+        </p:nvSpPr>
+        <p:spPr/>
+        <p:txBody>
+          <a:bodyPr/>
+          <a:lstStyle/>
+          <a:p>
+            <a:r>
+              <a:rPr lang="es-ES" dirty="0" smtClean="0"/>
+              <a:t>Variables locales implícitamente </a:t>
+            </a:r>
+            <a:r>
+              <a:rPr lang="es-ES" dirty="0" err="1" smtClean="0"/>
+              <a:t>tipadas</a:t>
+            </a:r>
+            <a:endParaRPr lang="es-ES" dirty="0"/>
+          </a:p>
+        </p:txBody>
+      </p:sp>
+      <p:sp>
+        <p:nvSpPr>
+          <p:cNvPr id="5" name="Rectangle 1"/>
+          <p:cNvSpPr>
+            <a:spLocks noChangeArrowheads="1"/>
+          </p:cNvSpPr>
+          <p:nvPr/>
+        </p:nvSpPr>
+        <p:spPr bwMode="auto">
+          <a:xfrm>
+            <a:off x="238588" y="2330995"/>
+            <a:ext cx="6264696" cy="1384995"/>
+          </a:xfrm>
+          <a:prstGeom prst="rect">
+            <a:avLst/>
+          </a:prstGeom>
+          <a:solidFill>
+            <a:srgbClr val="FFFFFF"/>
+          </a:solidFill>
+          <a:ln>
+            <a:noFill/>
+          </a:ln>
+          <a:effectLst/>
+          <a:extLst>
+            <a:ext uri="{91240B29-F687-4F45-9708-019B960494DF}">
+              <a14:hiddenLine xmlns:a14="http://schemas.microsoft.com/office/drawing/2010/main" w="9525">
+                <a:solidFill>
+                  <a:schemeClr val="tx1"/>
+                </a:solidFill>
+                <a:miter lim="800000"/>
+                <a:headEnd/>
+                <a:tailEnd/>
+              </a14:hiddenLine>
+            </a:ext>
+            <a:ext uri="{AF507438-7753-43E0-B8FC-AC1667EBCBE1}">
+              <a14:hiddenEffects xmlns:a14="http://schemas.microsoft.com/office/drawing/2010/main">
+                <a:effectLst>
+                  <a:outerShdw dist="35921" dir="2700000" algn="ctr" rotWithShape="0">
+                    <a:schemeClr val="bg2"/>
+                  </a:outerShdw>
+                </a:effectLst>
+              </a14:hiddenEffects>
+            </a:ext>
+          </a:extLst>
+        </p:spPr>
+        <p:txBody>
+          <a:bodyPr vert="horz" wrap="square" lIns="91440" tIns="45720" rIns="91440" bIns="45720" numCol="1" anchor="ctr" anchorCtr="0" compatLnSpc="1">
+            <a:prstTxWarp prst="textNoShape">
+              <a:avLst/>
+            </a:prstTxWarp>
+            <a:spAutoFit/>
+          </a:bodyPr>
+          <a:lstStyle/>
+          <a:p>
+            <a:pPr fontAlgn="base">
+              <a:spcBef>
+                <a:spcPct val="0"/>
+              </a:spcBef>
+              <a:spcAft>
+                <a:spcPct val="0"/>
+              </a:spcAft>
+            </a:pPr>
+            <a:r>
+              <a:rPr lang="es-AR" sz="2800" dirty="0" err="1">
+                <a:solidFill>
+                  <a:srgbClr val="0000FF"/>
+                </a:solidFill>
+                <a:latin typeface="Consolas" pitchFamily="49" charset="0"/>
+                <a:cs typeface="Consolas" pitchFamily="49" charset="0"/>
+              </a:rPr>
+              <a:t>var</a:t>
+            </a:r>
+            <a:r>
+              <a:rPr lang="es-AR" sz="2800" dirty="0">
+                <a:solidFill>
+                  <a:srgbClr val="000000"/>
+                </a:solidFill>
+                <a:latin typeface="Consolas" pitchFamily="49" charset="0"/>
+                <a:cs typeface="Consolas" pitchFamily="49" charset="0"/>
+              </a:rPr>
+              <a:t> </a:t>
+            </a:r>
+            <a:r>
+              <a:rPr lang="es-AR" sz="2800" dirty="0" err="1">
+                <a:solidFill>
+                  <a:srgbClr val="000000"/>
+                </a:solidFill>
+                <a:latin typeface="Consolas" pitchFamily="49" charset="0"/>
+                <a:cs typeface="Consolas" pitchFamily="49" charset="0"/>
+              </a:rPr>
+              <a:t>someInt</a:t>
+            </a:r>
+            <a:r>
+              <a:rPr lang="es-AR" sz="2800" dirty="0">
+                <a:solidFill>
+                  <a:srgbClr val="000000"/>
+                </a:solidFill>
+                <a:latin typeface="Consolas" pitchFamily="49" charset="0"/>
+                <a:cs typeface="Consolas" pitchFamily="49" charset="0"/>
+              </a:rPr>
+              <a:t> = 0;   </a:t>
+            </a:r>
+          </a:p>
+          <a:p>
+            <a:pPr fontAlgn="base">
+              <a:spcBef>
+                <a:spcPct val="0"/>
+              </a:spcBef>
+              <a:spcAft>
+                <a:spcPct val="0"/>
+              </a:spcAft>
+            </a:pPr>
+            <a:r>
+              <a:rPr lang="es-AR" sz="2800" dirty="0">
+                <a:solidFill>
+                  <a:srgbClr val="000000"/>
+                </a:solidFill>
+                <a:latin typeface="Consolas" pitchFamily="49" charset="0"/>
+                <a:cs typeface="Consolas" pitchFamily="49" charset="0"/>
+              </a:rPr>
+              <a:t>      </a:t>
+            </a:r>
+          </a:p>
+          <a:p>
+            <a:pPr fontAlgn="base">
+              <a:spcBef>
+                <a:spcPct val="0"/>
+              </a:spcBef>
+              <a:spcAft>
+                <a:spcPct val="0"/>
+              </a:spcAft>
+            </a:pPr>
+            <a:r>
+              <a:rPr lang="es-AR" sz="2800" dirty="0" err="1">
+                <a:solidFill>
+                  <a:srgbClr val="0000FF"/>
+                </a:solidFill>
+                <a:latin typeface="Consolas" pitchFamily="49" charset="0"/>
+                <a:cs typeface="Consolas" pitchFamily="49" charset="0"/>
+              </a:rPr>
+              <a:t>var</a:t>
+            </a:r>
+            <a:r>
+              <a:rPr lang="es-AR" sz="2800" dirty="0">
+                <a:solidFill>
+                  <a:srgbClr val="000000"/>
+                </a:solidFill>
+                <a:latin typeface="Consolas" pitchFamily="49" charset="0"/>
+                <a:cs typeface="Consolas" pitchFamily="49" charset="0"/>
+              </a:rPr>
+              <a:t> </a:t>
+            </a:r>
+            <a:r>
+              <a:rPr lang="es-AR" sz="2800" dirty="0" err="1">
+                <a:solidFill>
+                  <a:srgbClr val="000000"/>
+                </a:solidFill>
+                <a:latin typeface="Consolas" pitchFamily="49" charset="0"/>
+                <a:cs typeface="Consolas" pitchFamily="49" charset="0"/>
+              </a:rPr>
+              <a:t>someString</a:t>
+            </a:r>
+            <a:r>
+              <a:rPr lang="es-AR" sz="2800" dirty="0">
+                <a:solidFill>
+                  <a:srgbClr val="000000"/>
+                </a:solidFill>
+                <a:latin typeface="Consolas" pitchFamily="49" charset="0"/>
+                <a:cs typeface="Consolas" pitchFamily="49" charset="0"/>
+              </a:rPr>
+              <a:t> = </a:t>
+            </a:r>
+            <a:r>
+              <a:rPr lang="es-AR" sz="2800" dirty="0">
+                <a:solidFill>
+                  <a:srgbClr val="A31515"/>
+                </a:solidFill>
+                <a:latin typeface="Consolas" pitchFamily="49" charset="0"/>
+                <a:cs typeface="Consolas" pitchFamily="49" charset="0"/>
+              </a:rPr>
+              <a:t>"Hola mundo!"</a:t>
+            </a:r>
+            <a:r>
+              <a:rPr lang="es-AR" sz="2800" dirty="0">
+                <a:solidFill>
+                  <a:srgbClr val="000000"/>
+                </a:solidFill>
+                <a:latin typeface="Consolas" pitchFamily="49" charset="0"/>
+                <a:cs typeface="Consolas" pitchFamily="49" charset="0"/>
+              </a:rPr>
+              <a:t>;</a:t>
+            </a:r>
+            <a:endParaRPr lang="es-AR" sz="6000" dirty="0">
+              <a:latin typeface="Arial" pitchFamily="34" charset="0"/>
+              <a:cs typeface="Arial" pitchFamily="34" charset="0"/>
+            </a:endParaRPr>
+          </a:p>
+        </p:txBody>
+      </p:sp>
+    </p:spTree>
+    <p:extLst>
+      <p:ext uri="{BB962C8B-B14F-4D97-AF65-F5344CB8AC3E}">
+        <p14:creationId xmlns:p14="http://schemas.microsoft.com/office/powerpoint/2010/main" val="2355646434"/>
+      </p:ext>
+    </p:extLst>
+  </p:cSld>
+  <p:clrMapOvr>
+    <a:masterClrMapping/>
+  </p:clrMapOvr>
+  <p:timing>
+    <p:tnLst>
+      <p:par>
+        <p:cTn id="1" dur="indefinite" restart="never" nodeType="tmRoot"/>
+      </p:par>
+    </p:tnLst>
+  </p:timing>
 </p:sld>
 </file>
 
@@ -14130,354 +13829,14 @@
           <a:chExt cx="0" cy="0"/>
         </a:xfrm>
       </p:grpSpPr>
-      <mc:AlternateContent xmlns:mc="http://schemas.openxmlformats.org/markup-compatibility/2006">
-        <mc:Choice xmlns:a14="http://schemas.microsoft.com/office/drawing/2010/main" Requires="a14">
-          <p:sp>
-            <p:nvSpPr>
-              <p:cNvPr id="2" name="Content Placeholder 1"/>
-              <p:cNvSpPr>
-                <a:spLocks noGrp="1"/>
-              </p:cNvSpPr>
-              <p:nvPr>
-                <p:ph idx="15"/>
-              </p:nvPr>
-            </p:nvSpPr>
-            <p:spPr/>
-            <p:txBody>
-              <a:bodyPr>
-                <a:normAutofit/>
-              </a:bodyPr>
-              <a:lstStyle/>
-              <a:p>
-                <a:r>
-                  <a:rPr lang="es-ES" dirty="0" smtClean="0"/>
-                  <a:t>Los tipos más simples en </a:t>
-                </a:r>
-                <a:r>
-                  <a:rPr lang="es-ES" dirty="0" err="1" smtClean="0"/>
-                  <a:t>.Net</a:t>
-                </a:r>
-                <a:endParaRPr lang="es-ES" dirty="0" smtClean="0"/>
-              </a:p>
-              <a:p>
-                <a:r>
-                  <a:rPr lang="es-ES" dirty="0"/>
-                  <a:t>Contienen el valor y no una referencia al valor</a:t>
-                </a:r>
-              </a:p>
-              <a:p>
-                <a:r>
-                  <a:rPr lang="es-ES" dirty="0"/>
-                  <a:t>Las instancias de estos se guardan en un </a:t>
-                </a:r>
-                <a:r>
-                  <a:rPr lang="es-ES" dirty="0" smtClean="0"/>
-                  <a:t>área </a:t>
-                </a:r>
-                <a:r>
-                  <a:rPr lang="es-ES" dirty="0"/>
-                  <a:t>de memoria de acceso mas veloz</a:t>
-                </a:r>
-              </a:p>
-              <a:p>
-                <a:r>
-                  <a:rPr lang="es-ES" dirty="0"/>
-                  <a:t>Se pueden crear </a:t>
-                </a:r>
-                <a:r>
-                  <a:rPr lang="es-ES" dirty="0" err="1"/>
-                  <a:t>Value</a:t>
-                </a:r>
-                <a:r>
-                  <a:rPr lang="es-ES" dirty="0"/>
-                  <a:t> </a:t>
-                </a:r>
-                <a:r>
-                  <a:rPr lang="es-ES" dirty="0" err="1"/>
-                  <a:t>Type</a:t>
-                </a:r>
-                <a:r>
-                  <a:rPr lang="es-ES" dirty="0"/>
-                  <a:t> por medio de </a:t>
-                </a:r>
-                <a:r>
-                  <a:rPr lang="es-ES" dirty="0" err="1"/>
-                  <a:t>Enums</a:t>
-                </a:r>
-                <a:r>
-                  <a:rPr lang="es-ES" dirty="0"/>
-                  <a:t> y </a:t>
-                </a:r>
-                <a:r>
-                  <a:rPr lang="es-ES" dirty="0" err="1" smtClean="0"/>
-                  <a:t>Structs</a:t>
-                </a:r>
-                <a:endParaRPr lang="es-ES" dirty="0"/>
-              </a:p>
-              <a:p>
-                <a:r>
-                  <a:rPr lang="es-ES" dirty="0"/>
-                  <a:t>Constructor </a:t>
-                </a:r>
-                <a:r>
-                  <a:rPr lang="es-ES" dirty="0" smtClean="0"/>
-                  <a:t>implícito:</a:t>
-                </a:r>
-                <a:r>
-                  <a:rPr lang="es-ES" dirty="0"/>
-                  <a:t> </a:t>
-                </a:r>
-                <a:r>
-                  <a:rPr lang="es-ES" b="1" dirty="0" smtClean="0">
-                    <a:latin typeface="Courier New" pitchFamily="49" charset="0"/>
-                    <a:cs typeface="Courier New" pitchFamily="49" charset="0"/>
-                  </a:rPr>
-                  <a:t>&lt;</a:t>
-                </a:r>
-                <a:r>
-                  <a:rPr lang="es-ES" b="1" dirty="0">
-                    <a:latin typeface="Courier New" pitchFamily="49" charset="0"/>
-                    <a:cs typeface="Courier New" pitchFamily="49" charset="0"/>
-                  </a:rPr>
-                  <a:t>tipo de dato&gt; </a:t>
-                </a:r>
-                <a:r>
-                  <a:rPr lang="es-ES" b="1" dirty="0" err="1">
-                    <a:latin typeface="Courier New" pitchFamily="49" charset="0"/>
-                    <a:cs typeface="Courier New" pitchFamily="49" charset="0"/>
-                  </a:rPr>
-                  <a:t>nombreVariable</a:t>
-                </a:r>
-                <a:r>
-                  <a:rPr lang="es-ES" b="1" dirty="0">
-                    <a:latin typeface="Courier New" pitchFamily="49" charset="0"/>
-                    <a:cs typeface="Courier New" pitchFamily="49" charset="0"/>
-                  </a:rPr>
-                  <a:t> = valor inicial</a:t>
-                </a:r>
-                <a:r>
-                  <a:rPr lang="es-ES" b="1" dirty="0" smtClean="0">
-                    <a:latin typeface="Courier New" pitchFamily="49" charset="0"/>
-                    <a:cs typeface="Courier New" pitchFamily="49" charset="0"/>
-                  </a:rPr>
-                  <a:t>;</a:t>
-                </a:r>
-                <a:endParaRPr lang="es-ES" b="1" dirty="0"/>
-              </a:p>
-              <a:p>
-                <a:r>
-                  <a:rPr lang="es-ES" dirty="0"/>
-                  <a:t>Net Framework provee los siguientes </a:t>
-                </a:r>
-                <a:r>
-                  <a:rPr lang="es-ES" dirty="0" err="1"/>
-                  <a:t>value</a:t>
-                </a:r>
-                <a:r>
-                  <a:rPr lang="es-ES" dirty="0"/>
-                  <a:t> </a:t>
-                </a:r>
-                <a:r>
-                  <a:rPr lang="es-ES" dirty="0" err="1"/>
-                  <a:t>types</a:t>
-                </a:r>
-                <a:r>
-                  <a:rPr lang="es-ES" dirty="0"/>
-                  <a:t> por default:</a:t>
-                </a:r>
-              </a:p>
-              <a:p>
-                <a:pPr marL="541338" lvl="4" indent="-276225">
-                  <a:buFont typeface="Wingdings" panose="05000000000000000000" pitchFamily="2" charset="2"/>
-                  <a:buChar char="ü"/>
-                </a:pPr>
-                <a:r>
-                  <a:rPr lang="es-ES" b="1" i="1" dirty="0"/>
-                  <a:t>Numéricos</a:t>
-                </a:r>
-                <a:r>
-                  <a:rPr lang="es-ES" i="1" dirty="0"/>
-                  <a:t> (</a:t>
-                </a:r>
-                <a:r>
-                  <a:rPr lang="es-ES" i="1" dirty="0" err="1"/>
-                  <a:t>int</a:t>
-                </a:r>
-                <a:r>
-                  <a:rPr lang="es-ES" i="1" dirty="0"/>
-                  <a:t>, decimal, </a:t>
-                </a:r>
-                <a:r>
-                  <a:rPr lang="es-ES" i="1" dirty="0" err="1"/>
-                  <a:t>float</a:t>
-                </a:r>
-                <a:r>
-                  <a:rPr lang="es-ES" i="1" dirty="0"/>
-                  <a:t>, </a:t>
-                </a:r>
-                <a:r>
-                  <a:rPr lang="es-ES" i="1" dirty="0" err="1"/>
-                  <a:t>double</a:t>
-                </a:r>
-                <a:r>
-                  <a:rPr lang="es-ES" i="1" dirty="0"/>
-                  <a:t>, </a:t>
-                </a:r>
-                <a:r>
-                  <a:rPr lang="es-ES" i="1" dirty="0" err="1"/>
-                  <a:t>sbyte</a:t>
-                </a:r>
-                <a:r>
-                  <a:rPr lang="es-ES" i="1" dirty="0"/>
-                  <a:t>, short, </a:t>
-                </a:r>
-                <a:r>
-                  <a:rPr lang="es-ES" i="1" dirty="0" err="1"/>
-                  <a:t>long</a:t>
-                </a:r>
-                <a:r>
-                  <a:rPr lang="es-ES" i="1" dirty="0"/>
-                  <a:t>, </a:t>
-                </a:r>
-                <a:r>
-                  <a:rPr lang="es-ES" i="1" dirty="0" err="1"/>
-                  <a:t>ushort</a:t>
-                </a:r>
-                <a:r>
-                  <a:rPr lang="es-ES" i="1" dirty="0"/>
-                  <a:t>, </a:t>
-                </a:r>
-                <a:r>
-                  <a:rPr lang="es-ES" i="1" dirty="0" err="1"/>
-                  <a:t>uint</a:t>
-                </a:r>
-                <a:r>
-                  <a:rPr lang="es-ES" i="1" dirty="0"/>
-                  <a:t>, </a:t>
-                </a:r>
-                <a:r>
-                  <a:rPr lang="es-ES" i="1" dirty="0" err="1"/>
-                  <a:t>ulong</a:t>
-                </a:r>
-                <a:r>
-                  <a:rPr lang="es-ES" i="1" dirty="0"/>
-                  <a:t>, byte, </a:t>
-                </a:r>
-                <a:r>
-                  <a:rPr lang="es-ES" i="1" dirty="0" err="1"/>
-                  <a:t>double</a:t>
-                </a:r>
-                <a:r>
-                  <a:rPr lang="es-ES" i="1" dirty="0"/>
-                  <a:t>)</a:t>
-                </a:r>
-              </a:p>
-              <a:p>
-                <a:pPr marL="541338" lvl="4" indent="-276225">
-                  <a:buFont typeface="Wingdings" panose="05000000000000000000" pitchFamily="2" charset="2"/>
-                  <a:buChar char="ü"/>
-                </a:pPr>
-                <a:r>
-                  <a:rPr lang="es-ES" b="1" i="1" dirty="0"/>
-                  <a:t>Alfabéticos</a:t>
-                </a:r>
-                <a:r>
-                  <a:rPr lang="es-ES" i="1" dirty="0"/>
-                  <a:t> (</a:t>
-                </a:r>
-                <a:r>
-                  <a:rPr lang="es-ES" i="1" dirty="0" err="1"/>
-                  <a:t>char</a:t>
-                </a:r>
-                <a:r>
-                  <a:rPr lang="es-ES" i="1" dirty="0"/>
-                  <a:t>)</a:t>
-                </a:r>
-              </a:p>
-              <a:p>
-                <a:pPr marL="541338" lvl="4" indent="-276225">
-                  <a:buFont typeface="Wingdings" panose="05000000000000000000" pitchFamily="2" charset="2"/>
-                  <a:buChar char="ü"/>
-                </a:pPr>
-                <a:r>
-                  <a:rPr lang="es-ES" b="1" i="1" dirty="0"/>
-                  <a:t>L</a:t>
-                </a:r>
-                <a14:m>
-                  <m:oMath xmlns:m="http://schemas.openxmlformats.org/officeDocument/2006/math">
-                    <m:r>
-                      <a:rPr lang="es-ES" b="1" i="1">
-                        <a:latin typeface="Cambria Math"/>
-                      </a:rPr>
-                      <m:t>ó</m:t>
-                    </m:r>
-                  </m:oMath>
-                </a14:m>
-                <a:r>
-                  <a:rPr lang="es-ES" b="1" i="1" dirty="0" err="1"/>
-                  <a:t>gicos</a:t>
-                </a:r>
-                <a:r>
-                  <a:rPr lang="es-ES" i="1" dirty="0"/>
-                  <a:t> (</a:t>
-                </a:r>
-                <a:r>
-                  <a:rPr lang="es-ES" i="1" dirty="0" err="1"/>
-                  <a:t>bool</a:t>
-                </a:r>
-                <a:r>
-                  <a:rPr lang="es-ES" i="1" dirty="0"/>
-                  <a:t>)</a:t>
-                </a:r>
-              </a:p>
-              <a:p>
-                <a:endParaRPr lang="es-ES" dirty="0"/>
-              </a:p>
-            </p:txBody>
-          </p:sp>
-        </mc:Choice>
-        <mc:Fallback>
-          <p:sp>
-            <p:nvSpPr>
-              <p:cNvPr id="2" name="Content Placeholder 1"/>
-              <p:cNvSpPr>
-                <a:spLocks noGrp="1" noRot="1" noChangeAspect="1" noMove="1" noResize="1" noEditPoints="1" noAdjustHandles="1" noChangeArrowheads="1" noChangeShapeType="1" noTextEdit="1"/>
-              </p:cNvSpPr>
-              <p:nvPr>
-                <p:ph idx="15"/>
-              </p:nvPr>
-            </p:nvSpPr>
-            <p:spPr>
-              <a:blipFill rotWithShape="0">
-                <a:blip r:embed="rId3"/>
-                <a:stretch>
-                  <a:fillRect l="-312" t="-488"/>
-                </a:stretch>
-              </a:blipFill>
-            </p:spPr>
-            <p:txBody>
-              <a:bodyPr/>
-              <a:lstStyle/>
-              <a:p>
-                <a:r>
-                  <a:rPr lang="es-ES">
-                    <a:noFill/>
-                  </a:rPr>
-                  <a:t> </a:t>
-                </a:r>
-              </a:p>
-            </p:txBody>
-          </p:sp>
-        </mc:Fallback>
-      </mc:AlternateContent>
-      <p:sp>
-        <p:nvSpPr>
-          <p:cNvPr id="3" name="Text Placeholder 2"/>
+      <p:sp>
+        <p:nvSpPr>
+          <p:cNvPr id="2" name="Text Placeholder 1"/>
           <p:cNvSpPr>
             <a:spLocks noGrp="1"/>
           </p:cNvSpPr>
           <p:nvPr>
-            <p:ph type="body" sz="quarter" idx="16"/>
+            <p:ph type="body" sz="quarter" idx="11"/>
           </p:nvPr>
         </p:nvSpPr>
         <p:spPr/>
@@ -14486,42 +13845,17 @@
           <a:lstStyle/>
           <a:p>
             <a:r>
-              <a:rPr lang="en-US" dirty="0" smtClean="0"/>
-              <a:t>.NET C#</a:t>
-            </a:r>
-            <a:endParaRPr lang="en-US" dirty="0"/>
-          </a:p>
-        </p:txBody>
-      </p:sp>
-      <p:sp>
-        <p:nvSpPr>
-          <p:cNvPr id="4" name="Text Placeholder 3"/>
-          <p:cNvSpPr>
-            <a:spLocks noGrp="1"/>
-          </p:cNvSpPr>
-          <p:nvPr>
-            <p:ph type="body" sz="quarter" idx="17"/>
-          </p:nvPr>
-        </p:nvSpPr>
-        <p:spPr/>
-        <p:txBody>
-          <a:bodyPr/>
-          <a:lstStyle/>
-          <a:p>
-            <a:r>
-              <a:rPr lang="en-US" dirty="0"/>
-              <a:t>Value Types</a:t>
-            </a:r>
-          </a:p>
-          <a:p>
-            <a:endParaRPr lang="en-US" dirty="0"/>
+              <a:rPr lang="es-AR" dirty="0" smtClean="0"/>
+              <a:t>Colecciones</a:t>
+            </a:r>
+            <a:endParaRPr lang="es-AR" dirty="0"/>
           </a:p>
         </p:txBody>
       </p:sp>
     </p:spTree>
     <p:extLst>
       <p:ext uri="{BB962C8B-B14F-4D97-AF65-F5344CB8AC3E}">
-        <p14:creationId xmlns:p14="http://schemas.microsoft.com/office/powerpoint/2010/main" val="425249392"/>
+        <p14:creationId xmlns:p14="http://schemas.microsoft.com/office/powerpoint/2010/main" val="2943364086"/>
       </p:ext>
     </p:extLst>
   </p:cSld>
@@ -14570,595 +13904,6 @@
           <a:bodyPr/>
           <a:lstStyle/>
           <a:p>
-            <a:pPr marL="173038" lvl="1">
-              <a:buClrTx/>
-              <a:buBlip>
-                <a:blip r:embed="rId2"/>
-              </a:buBlip>
-            </a:pPr>
-            <a:r>
-              <a:rPr lang="es-AR" dirty="0"/>
-              <a:t>Es común declarar una variable e inicializarla en un mismo paso. </a:t>
-            </a:r>
-          </a:p>
-          <a:p>
-            <a:pPr marL="173038" lvl="1">
-              <a:buClrTx/>
-              <a:buBlip>
-                <a:blip r:embed="rId2"/>
-              </a:buBlip>
-            </a:pPr>
-            <a:r>
-              <a:rPr lang="es-AR" dirty="0"/>
-              <a:t>Si el compilador es capaz de inferir el tipo de la expresión de inicialización, es posible usar la palabra clave </a:t>
-            </a:r>
-            <a:r>
-              <a:rPr lang="es-AR" b="1" dirty="0" err="1"/>
-              <a:t>var</a:t>
-            </a:r>
-            <a:r>
-              <a:rPr lang="es-AR" dirty="0"/>
-              <a:t> en lugar de la declaración de tipo.</a:t>
-            </a:r>
-          </a:p>
-          <a:p>
-            <a:pPr marL="173038" lvl="1">
-              <a:buClrTx/>
-              <a:buBlip>
-                <a:blip r:embed="rId2"/>
-              </a:buBlip>
-            </a:pPr>
-            <a:endParaRPr lang="es-AR" dirty="0"/>
-          </a:p>
-          <a:p>
-            <a:endParaRPr lang="en-US" dirty="0"/>
-          </a:p>
-        </p:txBody>
-      </p:sp>
-      <p:sp>
-        <p:nvSpPr>
-          <p:cNvPr id="3" name="Text Placeholder 2"/>
-          <p:cNvSpPr>
-            <a:spLocks noGrp="1"/>
-          </p:cNvSpPr>
-          <p:nvPr>
-            <p:ph type="body" sz="quarter" idx="16"/>
-          </p:nvPr>
-        </p:nvSpPr>
-        <p:spPr/>
-        <p:txBody>
-          <a:bodyPr/>
-          <a:lstStyle/>
-          <a:p>
-            <a:r>
-              <a:rPr lang="en-US" dirty="0" smtClean="0"/>
-              <a:t>.NET C#</a:t>
-            </a:r>
-            <a:endParaRPr lang="en-US" dirty="0"/>
-          </a:p>
-        </p:txBody>
-      </p:sp>
-      <p:sp>
-        <p:nvSpPr>
-          <p:cNvPr id="4" name="Text Placeholder 3"/>
-          <p:cNvSpPr>
-            <a:spLocks noGrp="1"/>
-          </p:cNvSpPr>
-          <p:nvPr>
-            <p:ph type="body" sz="quarter" idx="17"/>
-          </p:nvPr>
-        </p:nvSpPr>
-        <p:spPr/>
-        <p:txBody>
-          <a:bodyPr/>
-          <a:lstStyle/>
-          <a:p>
-            <a:r>
-              <a:rPr lang="es-ES" dirty="0" smtClean="0"/>
-              <a:t>Variables locales implícitamente </a:t>
-            </a:r>
-            <a:r>
-              <a:rPr lang="es-ES" dirty="0" err="1" smtClean="0"/>
-              <a:t>tipadas</a:t>
-            </a:r>
-            <a:endParaRPr lang="es-ES" dirty="0"/>
-          </a:p>
-        </p:txBody>
-      </p:sp>
-      <p:sp>
-        <p:nvSpPr>
-          <p:cNvPr id="5" name="Rectangle 1"/>
-          <p:cNvSpPr>
-            <a:spLocks noChangeArrowheads="1"/>
-          </p:cNvSpPr>
-          <p:nvPr/>
-        </p:nvSpPr>
-        <p:spPr bwMode="auto">
-          <a:xfrm>
-            <a:off x="238588" y="2330995"/>
-            <a:ext cx="6264696" cy="1384995"/>
-          </a:xfrm>
-          <a:prstGeom prst="rect">
-            <a:avLst/>
-          </a:prstGeom>
-          <a:solidFill>
-            <a:srgbClr val="FFFFFF"/>
-          </a:solidFill>
-          <a:ln>
-            <a:noFill/>
-          </a:ln>
-          <a:effectLst/>
-          <a:extLst>
-            <a:ext uri="{91240B29-F687-4F45-9708-019B960494DF}">
-              <a14:hiddenLine xmlns:a14="http://schemas.microsoft.com/office/drawing/2010/main" w="9525">
-                <a:solidFill>
-                  <a:schemeClr val="tx1"/>
-                </a:solidFill>
-                <a:miter lim="800000"/>
-                <a:headEnd/>
-                <a:tailEnd/>
-              </a14:hiddenLine>
-            </a:ext>
-            <a:ext uri="{AF507438-7753-43E0-B8FC-AC1667EBCBE1}">
-              <a14:hiddenEffects xmlns:a14="http://schemas.microsoft.com/office/drawing/2010/main">
-                <a:effectLst>
-                  <a:outerShdw dist="35921" dir="2700000" algn="ctr" rotWithShape="0">
-                    <a:schemeClr val="bg2"/>
-                  </a:outerShdw>
-                </a:effectLst>
-              </a14:hiddenEffects>
-            </a:ext>
-          </a:extLst>
-        </p:spPr>
-        <p:txBody>
-          <a:bodyPr vert="horz" wrap="square" lIns="91440" tIns="45720" rIns="91440" bIns="45720" numCol="1" anchor="ctr" anchorCtr="0" compatLnSpc="1">
-            <a:prstTxWarp prst="textNoShape">
-              <a:avLst/>
-            </a:prstTxWarp>
-            <a:spAutoFit/>
-          </a:bodyPr>
-          <a:lstStyle/>
-          <a:p>
-            <a:pPr fontAlgn="base">
-              <a:spcBef>
-                <a:spcPct val="0"/>
-              </a:spcBef>
-              <a:spcAft>
-                <a:spcPct val="0"/>
-              </a:spcAft>
-            </a:pPr>
-            <a:r>
-              <a:rPr lang="es-AR" sz="2800" dirty="0" err="1">
-                <a:solidFill>
-                  <a:srgbClr val="0000FF"/>
-                </a:solidFill>
-                <a:latin typeface="Consolas" pitchFamily="49" charset="0"/>
-                <a:cs typeface="Consolas" pitchFamily="49" charset="0"/>
-              </a:rPr>
-              <a:t>var</a:t>
-            </a:r>
-            <a:r>
-              <a:rPr lang="es-AR" sz="2800" dirty="0">
-                <a:solidFill>
-                  <a:srgbClr val="000000"/>
-                </a:solidFill>
-                <a:latin typeface="Consolas" pitchFamily="49" charset="0"/>
-                <a:cs typeface="Consolas" pitchFamily="49" charset="0"/>
-              </a:rPr>
-              <a:t> </a:t>
-            </a:r>
-            <a:r>
-              <a:rPr lang="es-AR" sz="2800" dirty="0" err="1">
-                <a:solidFill>
-                  <a:srgbClr val="000000"/>
-                </a:solidFill>
-                <a:latin typeface="Consolas" pitchFamily="49" charset="0"/>
-                <a:cs typeface="Consolas" pitchFamily="49" charset="0"/>
-              </a:rPr>
-              <a:t>someInt</a:t>
-            </a:r>
-            <a:r>
-              <a:rPr lang="es-AR" sz="2800" dirty="0">
-                <a:solidFill>
-                  <a:srgbClr val="000000"/>
-                </a:solidFill>
-                <a:latin typeface="Consolas" pitchFamily="49" charset="0"/>
-                <a:cs typeface="Consolas" pitchFamily="49" charset="0"/>
-              </a:rPr>
-              <a:t> = 0;   </a:t>
-            </a:r>
-          </a:p>
-          <a:p>
-            <a:pPr fontAlgn="base">
-              <a:spcBef>
-                <a:spcPct val="0"/>
-              </a:spcBef>
-              <a:spcAft>
-                <a:spcPct val="0"/>
-              </a:spcAft>
-            </a:pPr>
-            <a:r>
-              <a:rPr lang="es-AR" sz="2800" dirty="0">
-                <a:solidFill>
-                  <a:srgbClr val="000000"/>
-                </a:solidFill>
-                <a:latin typeface="Consolas" pitchFamily="49" charset="0"/>
-                <a:cs typeface="Consolas" pitchFamily="49" charset="0"/>
-              </a:rPr>
-              <a:t>      </a:t>
-            </a:r>
-          </a:p>
-          <a:p>
-            <a:pPr fontAlgn="base">
-              <a:spcBef>
-                <a:spcPct val="0"/>
-              </a:spcBef>
-              <a:spcAft>
-                <a:spcPct val="0"/>
-              </a:spcAft>
-            </a:pPr>
-            <a:r>
-              <a:rPr lang="es-AR" sz="2800" dirty="0" err="1">
-                <a:solidFill>
-                  <a:srgbClr val="0000FF"/>
-                </a:solidFill>
-                <a:latin typeface="Consolas" pitchFamily="49" charset="0"/>
-                <a:cs typeface="Consolas" pitchFamily="49" charset="0"/>
-              </a:rPr>
-              <a:t>var</a:t>
-            </a:r>
-            <a:r>
-              <a:rPr lang="es-AR" sz="2800" dirty="0">
-                <a:solidFill>
-                  <a:srgbClr val="000000"/>
-                </a:solidFill>
-                <a:latin typeface="Consolas" pitchFamily="49" charset="0"/>
-                <a:cs typeface="Consolas" pitchFamily="49" charset="0"/>
-              </a:rPr>
-              <a:t> </a:t>
-            </a:r>
-            <a:r>
-              <a:rPr lang="es-AR" sz="2800" dirty="0" err="1">
-                <a:solidFill>
-                  <a:srgbClr val="000000"/>
-                </a:solidFill>
-                <a:latin typeface="Consolas" pitchFamily="49" charset="0"/>
-                <a:cs typeface="Consolas" pitchFamily="49" charset="0"/>
-              </a:rPr>
-              <a:t>someString</a:t>
-            </a:r>
-            <a:r>
-              <a:rPr lang="es-AR" sz="2800" dirty="0">
-                <a:solidFill>
-                  <a:srgbClr val="000000"/>
-                </a:solidFill>
-                <a:latin typeface="Consolas" pitchFamily="49" charset="0"/>
-                <a:cs typeface="Consolas" pitchFamily="49" charset="0"/>
-              </a:rPr>
-              <a:t> = </a:t>
-            </a:r>
-            <a:r>
-              <a:rPr lang="es-AR" sz="2800" dirty="0">
-                <a:solidFill>
-                  <a:srgbClr val="A31515"/>
-                </a:solidFill>
-                <a:latin typeface="Consolas" pitchFamily="49" charset="0"/>
-                <a:cs typeface="Consolas" pitchFamily="49" charset="0"/>
-              </a:rPr>
-              <a:t>"Hola mundo!"</a:t>
-            </a:r>
-            <a:r>
-              <a:rPr lang="es-AR" sz="2800" dirty="0">
-                <a:solidFill>
-                  <a:srgbClr val="000000"/>
-                </a:solidFill>
-                <a:latin typeface="Consolas" pitchFamily="49" charset="0"/>
-                <a:cs typeface="Consolas" pitchFamily="49" charset="0"/>
-              </a:rPr>
-              <a:t>;</a:t>
-            </a:r>
-            <a:endParaRPr lang="es-AR" sz="6000" dirty="0">
-              <a:latin typeface="Arial" pitchFamily="34" charset="0"/>
-              <a:cs typeface="Arial" pitchFamily="34" charset="0"/>
-            </a:endParaRPr>
-          </a:p>
-        </p:txBody>
-      </p:sp>
-    </p:spTree>
-    <p:extLst>
-      <p:ext uri="{BB962C8B-B14F-4D97-AF65-F5344CB8AC3E}">
-        <p14:creationId xmlns:p14="http://schemas.microsoft.com/office/powerpoint/2010/main" val="2355646434"/>
-      </p:ext>
-    </p:extLst>
-  </p:cSld>
-  <p:clrMapOvr>
-    <a:masterClrMapping/>
-  </p:clrMapOvr>
-</p:sld>
-</file>
-
-<file path=ppt/slides/slide25.xml><?xml version="1.0" encoding="utf-8"?>
-<p:sld xmlns:a="http://schemas.openxmlformats.org/drawingml/2006/main" xmlns:r="http://schemas.openxmlformats.org/officeDocument/2006/relationships" xmlns:p="http://schemas.openxmlformats.org/presentationml/2006/main">
-  <p:cSld>
-    <p:spTree>
-      <p:nvGrpSpPr>
-        <p:cNvPr id="1" name=""/>
-        <p:cNvGrpSpPr/>
-        <p:nvPr/>
-      </p:nvGrpSpPr>
-      <p:grpSpPr>
-        <a:xfrm>
-          <a:off x="0" y="0"/>
-          <a:ext cx="0" cy="0"/>
-          <a:chOff x="0" y="0"/>
-          <a:chExt cx="0" cy="0"/>
-        </a:xfrm>
-      </p:grpSpPr>
-      <p:sp>
-        <p:nvSpPr>
-          <p:cNvPr id="2" name="Content Placeholder 1"/>
-          <p:cNvSpPr>
-            <a:spLocks noGrp="1"/>
-          </p:cNvSpPr>
-          <p:nvPr>
-            <p:ph idx="15"/>
-          </p:nvPr>
-        </p:nvSpPr>
-        <p:spPr/>
-        <p:txBody>
-          <a:bodyPr/>
-          <a:lstStyle/>
-          <a:p>
-            <a:r>
-              <a:rPr lang="es-AR" dirty="0"/>
-              <a:t>Símbolos relacionados que contienen valores fijos.</a:t>
-            </a:r>
-          </a:p>
-          <a:p>
-            <a:r>
-              <a:rPr lang="es-AR" dirty="0"/>
-              <a:t>Utilizados para proveer una lista de opciones.</a:t>
-            </a:r>
-          </a:p>
-          <a:p>
-            <a:r>
-              <a:rPr lang="es-AR" dirty="0"/>
-              <a:t>Simplifican el desarrollo.</a:t>
-            </a:r>
-          </a:p>
-          <a:p>
-            <a:r>
-              <a:rPr lang="es-AR" dirty="0"/>
-              <a:t>Mejoran la claridad del código.</a:t>
-            </a:r>
-          </a:p>
-          <a:p>
-            <a:endParaRPr lang="es-AR" dirty="0"/>
-          </a:p>
-        </p:txBody>
-      </p:sp>
-      <p:sp>
-        <p:nvSpPr>
-          <p:cNvPr id="3" name="Text Placeholder 2"/>
-          <p:cNvSpPr>
-            <a:spLocks noGrp="1"/>
-          </p:cNvSpPr>
-          <p:nvPr>
-            <p:ph type="body" sz="quarter" idx="16"/>
-          </p:nvPr>
-        </p:nvSpPr>
-        <p:spPr/>
-        <p:txBody>
-          <a:bodyPr/>
-          <a:lstStyle/>
-          <a:p>
-            <a:r>
-              <a:rPr lang="en-US" dirty="0" smtClean="0"/>
-              <a:t>.NET C#</a:t>
-            </a:r>
-            <a:endParaRPr lang="en-US" dirty="0"/>
-          </a:p>
-        </p:txBody>
-      </p:sp>
-      <p:sp>
-        <p:nvSpPr>
-          <p:cNvPr id="4" name="Text Placeholder 3"/>
-          <p:cNvSpPr>
-            <a:spLocks noGrp="1"/>
-          </p:cNvSpPr>
-          <p:nvPr>
-            <p:ph type="body" sz="quarter" idx="17"/>
-          </p:nvPr>
-        </p:nvSpPr>
-        <p:spPr/>
-        <p:txBody>
-          <a:bodyPr/>
-          <a:lstStyle/>
-          <a:p>
-            <a:r>
-              <a:rPr lang="en-US" dirty="0" err="1" smtClean="0"/>
-              <a:t>Enum</a:t>
-            </a:r>
-            <a:endParaRPr lang="en-US" dirty="0"/>
-          </a:p>
-        </p:txBody>
-      </p:sp>
-      <p:pic>
-        <p:nvPicPr>
-          <p:cNvPr id="5" name="Picture 3"/>
-          <p:cNvPicPr>
-            <a:picLocks noChangeAspect="1" noChangeArrowheads="1"/>
-          </p:cNvPicPr>
-          <p:nvPr/>
-        </p:nvPicPr>
-        <p:blipFill>
-          <a:blip r:embed="rId2" cstate="print">
-            <a:extLst>
-              <a:ext uri="{28A0092B-C50C-407E-A947-70E740481C1C}">
-                <a14:useLocalDpi xmlns:a14="http://schemas.microsoft.com/office/drawing/2010/main" val="0"/>
-              </a:ext>
-            </a:extLst>
-          </a:blip>
-          <a:srcRect/>
-          <a:stretch>
-            <a:fillRect/>
-          </a:stretch>
-        </p:blipFill>
-        <p:spPr bwMode="auto">
-          <a:xfrm>
-            <a:off x="3628277" y="2868013"/>
-            <a:ext cx="3853119" cy="1573357"/>
-          </a:xfrm>
-          <a:prstGeom prst="rect">
-            <a:avLst/>
-          </a:prstGeom>
-          <a:noFill/>
-          <a:ln>
-            <a:noFill/>
-          </a:ln>
-          <a:effectLst/>
-          <a:extLst>
-            <a:ext uri="{909E8E84-426E-40DD-AFC4-6F175D3DCCD1}">
-              <a14:hiddenFill xmlns:a14="http://schemas.microsoft.com/office/drawing/2010/main">
-                <a:solidFill>
-                  <a:schemeClr val="accent1"/>
-                </a:solidFill>
-              </a14:hiddenFill>
-            </a:ext>
-            <a:ext uri="{91240B29-F687-4F45-9708-019B960494DF}">
-              <a14:hiddenLine xmlns:a14="http://schemas.microsoft.com/office/drawing/2010/main" w="9525">
-                <a:solidFill>
-                  <a:schemeClr val="tx1"/>
-                </a:solidFill>
-                <a:miter lim="800000"/>
-                <a:headEnd/>
-                <a:tailEnd/>
-              </a14:hiddenLine>
-            </a:ext>
-            <a:ext uri="{AF507438-7753-43E0-B8FC-AC1667EBCBE1}">
-              <a14:hiddenEffects xmlns:a14="http://schemas.microsoft.com/office/drawing/2010/main">
-                <a:effectLst>
-                  <a:outerShdw dist="35921" dir="2700000" algn="ctr" rotWithShape="0">
-                    <a:schemeClr val="bg2"/>
-                  </a:outerShdw>
-                </a:effectLst>
-              </a14:hiddenEffects>
-            </a:ext>
-          </a:extLst>
-        </p:spPr>
-      </p:pic>
-    </p:spTree>
-    <p:extLst>
-      <p:ext uri="{BB962C8B-B14F-4D97-AF65-F5344CB8AC3E}">
-        <p14:creationId xmlns:p14="http://schemas.microsoft.com/office/powerpoint/2010/main" val="4025820801"/>
-      </p:ext>
-    </p:extLst>
-  </p:cSld>
-  <p:clrMapOvr>
-    <a:masterClrMapping/>
-  </p:clrMapOvr>
-  <p:timing>
-    <p:tnLst>
-      <p:par>
-        <p:cTn id="1" dur="indefinite" restart="never" nodeType="tmRoot"/>
-      </p:par>
-    </p:tnLst>
-  </p:timing>
-</p:sld>
-</file>
-
-<file path=ppt/slides/slide26.xml><?xml version="1.0" encoding="utf-8"?>
-<p:sld xmlns:a="http://schemas.openxmlformats.org/drawingml/2006/main" xmlns:r="http://schemas.openxmlformats.org/officeDocument/2006/relationships" xmlns:p="http://schemas.openxmlformats.org/presentationml/2006/main">
-  <p:cSld>
-    <p:spTree>
-      <p:nvGrpSpPr>
-        <p:cNvPr id="1" name=""/>
-        <p:cNvGrpSpPr/>
-        <p:nvPr/>
-      </p:nvGrpSpPr>
-      <p:grpSpPr>
-        <a:xfrm>
-          <a:off x="0" y="0"/>
-          <a:ext cx="0" cy="0"/>
-          <a:chOff x="0" y="0"/>
-          <a:chExt cx="0" cy="0"/>
-        </a:xfrm>
-      </p:grpSpPr>
-      <p:sp>
-        <p:nvSpPr>
-          <p:cNvPr id="2" name="Text Placeholder 1"/>
-          <p:cNvSpPr>
-            <a:spLocks noGrp="1"/>
-          </p:cNvSpPr>
-          <p:nvPr>
-            <p:ph type="body" sz="quarter" idx="11"/>
-          </p:nvPr>
-        </p:nvSpPr>
-        <p:spPr/>
-        <p:txBody>
-          <a:bodyPr/>
-          <a:lstStyle/>
-          <a:p>
-            <a:r>
-              <a:rPr lang="es-AR" dirty="0" smtClean="0"/>
-              <a:t>Colecciones</a:t>
-            </a:r>
-            <a:endParaRPr lang="es-AR" dirty="0"/>
-          </a:p>
-        </p:txBody>
-      </p:sp>
-    </p:spTree>
-    <p:extLst>
-      <p:ext uri="{BB962C8B-B14F-4D97-AF65-F5344CB8AC3E}">
-        <p14:creationId xmlns:p14="http://schemas.microsoft.com/office/powerpoint/2010/main" val="2943364086"/>
-      </p:ext>
-    </p:extLst>
-  </p:cSld>
-  <p:clrMapOvr>
-    <a:masterClrMapping/>
-  </p:clrMapOvr>
-  <p:timing>
-    <p:tnLst>
-      <p:par>
-        <p:cTn id="1" dur="indefinite" restart="never" nodeType="tmRoot"/>
-      </p:par>
-    </p:tnLst>
-  </p:timing>
-</p:sld>
-</file>
-
-<file path=ppt/slides/slide27.xml><?xml version="1.0" encoding="utf-8"?>
-<p:sld xmlns:a="http://schemas.openxmlformats.org/drawingml/2006/main" xmlns:r="http://schemas.openxmlformats.org/officeDocument/2006/relationships" xmlns:p="http://schemas.openxmlformats.org/presentationml/2006/main">
-  <p:cSld>
-    <p:spTree>
-      <p:nvGrpSpPr>
-        <p:cNvPr id="1" name=""/>
-        <p:cNvGrpSpPr/>
-        <p:nvPr/>
-      </p:nvGrpSpPr>
-      <p:grpSpPr>
-        <a:xfrm>
-          <a:off x="0" y="0"/>
-          <a:ext cx="0" cy="0"/>
-          <a:chOff x="0" y="0"/>
-          <a:chExt cx="0" cy="0"/>
-        </a:xfrm>
-      </p:grpSpPr>
-      <p:sp>
-        <p:nvSpPr>
-          <p:cNvPr id="2" name="Content Placeholder 1"/>
-          <p:cNvSpPr>
-            <a:spLocks noGrp="1"/>
-          </p:cNvSpPr>
-          <p:nvPr>
-            <p:ph idx="15"/>
-          </p:nvPr>
-        </p:nvSpPr>
-        <p:spPr/>
-        <p:txBody>
-          <a:bodyPr/>
-          <a:lstStyle/>
-          <a:p>
             <a:pPr lvl="0"/>
             <a:r>
               <a:rPr lang="es-AR" dirty="0"/>
@@ -15316,7 +14061,7 @@
 </p:sld>
 </file>
 
-<file path=ppt/slides/slide28.xml><?xml version="1.0" encoding="utf-8"?>
+<file path=ppt/slides/slide25.xml><?xml version="1.0" encoding="utf-8"?>
 <p:sld xmlns:a="http://schemas.openxmlformats.org/drawingml/2006/main" xmlns:r="http://schemas.openxmlformats.org/officeDocument/2006/relationships" xmlns:p="http://schemas.openxmlformats.org/presentationml/2006/main">
   <p:cSld>
     <p:spTree>
@@ -15529,418 +14274,7 @@
 </p:sld>
 </file>
 
-<file path=ppt/slides/slide29.xml><?xml version="1.0" encoding="utf-8"?>
-<p:sld xmlns:a="http://schemas.openxmlformats.org/drawingml/2006/main" xmlns:r="http://schemas.openxmlformats.org/officeDocument/2006/relationships" xmlns:p="http://schemas.openxmlformats.org/presentationml/2006/main">
-  <p:cSld>
-    <p:spTree>
-      <p:nvGrpSpPr>
-        <p:cNvPr id="1" name=""/>
-        <p:cNvGrpSpPr/>
-        <p:nvPr/>
-      </p:nvGrpSpPr>
-      <p:grpSpPr>
-        <a:xfrm>
-          <a:off x="0" y="0"/>
-          <a:ext cx="0" cy="0"/>
-          <a:chOff x="0" y="0"/>
-          <a:chExt cx="0" cy="0"/>
-        </a:xfrm>
-      </p:grpSpPr>
-      <p:sp>
-        <p:nvSpPr>
-          <p:cNvPr id="2" name="Content Placeholder 1"/>
-          <p:cNvSpPr>
-            <a:spLocks noGrp="1"/>
-          </p:cNvSpPr>
-          <p:nvPr>
-            <p:ph idx="15"/>
-          </p:nvPr>
-        </p:nvSpPr>
-        <p:spPr/>
-        <p:txBody>
-          <a:bodyPr/>
-          <a:lstStyle/>
-          <a:p>
-            <a:r>
-              <a:rPr lang="es-ES" dirty="0" err="1" smtClean="0"/>
-              <a:t>IEnumerable</a:t>
-            </a:r>
-            <a:r>
-              <a:rPr lang="es-ES" dirty="0" smtClean="0"/>
-              <a:t>&lt;T&gt; (and </a:t>
-            </a:r>
-            <a:r>
-              <a:rPr lang="es-ES" dirty="0" err="1" smtClean="0"/>
-              <a:t>IEnumerable</a:t>
-            </a:r>
-            <a:r>
-              <a:rPr lang="es-ES" dirty="0" smtClean="0"/>
-              <a:t>): mínima funcionalidad (solo enumeración).</a:t>
-            </a:r>
-          </a:p>
-          <a:p>
-            <a:endParaRPr lang="es-ES" dirty="0" smtClean="0"/>
-          </a:p>
-          <a:p>
-            <a:r>
-              <a:rPr lang="es-ES" dirty="0" err="1" smtClean="0"/>
-              <a:t>ICollection</a:t>
-            </a:r>
-            <a:r>
-              <a:rPr lang="es-ES" dirty="0" smtClean="0"/>
-              <a:t>&lt;T&gt; (and </a:t>
-            </a:r>
-            <a:r>
-              <a:rPr lang="es-ES" dirty="0" err="1" smtClean="0"/>
-              <a:t>ICollection</a:t>
-            </a:r>
-            <a:r>
-              <a:rPr lang="es-ES" dirty="0" smtClean="0"/>
-              <a:t>): funcionalidad media (ej.: la propiedad </a:t>
-            </a:r>
-            <a:r>
-              <a:rPr lang="es-ES" b="1" i="1" dirty="0" err="1" smtClean="0"/>
-              <a:t>Count</a:t>
-            </a:r>
-            <a:r>
-              <a:rPr lang="es-ES" dirty="0" smtClean="0"/>
-              <a:t>).</a:t>
-            </a:r>
-          </a:p>
-          <a:p>
-            <a:endParaRPr lang="es-ES" dirty="0" smtClean="0"/>
-          </a:p>
-          <a:p>
-            <a:r>
-              <a:rPr lang="es-ES" dirty="0" err="1" smtClean="0"/>
-              <a:t>IList</a:t>
-            </a:r>
-            <a:r>
-              <a:rPr lang="es-ES" dirty="0" smtClean="0"/>
-              <a:t> &lt;T&gt;/</a:t>
-            </a:r>
-            <a:r>
-              <a:rPr lang="es-ES" dirty="0" err="1" smtClean="0"/>
-              <a:t>IDictionary</a:t>
-            </a:r>
-            <a:r>
-              <a:rPr lang="es-ES" dirty="0" smtClean="0"/>
-              <a:t> &lt;K,V&gt;: gran funcionalidad (incluye “</a:t>
-            </a:r>
-            <a:r>
-              <a:rPr lang="es-ES" dirty="0" err="1" smtClean="0"/>
-              <a:t>random</a:t>
-            </a:r>
-            <a:r>
-              <a:rPr lang="es-ES" dirty="0" smtClean="0"/>
-              <a:t> </a:t>
-            </a:r>
-            <a:r>
-              <a:rPr lang="es-ES" dirty="0" err="1" smtClean="0"/>
-              <a:t>access</a:t>
-            </a:r>
-            <a:r>
-              <a:rPr lang="es-ES" dirty="0" smtClean="0"/>
-              <a:t> </a:t>
-            </a:r>
-            <a:r>
-              <a:rPr lang="es-ES" dirty="0" err="1" smtClean="0"/>
-              <a:t>by</a:t>
-            </a:r>
-            <a:r>
-              <a:rPr lang="es-ES" dirty="0" smtClean="0"/>
-              <a:t> </a:t>
-            </a:r>
-            <a:r>
-              <a:rPr lang="es-ES" dirty="0" err="1" smtClean="0"/>
-              <a:t>index</a:t>
-            </a:r>
-            <a:r>
-              <a:rPr lang="es-ES" dirty="0" smtClean="0"/>
-              <a:t>/</a:t>
-            </a:r>
-            <a:r>
-              <a:rPr lang="es-ES" dirty="0" err="1" smtClean="0"/>
-              <a:t>key</a:t>
-            </a:r>
-            <a:r>
-              <a:rPr lang="es-ES" dirty="0" smtClean="0"/>
-              <a:t>”).</a:t>
-            </a:r>
-          </a:p>
-          <a:p>
-            <a:endParaRPr lang="es-ES" dirty="0"/>
-          </a:p>
-        </p:txBody>
-      </p:sp>
-      <p:sp>
-        <p:nvSpPr>
-          <p:cNvPr id="3" name="Text Placeholder 2"/>
-          <p:cNvSpPr>
-            <a:spLocks noGrp="1"/>
-          </p:cNvSpPr>
-          <p:nvPr>
-            <p:ph type="body" sz="quarter" idx="16"/>
-          </p:nvPr>
-        </p:nvSpPr>
-        <p:spPr/>
-        <p:txBody>
-          <a:bodyPr/>
-          <a:lstStyle/>
-          <a:p>
-            <a:r>
-              <a:rPr lang="en-US" dirty="0" smtClean="0"/>
-              <a:t>.NET C#</a:t>
-            </a:r>
-            <a:endParaRPr lang="en-US" dirty="0"/>
-          </a:p>
-        </p:txBody>
-      </p:sp>
-      <p:sp>
-        <p:nvSpPr>
-          <p:cNvPr id="4" name="Text Placeholder 3"/>
-          <p:cNvSpPr>
-            <a:spLocks noGrp="1"/>
-          </p:cNvSpPr>
-          <p:nvPr>
-            <p:ph type="body" sz="quarter" idx="17"/>
-          </p:nvPr>
-        </p:nvSpPr>
-        <p:spPr/>
-        <p:txBody>
-          <a:bodyPr/>
-          <a:lstStyle/>
-          <a:p>
-            <a:r>
-              <a:rPr lang="es-ES" dirty="0" err="1" smtClean="0"/>
-              <a:t>ICollection</a:t>
-            </a:r>
-            <a:r>
-              <a:rPr lang="es-ES" dirty="0" smtClean="0"/>
-              <a:t>, </a:t>
-            </a:r>
-            <a:r>
-              <a:rPr lang="es-ES" dirty="0" err="1" smtClean="0"/>
-              <a:t>IList</a:t>
-            </a:r>
-            <a:r>
-              <a:rPr lang="es-ES" dirty="0" smtClean="0"/>
-              <a:t> e </a:t>
-            </a:r>
-            <a:r>
-              <a:rPr lang="es-ES" dirty="0" err="1" smtClean="0"/>
-              <a:t>IDictionary</a:t>
-            </a:r>
-            <a:endParaRPr lang="es-ES" dirty="0" smtClean="0"/>
-          </a:p>
-          <a:p>
-            <a:endParaRPr lang="en-US" dirty="0"/>
-          </a:p>
-        </p:txBody>
-      </p:sp>
-    </p:spTree>
-    <p:extLst>
-      <p:ext uri="{BB962C8B-B14F-4D97-AF65-F5344CB8AC3E}">
-        <p14:creationId xmlns:p14="http://schemas.microsoft.com/office/powerpoint/2010/main" val="2296270358"/>
-      </p:ext>
-    </p:extLst>
-  </p:cSld>
-  <p:clrMapOvr>
-    <a:masterClrMapping/>
-  </p:clrMapOvr>
-  <p:timing>
-    <p:tnLst>
-      <p:par>
-        <p:cTn id="1" dur="indefinite" restart="never" nodeType="tmRoot"/>
-      </p:par>
-    </p:tnLst>
-  </p:timing>
-</p:sld>
-</file>
-
-<file path=ppt/slides/slide3.xml><?xml version="1.0" encoding="utf-8"?>
-<p:sld xmlns:a="http://schemas.openxmlformats.org/drawingml/2006/main" xmlns:r="http://schemas.openxmlformats.org/officeDocument/2006/relationships" xmlns:p="http://schemas.openxmlformats.org/presentationml/2006/main">
-  <p:cSld>
-    <p:spTree>
-      <p:nvGrpSpPr>
-        <p:cNvPr id="1" name=""/>
-        <p:cNvGrpSpPr/>
-        <p:nvPr/>
-      </p:nvGrpSpPr>
-      <p:grpSpPr>
-        <a:xfrm>
-          <a:off x="0" y="0"/>
-          <a:ext cx="0" cy="0"/>
-          <a:chOff x="0" y="0"/>
-          <a:chExt cx="0" cy="0"/>
-        </a:xfrm>
-      </p:grpSpPr>
-      <p:sp>
-        <p:nvSpPr>
-          <p:cNvPr id="2" name="Content Placeholder 1"/>
-          <p:cNvSpPr>
-            <a:spLocks noGrp="1"/>
-          </p:cNvSpPr>
-          <p:nvPr>
-            <p:ph idx="15"/>
-          </p:nvPr>
-        </p:nvSpPr>
-        <p:spPr/>
-        <p:txBody>
-          <a:bodyPr/>
-          <a:lstStyle/>
-          <a:p>
-            <a:r>
-              <a:rPr lang="es-ES" dirty="0"/>
-              <a:t>Evolución de C y C++.</a:t>
-            </a:r>
-          </a:p>
-          <a:p>
-            <a:r>
-              <a:rPr lang="es-ES" dirty="0" err="1"/>
-              <a:t>Autocontenido</a:t>
-            </a:r>
-            <a:r>
-              <a:rPr lang="es-ES" dirty="0"/>
-              <a:t>: no necesita adicionales al .</a:t>
-            </a:r>
-            <a:r>
-              <a:rPr lang="es-ES" dirty="0" err="1"/>
-              <a:t>cs</a:t>
-            </a:r>
-            <a:r>
-              <a:rPr lang="es-ES" dirty="0"/>
-              <a:t> (por ejemplo, </a:t>
-            </a:r>
-            <a:r>
-              <a:rPr lang="es-ES" dirty="0" err="1"/>
-              <a:t>headers</a:t>
-            </a:r>
-            <a:r>
-              <a:rPr lang="es-ES" dirty="0"/>
-              <a:t>).</a:t>
-            </a:r>
-          </a:p>
-          <a:p>
-            <a:r>
-              <a:rPr lang="es-ES" dirty="0"/>
-              <a:t>Tipos básicos independientes del compilador, SO o hardware.</a:t>
-            </a:r>
-          </a:p>
-          <a:p>
-            <a:r>
-              <a:rPr lang="es-ES" dirty="0"/>
-              <a:t>No tiene herencia múltiple</a:t>
-            </a:r>
-          </a:p>
-          <a:p>
-            <a:r>
-              <a:rPr lang="es-ES" dirty="0" smtClean="0"/>
-              <a:t>Orientado a Objetos</a:t>
-            </a:r>
-            <a:endParaRPr lang="es-ES" dirty="0"/>
-          </a:p>
-          <a:p>
-            <a:r>
-              <a:rPr lang="es-ES" dirty="0"/>
-              <a:t>Los métodos por defecto son sellados y no </a:t>
-            </a:r>
-            <a:r>
-              <a:rPr lang="es-ES" dirty="0" err="1"/>
-              <a:t>redefinibles</a:t>
-            </a:r>
-            <a:r>
-              <a:rPr lang="es-ES" dirty="0"/>
-              <a:t>.</a:t>
-            </a:r>
-          </a:p>
-          <a:p>
-            <a:r>
-              <a:rPr lang="es-ES" dirty="0"/>
-              <a:t>El compilador toma los archivos con extensión </a:t>
-            </a:r>
-            <a:r>
-              <a:rPr lang="es-ES" dirty="0" err="1"/>
-              <a:t>cs</a:t>
-            </a:r>
-            <a:r>
-              <a:rPr lang="es-ES" dirty="0"/>
-              <a:t> y los empaqueta en </a:t>
-            </a:r>
-            <a:r>
-              <a:rPr lang="es-ES" dirty="0" err="1"/>
-              <a:t>assemblies</a:t>
-            </a:r>
-            <a:r>
-              <a:rPr lang="es-ES" dirty="0"/>
-              <a:t>.</a:t>
-            </a:r>
-          </a:p>
-          <a:p>
-            <a:endParaRPr lang="en-US" dirty="0"/>
-          </a:p>
-        </p:txBody>
-      </p:sp>
-      <p:sp>
-        <p:nvSpPr>
-          <p:cNvPr id="3" name="Text Placeholder 2"/>
-          <p:cNvSpPr>
-            <a:spLocks noGrp="1"/>
-          </p:cNvSpPr>
-          <p:nvPr>
-            <p:ph type="body" sz="quarter" idx="16"/>
-          </p:nvPr>
-        </p:nvSpPr>
-        <p:spPr/>
-        <p:txBody>
-          <a:bodyPr/>
-          <a:lstStyle/>
-          <a:p>
-            <a:r>
-              <a:rPr lang="en-US" dirty="0" smtClean="0"/>
-              <a:t>.NET C#</a:t>
-            </a:r>
-            <a:endParaRPr lang="en-US" dirty="0"/>
-          </a:p>
-        </p:txBody>
-      </p:sp>
-      <p:sp>
-        <p:nvSpPr>
-          <p:cNvPr id="4" name="Text Placeholder 3"/>
-          <p:cNvSpPr>
-            <a:spLocks noGrp="1"/>
-          </p:cNvSpPr>
-          <p:nvPr>
-            <p:ph type="body" sz="quarter" idx="17"/>
-          </p:nvPr>
-        </p:nvSpPr>
-        <p:spPr/>
-        <p:txBody>
-          <a:bodyPr/>
-          <a:lstStyle/>
-          <a:p>
-            <a:r>
-              <a:rPr lang="en-US" dirty="0" smtClean="0"/>
-              <a:t>Introducción</a:t>
-            </a:r>
-            <a:endParaRPr lang="en-US" dirty="0"/>
-          </a:p>
-        </p:txBody>
-      </p:sp>
-    </p:spTree>
-    <p:extLst>
-      <p:ext uri="{BB962C8B-B14F-4D97-AF65-F5344CB8AC3E}">
-        <p14:creationId xmlns:p14="http://schemas.microsoft.com/office/powerpoint/2010/main" val="491064634"/>
-      </p:ext>
-    </p:extLst>
-  </p:cSld>
-  <p:clrMapOvr>
-    <a:masterClrMapping/>
-  </p:clrMapOvr>
-</p:sld>
-</file>
-
-<file path=ppt/slides/slide30.xml><?xml version="1.0" encoding="utf-8"?>
+<file path=ppt/slides/slide26.xml><?xml version="1.0" encoding="utf-8"?>
 <p:sld xmlns:a="http://schemas.openxmlformats.org/drawingml/2006/main" xmlns:r="http://schemas.openxmlformats.org/officeDocument/2006/relationships" xmlns:p="http://schemas.openxmlformats.org/presentationml/2006/main">
   <p:cSld>
     <p:spTree>
@@ -16552,7 +14886,7 @@
 </p:sld>
 </file>
 
-<file path=ppt/slides/slide31.xml><?xml version="1.0" encoding="utf-8"?>
+<file path=ppt/slides/slide27.xml><?xml version="1.0" encoding="utf-8"?>
 <p:sld xmlns:a="http://schemas.openxmlformats.org/drawingml/2006/main" xmlns:r="http://schemas.openxmlformats.org/officeDocument/2006/relationships" xmlns:p="http://schemas.openxmlformats.org/presentationml/2006/main">
   <p:cSld>
     <p:spTree>
@@ -17303,7 +15637,7 @@
 </p:sld>
 </file>
 
-<file path=ppt/slides/slide32.xml><?xml version="1.0" encoding="utf-8"?>
+<file path=ppt/slides/slide28.xml><?xml version="1.0" encoding="utf-8"?>
 <p:sld xmlns:a="http://schemas.openxmlformats.org/drawingml/2006/main" xmlns:r="http://schemas.openxmlformats.org/officeDocument/2006/relationships" xmlns:p="http://schemas.openxmlformats.org/presentationml/2006/main">
   <p:cSld>
     <p:spTree>
@@ -17483,7 +15817,7 @@
 </p:sld>
 </file>
 
-<file path=ppt/slides/slide33.xml><?xml version="1.0" encoding="utf-8"?>
+<file path=ppt/slides/slide29.xml><?xml version="1.0" encoding="utf-8"?>
 <p:sld xmlns:a="http://schemas.openxmlformats.org/drawingml/2006/main" xmlns:r="http://schemas.openxmlformats.org/officeDocument/2006/relationships" xmlns:p="http://schemas.openxmlformats.org/presentationml/2006/main">
   <p:cSld>
     <p:spTree>
@@ -17542,7 +15876,7 @@
 </p:sld>
 </file>
 
-<file path=ppt/slides/slide34.xml><?xml version="1.0" encoding="utf-8"?>
+<file path=ppt/slides/slide3.xml><?xml version="1.0" encoding="utf-8"?>
 <p:sld xmlns:a="http://schemas.openxmlformats.org/drawingml/2006/main" xmlns:r="http://schemas.openxmlformats.org/officeDocument/2006/relationships" xmlns:p="http://schemas.openxmlformats.org/presentationml/2006/main">
   <p:cSld>
     <p:spTree>
@@ -17561,6 +15895,112 @@
       </p:grpSpPr>
       <p:sp>
         <p:nvSpPr>
+          <p:cNvPr id="2" name="Content Placeholder 1"/>
+          <p:cNvSpPr>
+            <a:spLocks noGrp="1"/>
+          </p:cNvSpPr>
+          <p:nvPr>
+            <p:ph idx="15"/>
+          </p:nvPr>
+        </p:nvSpPr>
+        <p:spPr/>
+        <p:txBody>
+          <a:bodyPr/>
+          <a:lstStyle/>
+          <a:p>
+            <a:r>
+              <a:rPr lang="es-ES" dirty="0"/>
+              <a:t>Evolución de C y C++.</a:t>
+            </a:r>
+          </a:p>
+          <a:p>
+            <a:r>
+              <a:rPr lang="es-ES" dirty="0" err="1"/>
+              <a:t>Autocontenido</a:t>
+            </a:r>
+            <a:r>
+              <a:rPr lang="es-ES" dirty="0"/>
+              <a:t>: no necesita adicionales al .</a:t>
+            </a:r>
+            <a:r>
+              <a:rPr lang="es-ES" dirty="0" err="1"/>
+              <a:t>cs</a:t>
+            </a:r>
+            <a:r>
+              <a:rPr lang="es-ES" dirty="0"/>
+              <a:t> (por ejemplo, </a:t>
+            </a:r>
+            <a:r>
+              <a:rPr lang="es-ES" dirty="0" err="1"/>
+              <a:t>headers</a:t>
+            </a:r>
+            <a:r>
+              <a:rPr lang="es-ES" dirty="0"/>
+              <a:t>).</a:t>
+            </a:r>
+          </a:p>
+          <a:p>
+            <a:r>
+              <a:rPr lang="es-ES" dirty="0"/>
+              <a:t>Tipos básicos independientes del compilador, SO o hardware.</a:t>
+            </a:r>
+          </a:p>
+          <a:p>
+            <a:r>
+              <a:rPr lang="es-ES" dirty="0"/>
+              <a:t>No tiene herencia múltiple</a:t>
+            </a:r>
+          </a:p>
+          <a:p>
+            <a:r>
+              <a:rPr lang="es-ES" dirty="0" smtClean="0"/>
+              <a:t>Orientado a Objetos</a:t>
+            </a:r>
+            <a:endParaRPr lang="es-ES" dirty="0"/>
+          </a:p>
+          <a:p>
+            <a:r>
+              <a:rPr lang="es-ES" dirty="0"/>
+              <a:t>Los métodos por defecto son sellados y no </a:t>
+            </a:r>
+            <a:r>
+              <a:rPr lang="es-ES" dirty="0" err="1"/>
+              <a:t>redefinibles</a:t>
+            </a:r>
+            <a:r>
+              <a:rPr lang="es-ES" dirty="0"/>
+              <a:t>.</a:t>
+            </a:r>
+          </a:p>
+          <a:p>
+            <a:r>
+              <a:rPr lang="es-ES" dirty="0"/>
+              <a:t>El compilador toma los archivos con extensión </a:t>
+            </a:r>
+            <a:r>
+              <a:rPr lang="es-ES" dirty="0" err="1"/>
+              <a:t>cs</a:t>
+            </a:r>
+            <a:r>
+              <a:rPr lang="es-ES" dirty="0"/>
+              <a:t> y los empaqueta en </a:t>
+            </a:r>
+            <a:r>
+              <a:rPr lang="es-ES" dirty="0" err="1"/>
+              <a:t>assemblies</a:t>
+            </a:r>
+            <a:r>
+              <a:rPr lang="es-ES" dirty="0"/>
+              <a:t>.</a:t>
+            </a:r>
+          </a:p>
+          <a:p>
+            <a:endParaRPr lang="en-US" dirty="0"/>
+          </a:p>
+        </p:txBody>
+      </p:sp>
+      <p:sp>
+        <p:nvSpPr>
           <p:cNvPr id="3" name="Text Placeholder 2"/>
           <p:cNvSpPr>
             <a:spLocks noGrp="1"/>
@@ -17598,46 +16038,17 @@
           <a:lstStyle/>
           <a:p>
             <a:r>
-              <a:rPr lang="en-US" dirty="0"/>
-              <a:t>Generics</a:t>
-            </a:r>
-          </a:p>
-        </p:txBody>
-      </p:sp>
-      <p:sp>
-        <p:nvSpPr>
-          <p:cNvPr id="5" name="TextBox 4"/>
-          <p:cNvSpPr txBox="1"/>
-          <p:nvPr/>
-        </p:nvSpPr>
-        <p:spPr>
-          <a:xfrm>
-            <a:off x="3359696" y="1484785"/>
-            <a:ext cx="5638082" cy="3770263"/>
-          </a:xfrm>
-          <a:prstGeom prst="rect">
-            <a:avLst/>
-          </a:prstGeom>
-          <a:noFill/>
-        </p:spPr>
-        <p:txBody>
-          <a:bodyPr wrap="none" rtlCol="0">
-            <a:spAutoFit/>
-          </a:bodyPr>
-          <a:lstStyle/>
-          <a:p>
-            <a:r>
-              <a:rPr lang="en-US" sz="23900" dirty="0"/>
-              <a:t>&lt;T&gt;</a:t>
-            </a:r>
-            <a:endParaRPr lang="es-AR" sz="23900" dirty="0"/>
+              <a:rPr lang="en-US" dirty="0" smtClean="0"/>
+              <a:t>Introducción</a:t>
+            </a:r>
+            <a:endParaRPr lang="en-US" dirty="0"/>
           </a:p>
         </p:txBody>
       </p:sp>
     </p:spTree>
     <p:extLst>
       <p:ext uri="{BB962C8B-B14F-4D97-AF65-F5344CB8AC3E}">
-        <p14:creationId xmlns:p14="http://schemas.microsoft.com/office/powerpoint/2010/main" val="2785642172"/>
+        <p14:creationId xmlns:p14="http://schemas.microsoft.com/office/powerpoint/2010/main" val="491064634"/>
       </p:ext>
     </p:extLst>
   </p:cSld>
@@ -17654,7 +16065,7 @@
 </p:sld>
 </file>
 
-<file path=ppt/slides/slide35.xml><?xml version="1.0" encoding="utf-8"?>
+<file path=ppt/slides/slide30.xml><?xml version="1.0" encoding="utf-8"?>
 <p:sld xmlns:a="http://schemas.openxmlformats.org/drawingml/2006/main" xmlns:r="http://schemas.openxmlformats.org/officeDocument/2006/relationships" xmlns:p="http://schemas.openxmlformats.org/presentationml/2006/main">
   <p:cSld>
     <p:spTree>
@@ -17778,7 +16189,7 @@
           <p:nvPr/>
         </p:nvPicPr>
         <p:blipFill>
-          <a:blip r:embed="rId2" cstate="print">
+          <a:blip r:embed="rId3" cstate="print">
             <a:extLst>
               <a:ext uri="{28A0092B-C50C-407E-A947-70E740481C1C}">
                 <a14:useLocalDpi xmlns:a14="http://schemas.microsoft.com/office/drawing/2010/main" val="0"/>
@@ -17853,7 +16264,7 @@
 </p:sld>
 </file>
 
-<file path=ppt/slides/slide36.xml><?xml version="1.0" encoding="utf-8"?>
+<file path=ppt/slides/slide31.xml><?xml version="1.0" encoding="utf-8"?>
 <p:sld xmlns:a="http://schemas.openxmlformats.org/drawingml/2006/main" xmlns:r="http://schemas.openxmlformats.org/officeDocument/2006/relationships" xmlns:p="http://schemas.openxmlformats.org/presentationml/2006/main">
   <p:cSld>
     <p:spTree>
@@ -18067,6 +16478,835 @@
 </p:sld>
 </file>
 
+<file path=ppt/slides/slide32.xml><?xml version="1.0" encoding="utf-8"?>
+<p:sld xmlns:a="http://schemas.openxmlformats.org/drawingml/2006/main" xmlns:r="http://schemas.openxmlformats.org/officeDocument/2006/relationships" xmlns:p="http://schemas.openxmlformats.org/presentationml/2006/main">
+  <p:cSld>
+    <p:spTree>
+      <p:nvGrpSpPr>
+        <p:cNvPr id="1" name=""/>
+        <p:cNvGrpSpPr/>
+        <p:nvPr/>
+      </p:nvGrpSpPr>
+      <p:grpSpPr>
+        <a:xfrm>
+          <a:off x="0" y="0"/>
+          <a:ext cx="0" cy="0"/>
+          <a:chOff x="0" y="0"/>
+          <a:chExt cx="0" cy="0"/>
+        </a:xfrm>
+      </p:grpSpPr>
+      <p:sp>
+        <p:nvSpPr>
+          <p:cNvPr id="2" name="Text Placeholder 1"/>
+          <p:cNvSpPr>
+            <a:spLocks noGrp="1"/>
+          </p:cNvSpPr>
+          <p:nvPr>
+            <p:ph type="body" sz="quarter" idx="11"/>
+          </p:nvPr>
+        </p:nvSpPr>
+        <p:spPr/>
+        <p:txBody>
+          <a:bodyPr/>
+          <a:lstStyle/>
+          <a:p>
+            <a:r>
+              <a:rPr lang="en-US" dirty="0" smtClean="0"/>
+              <a:t>Extension Methods</a:t>
+            </a:r>
+            <a:endParaRPr lang="en-US" dirty="0"/>
+          </a:p>
+        </p:txBody>
+      </p:sp>
+    </p:spTree>
+    <p:extLst>
+      <p:ext uri="{BB962C8B-B14F-4D97-AF65-F5344CB8AC3E}">
+        <p14:creationId xmlns:p14="http://schemas.microsoft.com/office/powerpoint/2010/main" val="3087071939"/>
+      </p:ext>
+    </p:extLst>
+  </p:cSld>
+  <p:clrMapOvr>
+    <a:masterClrMapping/>
+  </p:clrMapOvr>
+  <p:timing>
+    <p:tnLst>
+      <p:par>
+        <p:cTn id="1" dur="indefinite" restart="never" nodeType="tmRoot"/>
+      </p:par>
+    </p:tnLst>
+  </p:timing>
+</p:sld>
+</file>
+
+<file path=ppt/slides/slide33.xml><?xml version="1.0" encoding="utf-8"?>
+<p:sld xmlns:a="http://schemas.openxmlformats.org/drawingml/2006/main" xmlns:r="http://schemas.openxmlformats.org/officeDocument/2006/relationships" xmlns:p="http://schemas.openxmlformats.org/presentationml/2006/main">
+  <p:cSld>
+    <p:spTree>
+      <p:nvGrpSpPr>
+        <p:cNvPr id="1" name=""/>
+        <p:cNvGrpSpPr/>
+        <p:nvPr/>
+      </p:nvGrpSpPr>
+      <p:grpSpPr>
+        <a:xfrm>
+          <a:off x="0" y="0"/>
+          <a:ext cx="0" cy="0"/>
+          <a:chOff x="0" y="0"/>
+          <a:chExt cx="0" cy="0"/>
+        </a:xfrm>
+      </p:grpSpPr>
+      <p:sp>
+        <p:nvSpPr>
+          <p:cNvPr id="2" name="Content Placeholder 1"/>
+          <p:cNvSpPr>
+            <a:spLocks noGrp="1"/>
+          </p:cNvSpPr>
+          <p:nvPr>
+            <p:ph idx="15"/>
+          </p:nvPr>
+        </p:nvSpPr>
+        <p:spPr/>
+        <p:txBody>
+          <a:bodyPr/>
+          <a:lstStyle/>
+          <a:p>
+            <a:r>
+              <a:rPr lang="es-AR" dirty="0" smtClean="0"/>
+              <a:t>Permiten </a:t>
+            </a:r>
+            <a:r>
+              <a:rPr lang="es-AR" dirty="0"/>
+              <a:t>“agregar” métodos a los tipos existentes sin necesidad de crear un nuevo tipo derivado </a:t>
+            </a:r>
+            <a:r>
+              <a:rPr lang="es-AR" dirty="0" smtClean="0"/>
+              <a:t>s y </a:t>
+            </a:r>
+            <a:r>
+              <a:rPr lang="es-AR" dirty="0"/>
+              <a:t>volver a compilar o sin necesidad de modificar el tipo original. </a:t>
+            </a:r>
+            <a:endParaRPr lang="es-AR" dirty="0" smtClean="0"/>
+          </a:p>
+          <a:p>
+            <a:r>
+              <a:rPr lang="es-AR" dirty="0" smtClean="0"/>
+              <a:t>Constituyen </a:t>
+            </a:r>
+            <a:r>
+              <a:rPr lang="es-AR" dirty="0"/>
+              <a:t>un tipo especial de método estático, pero se les llama como si se tratasen de métodos de instancia en el tipo extendido. </a:t>
+            </a:r>
+            <a:endParaRPr lang="es-AR" dirty="0" smtClean="0"/>
+          </a:p>
+          <a:p>
+            <a:r>
+              <a:rPr lang="es-AR" dirty="0" smtClean="0"/>
+              <a:t>Ejemplo: Necesito tener un método en la clase </a:t>
+            </a:r>
+            <a:r>
+              <a:rPr lang="es-AR" dirty="0" err="1" smtClean="0"/>
+              <a:t>String</a:t>
+            </a:r>
+            <a:r>
+              <a:rPr lang="es-AR" dirty="0" smtClean="0"/>
+              <a:t> que me devuelva la segunda letra de la primer palabra:</a:t>
+            </a:r>
+          </a:p>
+          <a:p>
+            <a:endParaRPr lang="es-AR" dirty="0"/>
+          </a:p>
+          <a:p>
+            <a:endParaRPr lang="es-AR" dirty="0"/>
+          </a:p>
+        </p:txBody>
+      </p:sp>
+      <p:sp>
+        <p:nvSpPr>
+          <p:cNvPr id="3" name="Text Placeholder 2"/>
+          <p:cNvSpPr>
+            <a:spLocks noGrp="1"/>
+          </p:cNvSpPr>
+          <p:nvPr>
+            <p:ph type="body" sz="quarter" idx="16"/>
+          </p:nvPr>
+        </p:nvSpPr>
+        <p:spPr/>
+        <p:txBody>
+          <a:bodyPr>
+            <a:normAutofit/>
+          </a:bodyPr>
+          <a:lstStyle/>
+          <a:p>
+            <a:r>
+              <a:rPr lang="es-AR" dirty="0" err="1"/>
+              <a:t>Extension</a:t>
+            </a:r>
+            <a:r>
+              <a:rPr lang="es-AR" dirty="0"/>
+              <a:t> </a:t>
+            </a:r>
+            <a:r>
+              <a:rPr lang="es-AR" dirty="0" err="1" smtClean="0"/>
+              <a:t>Methods</a:t>
+            </a:r>
+            <a:endParaRPr lang="es-AR" dirty="0"/>
+          </a:p>
+        </p:txBody>
+      </p:sp>
+      <p:sp>
+        <p:nvSpPr>
+          <p:cNvPr id="4" name="Text Placeholder 3"/>
+          <p:cNvSpPr>
+            <a:spLocks noGrp="1"/>
+          </p:cNvSpPr>
+          <p:nvPr>
+            <p:ph type="body" sz="quarter" idx="17"/>
+          </p:nvPr>
+        </p:nvSpPr>
+        <p:spPr/>
+        <p:txBody>
+          <a:bodyPr/>
+          <a:lstStyle/>
+          <a:p>
+            <a:endParaRPr lang="es-AR"/>
+          </a:p>
+        </p:txBody>
+      </p:sp>
+      <p:sp>
+        <p:nvSpPr>
+          <p:cNvPr id="7" name="TextBox 6"/>
+          <p:cNvSpPr txBox="1"/>
+          <p:nvPr/>
+        </p:nvSpPr>
+        <p:spPr>
+          <a:xfrm>
+            <a:off x="2993718" y="3093928"/>
+            <a:ext cx="7085258" cy="2031325"/>
+          </a:xfrm>
+          <a:prstGeom prst="rect">
+            <a:avLst/>
+          </a:prstGeom>
+          <a:noFill/>
+        </p:spPr>
+        <p:txBody>
+          <a:bodyPr wrap="square" rtlCol="0">
+            <a:spAutoFit/>
+          </a:bodyPr>
+          <a:lstStyle/>
+          <a:p>
+            <a:r>
+              <a:rPr lang="es-AR" dirty="0" err="1"/>
+              <a:t>public</a:t>
+            </a:r>
+            <a:r>
+              <a:rPr lang="es-AR" dirty="0"/>
+              <a:t> </a:t>
+            </a:r>
+            <a:r>
+              <a:rPr lang="es-AR" dirty="0" err="1"/>
+              <a:t>static</a:t>
+            </a:r>
+            <a:r>
+              <a:rPr lang="es-AR" dirty="0"/>
+              <a:t> </a:t>
+            </a:r>
+            <a:r>
+              <a:rPr lang="es-AR" dirty="0" err="1"/>
+              <a:t>class</a:t>
+            </a:r>
+            <a:r>
+              <a:rPr lang="es-AR" dirty="0"/>
+              <a:t> </a:t>
+            </a:r>
+            <a:r>
+              <a:rPr lang="es-AR" dirty="0" err="1"/>
+              <a:t>StringExtension</a:t>
+            </a:r>
+            <a:endParaRPr lang="es-AR" dirty="0"/>
+          </a:p>
+          <a:p>
+            <a:r>
+              <a:rPr lang="es-AR" dirty="0"/>
+              <a:t>{</a:t>
+            </a:r>
+          </a:p>
+          <a:p>
+            <a:r>
+              <a:rPr lang="es-AR" dirty="0"/>
+              <a:t>	</a:t>
+            </a:r>
+            <a:r>
+              <a:rPr lang="es-AR" dirty="0" err="1"/>
+              <a:t>public</a:t>
+            </a:r>
+            <a:r>
+              <a:rPr lang="es-AR" dirty="0"/>
+              <a:t> </a:t>
+            </a:r>
+            <a:r>
+              <a:rPr lang="es-AR" dirty="0" err="1"/>
+              <a:t>static</a:t>
+            </a:r>
+            <a:r>
+              <a:rPr lang="es-AR" dirty="0"/>
+              <a:t> </a:t>
+            </a:r>
+            <a:r>
+              <a:rPr lang="es-AR" dirty="0" err="1" smtClean="0"/>
+              <a:t>char</a:t>
+            </a:r>
+            <a:r>
+              <a:rPr lang="es-AR" dirty="0" smtClean="0"/>
+              <a:t> </a:t>
+            </a:r>
+            <a:r>
+              <a:rPr lang="es-AR" dirty="0" err="1" smtClean="0"/>
+              <a:t>GetSecondLetter</a:t>
+            </a:r>
+            <a:r>
+              <a:rPr lang="es-AR" dirty="0" smtClean="0"/>
+              <a:t>(</a:t>
+            </a:r>
+            <a:r>
+              <a:rPr lang="es-AR" dirty="0" err="1" smtClean="0"/>
+              <a:t>this</a:t>
+            </a:r>
+            <a:r>
+              <a:rPr lang="es-AR" dirty="0" smtClean="0"/>
+              <a:t> </a:t>
+            </a:r>
+            <a:r>
+              <a:rPr lang="es-AR" dirty="0" err="1"/>
+              <a:t>string</a:t>
+            </a:r>
+            <a:r>
+              <a:rPr lang="es-AR" dirty="0"/>
+              <a:t> </a:t>
+            </a:r>
+            <a:r>
+              <a:rPr lang="es-AR" dirty="0" err="1"/>
+              <a:t>text</a:t>
+            </a:r>
+            <a:r>
+              <a:rPr lang="es-AR" dirty="0"/>
+              <a:t>)</a:t>
+            </a:r>
+          </a:p>
+          <a:p>
+            <a:r>
+              <a:rPr lang="es-AR" dirty="0"/>
+              <a:t>	{</a:t>
+            </a:r>
+          </a:p>
+          <a:p>
+            <a:r>
+              <a:rPr lang="es-AR" dirty="0"/>
+              <a:t>		</a:t>
+            </a:r>
+            <a:r>
+              <a:rPr lang="es-AR" dirty="0" err="1"/>
+              <a:t>return</a:t>
+            </a:r>
+            <a:r>
+              <a:rPr lang="es-AR" dirty="0"/>
+              <a:t> </a:t>
+            </a:r>
+            <a:r>
+              <a:rPr lang="es-AR" dirty="0" err="1" smtClean="0"/>
+              <a:t>text.CharAt</a:t>
+            </a:r>
+            <a:r>
+              <a:rPr lang="es-AR" dirty="0" smtClean="0"/>
+              <a:t>(1);</a:t>
+            </a:r>
+            <a:endParaRPr lang="es-AR" dirty="0"/>
+          </a:p>
+          <a:p>
+            <a:r>
+              <a:rPr lang="es-AR" dirty="0"/>
+              <a:t>	}</a:t>
+            </a:r>
+          </a:p>
+          <a:p>
+            <a:r>
+              <a:rPr lang="es-AR" dirty="0"/>
+              <a:t>}</a:t>
+            </a:r>
+          </a:p>
+        </p:txBody>
+      </p:sp>
+    </p:spTree>
+    <p:extLst>
+      <p:ext uri="{BB962C8B-B14F-4D97-AF65-F5344CB8AC3E}">
+        <p14:creationId xmlns:p14="http://schemas.microsoft.com/office/powerpoint/2010/main" val="1975563839"/>
+      </p:ext>
+    </p:extLst>
+  </p:cSld>
+  <p:clrMapOvr>
+    <a:masterClrMapping/>
+  </p:clrMapOvr>
+  <p:timing>
+    <p:tnLst>
+      <p:par>
+        <p:cTn id="1" dur="indefinite" restart="never" nodeType="tmRoot"/>
+      </p:par>
+    </p:tnLst>
+  </p:timing>
+</p:sld>
+</file>
+
+<file path=ppt/slides/slide34.xml><?xml version="1.0" encoding="utf-8"?>
+<p:sld xmlns:a="http://schemas.openxmlformats.org/drawingml/2006/main" xmlns:r="http://schemas.openxmlformats.org/officeDocument/2006/relationships" xmlns:p="http://schemas.openxmlformats.org/presentationml/2006/main">
+  <p:cSld>
+    <p:spTree>
+      <p:nvGrpSpPr>
+        <p:cNvPr id="1" name=""/>
+        <p:cNvGrpSpPr/>
+        <p:nvPr/>
+      </p:nvGrpSpPr>
+      <p:grpSpPr>
+        <a:xfrm>
+          <a:off x="0" y="0"/>
+          <a:ext cx="0" cy="0"/>
+          <a:chOff x="0" y="0"/>
+          <a:chExt cx="0" cy="0"/>
+        </a:xfrm>
+      </p:grpSpPr>
+      <p:sp>
+        <p:nvSpPr>
+          <p:cNvPr id="2" name="Text Placeholder 1"/>
+          <p:cNvSpPr>
+            <a:spLocks noGrp="1"/>
+          </p:cNvSpPr>
+          <p:nvPr>
+            <p:ph type="body" sz="quarter" idx="11"/>
+          </p:nvPr>
+        </p:nvSpPr>
+        <p:spPr/>
+        <p:txBody>
+          <a:bodyPr/>
+          <a:lstStyle/>
+          <a:p>
+            <a:r>
+              <a:rPr lang="en-US" dirty="0" err="1" smtClean="0"/>
+              <a:t>Excepciones</a:t>
+            </a:r>
+            <a:endParaRPr lang="en-US" dirty="0"/>
+          </a:p>
+        </p:txBody>
+      </p:sp>
+    </p:spTree>
+    <p:extLst>
+      <p:ext uri="{BB962C8B-B14F-4D97-AF65-F5344CB8AC3E}">
+        <p14:creationId xmlns:p14="http://schemas.microsoft.com/office/powerpoint/2010/main" val="1081110881"/>
+      </p:ext>
+    </p:extLst>
+  </p:cSld>
+  <p:clrMapOvr>
+    <a:masterClrMapping/>
+  </p:clrMapOvr>
+  <p:timing>
+    <p:tnLst>
+      <p:par>
+        <p:cTn id="1" dur="indefinite" restart="never" nodeType="tmRoot"/>
+      </p:par>
+    </p:tnLst>
+  </p:timing>
+</p:sld>
+</file>
+
+<file path=ppt/slides/slide35.xml><?xml version="1.0" encoding="utf-8"?>
+<p:sld xmlns:a="http://schemas.openxmlformats.org/drawingml/2006/main" xmlns:r="http://schemas.openxmlformats.org/officeDocument/2006/relationships" xmlns:p="http://schemas.openxmlformats.org/presentationml/2006/main">
+  <p:cSld>
+    <p:spTree>
+      <p:nvGrpSpPr>
+        <p:cNvPr id="1" name=""/>
+        <p:cNvGrpSpPr/>
+        <p:nvPr/>
+      </p:nvGrpSpPr>
+      <p:grpSpPr>
+        <a:xfrm>
+          <a:off x="0" y="0"/>
+          <a:ext cx="0" cy="0"/>
+          <a:chOff x="0" y="0"/>
+          <a:chExt cx="0" cy="0"/>
+        </a:xfrm>
+      </p:grpSpPr>
+      <p:sp>
+        <p:nvSpPr>
+          <p:cNvPr id="2" name="Content Placeholder 1"/>
+          <p:cNvSpPr>
+            <a:spLocks noGrp="1"/>
+          </p:cNvSpPr>
+          <p:nvPr>
+            <p:ph idx="15"/>
+          </p:nvPr>
+        </p:nvSpPr>
+        <p:spPr/>
+        <p:txBody>
+          <a:bodyPr/>
+          <a:lstStyle/>
+          <a:p>
+            <a:pPr lvl="0"/>
+            <a:r>
+              <a:rPr lang="es-AR" dirty="0"/>
+              <a:t>Determina si hay un bloque </a:t>
+            </a:r>
+            <a:r>
+              <a:rPr lang="es-AR" i="1" dirty="0"/>
+              <a:t>try</a:t>
+            </a:r>
+            <a:r>
+              <a:rPr lang="es-AR" dirty="0"/>
+              <a:t> o </a:t>
+            </a:r>
+            <a:r>
+              <a:rPr lang="es-AR" i="1" dirty="0"/>
+              <a:t>catch</a:t>
+            </a:r>
+            <a:r>
+              <a:rPr lang="es-AR" dirty="0"/>
+              <a:t> para atrapar el error</a:t>
+            </a:r>
+            <a:r>
+              <a:rPr lang="es-AR" dirty="0" smtClean="0"/>
+              <a:t>.</a:t>
+            </a:r>
+            <a:endParaRPr lang="es-AR" dirty="0"/>
+          </a:p>
+          <a:p>
+            <a:pPr lvl="0"/>
+            <a:r>
+              <a:rPr lang="es-AR" dirty="0"/>
+              <a:t>Si es así, para la ejecución del programa al bloque </a:t>
+            </a:r>
+            <a:r>
+              <a:rPr lang="es-AR" i="1" dirty="0"/>
+              <a:t>catch</a:t>
+            </a:r>
+            <a:r>
+              <a:rPr lang="es-AR" dirty="0" smtClean="0"/>
+              <a:t>.</a:t>
+            </a:r>
+            <a:endParaRPr lang="es-AR" dirty="0"/>
+          </a:p>
+          <a:p>
+            <a:pPr lvl="0"/>
+            <a:r>
+              <a:rPr lang="es-AR" dirty="0"/>
+              <a:t>Cuando finaliza la ejecución del </a:t>
+            </a:r>
+            <a:r>
+              <a:rPr lang="es-AR" i="1" dirty="0"/>
+              <a:t>catch</a:t>
+            </a:r>
+            <a:r>
+              <a:rPr lang="es-AR" dirty="0"/>
+              <a:t> se continua con la ejecución fuera del bloque</a:t>
+            </a:r>
+            <a:r>
+              <a:rPr lang="es-AR" dirty="0" smtClean="0"/>
+              <a:t>.</a:t>
+            </a:r>
+            <a:endParaRPr lang="es-AR" dirty="0"/>
+          </a:p>
+          <a:p>
+            <a:pPr lvl="0"/>
+            <a:r>
+              <a:rPr lang="es-AR" dirty="0"/>
+              <a:t>Si no es así, la ejecución del programa salta al llamado del miembro que ocasiono el error</a:t>
+            </a:r>
+            <a:r>
+              <a:rPr lang="es-AR" dirty="0" smtClean="0"/>
+              <a:t>.</a:t>
+            </a:r>
+            <a:endParaRPr lang="es-AR" dirty="0"/>
+          </a:p>
+          <a:p>
+            <a:pPr lvl="0"/>
+            <a:r>
+              <a:rPr lang="es-AR" dirty="0"/>
+              <a:t>Y se vuelve a evaluar si existe un bloque </a:t>
+            </a:r>
+            <a:r>
+              <a:rPr lang="es-AR" i="1" dirty="0"/>
+              <a:t>catch</a:t>
+            </a:r>
+            <a:r>
+              <a:rPr lang="es-AR" dirty="0"/>
+              <a:t> para manejar el error</a:t>
+            </a:r>
+            <a:r>
+              <a:rPr lang="es-AR" dirty="0" smtClean="0"/>
+              <a:t>.</a:t>
+            </a:r>
+            <a:endParaRPr lang="es-AR" dirty="0"/>
+          </a:p>
+          <a:p>
+            <a:pPr lvl="0"/>
+            <a:r>
+              <a:rPr lang="es-AR" dirty="0"/>
+              <a:t>Si nunca lo encuentra, un mensaje de error se le muestra al usuario y se finaliza el programa</a:t>
+            </a:r>
+            <a:r>
+              <a:rPr lang="es-AR" dirty="0" smtClean="0"/>
+              <a:t>.</a:t>
+            </a:r>
+            <a:endParaRPr lang="es-AR" dirty="0"/>
+          </a:p>
+        </p:txBody>
+      </p:sp>
+      <p:sp>
+        <p:nvSpPr>
+          <p:cNvPr id="3" name="Text Placeholder 2"/>
+          <p:cNvSpPr>
+            <a:spLocks noGrp="1"/>
+          </p:cNvSpPr>
+          <p:nvPr>
+            <p:ph type="body" sz="quarter" idx="16"/>
+          </p:nvPr>
+        </p:nvSpPr>
+        <p:spPr/>
+        <p:txBody>
+          <a:bodyPr/>
+          <a:lstStyle/>
+          <a:p>
+            <a:r>
+              <a:rPr lang="en-US" dirty="0" smtClean="0"/>
+              <a:t>.NET C#</a:t>
+            </a:r>
+            <a:endParaRPr lang="en-US" dirty="0"/>
+          </a:p>
+        </p:txBody>
+      </p:sp>
+      <p:sp>
+        <p:nvSpPr>
+          <p:cNvPr id="4" name="Text Placeholder 3"/>
+          <p:cNvSpPr>
+            <a:spLocks noGrp="1"/>
+          </p:cNvSpPr>
+          <p:nvPr>
+            <p:ph type="body" sz="quarter" idx="17"/>
+          </p:nvPr>
+        </p:nvSpPr>
+        <p:spPr/>
+        <p:txBody>
+          <a:bodyPr/>
+          <a:lstStyle/>
+          <a:p>
+            <a:r>
+              <a:rPr lang="es-ES" dirty="0" smtClean="0"/>
+              <a:t>CLR y las excepciones</a:t>
+            </a:r>
+          </a:p>
+          <a:p>
+            <a:endParaRPr lang="es-ES" dirty="0"/>
+          </a:p>
+        </p:txBody>
+      </p:sp>
+    </p:spTree>
+    <p:extLst>
+      <p:ext uri="{BB962C8B-B14F-4D97-AF65-F5344CB8AC3E}">
+        <p14:creationId xmlns:p14="http://schemas.microsoft.com/office/powerpoint/2010/main" val="2120600986"/>
+      </p:ext>
+    </p:extLst>
+  </p:cSld>
+  <p:clrMapOvr>
+    <a:masterClrMapping/>
+  </p:clrMapOvr>
+  <p:timing>
+    <p:tnLst>
+      <p:par>
+        <p:cTn id="1" dur="indefinite" restart="never" nodeType="tmRoot"/>
+      </p:par>
+    </p:tnLst>
+  </p:timing>
+</p:sld>
+</file>
+
+<file path=ppt/slides/slide36.xml><?xml version="1.0" encoding="utf-8"?>
+<p:sld xmlns:a="http://schemas.openxmlformats.org/drawingml/2006/main" xmlns:r="http://schemas.openxmlformats.org/officeDocument/2006/relationships" xmlns:p="http://schemas.openxmlformats.org/presentationml/2006/main">
+  <p:cSld>
+    <p:spTree>
+      <p:nvGrpSpPr>
+        <p:cNvPr id="1" name=""/>
+        <p:cNvGrpSpPr/>
+        <p:nvPr/>
+      </p:nvGrpSpPr>
+      <p:grpSpPr>
+        <a:xfrm>
+          <a:off x="0" y="0"/>
+          <a:ext cx="0" cy="0"/>
+          <a:chOff x="0" y="0"/>
+          <a:chExt cx="0" cy="0"/>
+        </a:xfrm>
+      </p:grpSpPr>
+      <p:sp>
+        <p:nvSpPr>
+          <p:cNvPr id="2" name="Content Placeholder 1"/>
+          <p:cNvSpPr>
+            <a:spLocks noGrp="1"/>
+          </p:cNvSpPr>
+          <p:nvPr>
+            <p:ph idx="15"/>
+          </p:nvPr>
+        </p:nvSpPr>
+        <p:spPr>
+          <a:xfrm>
+            <a:off x="238755" y="1219564"/>
+            <a:ext cx="6175722" cy="4992853"/>
+          </a:xfrm>
+        </p:spPr>
+        <p:txBody>
+          <a:bodyPr/>
+          <a:lstStyle/>
+          <a:p>
+            <a:r>
+              <a:rPr lang="es-AR" sz="1800" dirty="0"/>
+              <a:t>Un bloque try especifica un bloque de código en el cual si existe un error este podrá ser manejado.</a:t>
+            </a:r>
+          </a:p>
+          <a:p>
+            <a:endParaRPr lang="en-US" dirty="0"/>
+          </a:p>
+        </p:txBody>
+      </p:sp>
+      <p:sp>
+        <p:nvSpPr>
+          <p:cNvPr id="3" name="Text Placeholder 2"/>
+          <p:cNvSpPr>
+            <a:spLocks noGrp="1"/>
+          </p:cNvSpPr>
+          <p:nvPr>
+            <p:ph type="body" sz="quarter" idx="16"/>
+          </p:nvPr>
+        </p:nvSpPr>
+        <p:spPr>
+          <a:xfrm>
+            <a:off x="239184" y="238951"/>
+            <a:ext cx="11713467" cy="472856"/>
+          </a:xfrm>
+        </p:spPr>
+        <p:txBody>
+          <a:bodyPr/>
+          <a:lstStyle/>
+          <a:p>
+            <a:r>
+              <a:rPr lang="en-US" dirty="0" smtClean="0"/>
+              <a:t>.NET C#</a:t>
+            </a:r>
+            <a:endParaRPr lang="en-US" dirty="0"/>
+          </a:p>
+        </p:txBody>
+      </p:sp>
+      <p:sp>
+        <p:nvSpPr>
+          <p:cNvPr id="4" name="Text Placeholder 3"/>
+          <p:cNvSpPr>
+            <a:spLocks noGrp="1"/>
+          </p:cNvSpPr>
+          <p:nvPr>
+            <p:ph type="body" sz="quarter" idx="17"/>
+          </p:nvPr>
+        </p:nvSpPr>
+        <p:spPr/>
+        <p:txBody>
+          <a:bodyPr/>
+          <a:lstStyle/>
+          <a:p>
+            <a:r>
+              <a:rPr lang="es-ES" dirty="0" smtClean="0"/>
+              <a:t>Excepciones</a:t>
+            </a:r>
+            <a:endParaRPr lang="es-ES" dirty="0"/>
+          </a:p>
+        </p:txBody>
+      </p:sp>
+      <p:pic>
+        <p:nvPicPr>
+          <p:cNvPr id="5" name="Picture 3"/>
+          <p:cNvPicPr>
+            <a:picLocks noChangeAspect="1" noChangeArrowheads="1"/>
+          </p:cNvPicPr>
+          <p:nvPr/>
+        </p:nvPicPr>
+        <p:blipFill>
+          <a:blip r:embed="rId2" cstate="print">
+            <a:extLst>
+              <a:ext uri="{28A0092B-C50C-407E-A947-70E740481C1C}">
+                <a14:useLocalDpi xmlns:a14="http://schemas.microsoft.com/office/drawing/2010/main" val="0"/>
+              </a:ext>
+            </a:extLst>
+          </a:blip>
+          <a:srcRect/>
+          <a:stretch>
+            <a:fillRect/>
+          </a:stretch>
+        </p:blipFill>
+        <p:spPr bwMode="auto">
+          <a:xfrm>
+            <a:off x="6414642" y="985343"/>
+            <a:ext cx="5538009" cy="5227074"/>
+          </a:xfrm>
+          <a:prstGeom prst="rect">
+            <a:avLst/>
+          </a:prstGeom>
+          <a:noFill/>
+          <a:ln>
+            <a:noFill/>
+          </a:ln>
+          <a:effectLst/>
+          <a:extLst>
+            <a:ext uri="{909E8E84-426E-40DD-AFC4-6F175D3DCCD1}">
+              <a14:hiddenFill xmlns:a14="http://schemas.microsoft.com/office/drawing/2010/main">
+                <a:solidFill>
+                  <a:schemeClr val="accent1"/>
+                </a:solidFill>
+              </a14:hiddenFill>
+            </a:ext>
+            <a:ext uri="{91240B29-F687-4F45-9708-019B960494DF}">
+              <a14:hiddenLine xmlns:a14="http://schemas.microsoft.com/office/drawing/2010/main" w="9525">
+                <a:solidFill>
+                  <a:schemeClr val="tx1"/>
+                </a:solidFill>
+                <a:miter lim="800000"/>
+                <a:headEnd/>
+                <a:tailEnd/>
+              </a14:hiddenLine>
+            </a:ext>
+            <a:ext uri="{AF507438-7753-43E0-B8FC-AC1667EBCBE1}">
+              <a14:hiddenEffects xmlns:a14="http://schemas.microsoft.com/office/drawing/2010/main">
+                <a:effectLst>
+                  <a:outerShdw dist="35921" dir="2700000" algn="ctr" rotWithShape="0">
+                    <a:schemeClr val="bg2"/>
+                  </a:outerShdw>
+                </a:effectLst>
+              </a14:hiddenEffects>
+            </a:ext>
+          </a:extLst>
+        </p:spPr>
+      </p:pic>
+    </p:spTree>
+    <p:extLst>
+      <p:ext uri="{BB962C8B-B14F-4D97-AF65-F5344CB8AC3E}">
+        <p14:creationId xmlns:p14="http://schemas.microsoft.com/office/powerpoint/2010/main" val="2054301956"/>
+      </p:ext>
+    </p:extLst>
+  </p:cSld>
+  <p:clrMapOvr>
+    <a:masterClrMapping/>
+  </p:clrMapOvr>
+  <p:timing>
+    <p:tnLst>
+      <p:par>
+        <p:cTn id="1" dur="indefinite" restart="never" nodeType="tmRoot"/>
+      </p:par>
+    </p:tnLst>
+  </p:timing>
+</p:sld>
+</file>
+
 <file path=ppt/slides/slide37.xml><?xml version="1.0" encoding="utf-8"?>
 <p:sld xmlns:a="http://schemas.openxmlformats.org/drawingml/2006/main" xmlns:r="http://schemas.openxmlformats.org/officeDocument/2006/relationships" xmlns:p="http://schemas.openxmlformats.org/presentationml/2006/main">
   <p:cSld>
@@ -18100,8 +17340,16 @@
           <a:lstStyle/>
           <a:p>
             <a:r>
-              <a:rPr lang="en-US" dirty="0" err="1" smtClean="0"/>
-              <a:t>Excepciones</a:t>
+              <a:rPr lang="en-US" dirty="0" smtClean="0"/>
+              <a:t>¿</a:t>
+            </a:r>
+            <a:r>
+              <a:rPr lang="es-ES" dirty="0" smtClean="0"/>
+              <a:t>Preguntas</a:t>
+            </a:r>
+            <a:r>
+              <a:rPr lang="en-US" dirty="0" smtClean="0"/>
+              <a:t>?</a:t>
             </a:r>
             <a:endParaRPr lang="en-US" dirty="0"/>
           </a:p>
@@ -18110,7 +17358,7 @@
     </p:spTree>
     <p:extLst>
       <p:ext uri="{BB962C8B-B14F-4D97-AF65-F5344CB8AC3E}">
-        <p14:creationId xmlns:p14="http://schemas.microsoft.com/office/powerpoint/2010/main" val="1081110881"/>
+        <p14:creationId xmlns:p14="http://schemas.microsoft.com/office/powerpoint/2010/main" val="314099561"/>
       </p:ext>
     </p:extLst>
   </p:cSld>
@@ -18144,359 +17392,10 @@
           <a:chExt cx="0" cy="0"/>
         </a:xfrm>
       </p:grpSpPr>
-      <p:sp>
-        <p:nvSpPr>
-          <p:cNvPr id="2" name="Content Placeholder 1"/>
-          <p:cNvSpPr>
-            <a:spLocks noGrp="1"/>
-          </p:cNvSpPr>
-          <p:nvPr>
-            <p:ph idx="15"/>
-          </p:nvPr>
-        </p:nvSpPr>
-        <p:spPr/>
-        <p:txBody>
-          <a:bodyPr/>
-          <a:lstStyle/>
-          <a:p>
-            <a:r>
-              <a:rPr lang="es-ES" dirty="0" smtClean="0"/>
-              <a:t>Bloque try / catch / </a:t>
-            </a:r>
-            <a:r>
-              <a:rPr lang="es-ES" dirty="0" err="1" smtClean="0"/>
-              <a:t>finally</a:t>
-            </a:r>
-            <a:endParaRPr lang="es-ES" dirty="0" smtClean="0"/>
-          </a:p>
-          <a:p>
-            <a:endParaRPr lang="es-ES" dirty="0"/>
-          </a:p>
-        </p:txBody>
-      </p:sp>
-      <p:sp>
-        <p:nvSpPr>
-          <p:cNvPr id="3" name="Text Placeholder 2"/>
-          <p:cNvSpPr>
-            <a:spLocks noGrp="1"/>
-          </p:cNvSpPr>
-          <p:nvPr>
-            <p:ph type="body" sz="quarter" idx="16"/>
-          </p:nvPr>
-        </p:nvSpPr>
-        <p:spPr/>
-        <p:txBody>
-          <a:bodyPr/>
-          <a:lstStyle/>
-          <a:p>
-            <a:r>
-              <a:rPr lang="en-US" dirty="0" smtClean="0"/>
-              <a:t>.NET C#</a:t>
-            </a:r>
-            <a:endParaRPr lang="en-US" dirty="0"/>
-          </a:p>
-        </p:txBody>
-      </p:sp>
-      <p:sp>
-        <p:nvSpPr>
-          <p:cNvPr id="4" name="Text Placeholder 3"/>
-          <p:cNvSpPr>
-            <a:spLocks noGrp="1"/>
-          </p:cNvSpPr>
-          <p:nvPr>
-            <p:ph type="body" sz="quarter" idx="17"/>
-          </p:nvPr>
-        </p:nvSpPr>
-        <p:spPr/>
-        <p:txBody>
-          <a:bodyPr/>
-          <a:lstStyle/>
-          <a:p>
-            <a:r>
-              <a:rPr lang="es-ES" dirty="0" smtClean="0"/>
-              <a:t>Excepciones</a:t>
-            </a:r>
-          </a:p>
-          <a:p>
-            <a:endParaRPr lang="es-ES" dirty="0"/>
-          </a:p>
-        </p:txBody>
-      </p:sp>
-      <p:pic>
-        <p:nvPicPr>
-          <p:cNvPr id="5" name="Picture 2"/>
-          <p:cNvPicPr>
-            <a:picLocks noChangeAspect="1" noChangeArrowheads="1"/>
-          </p:cNvPicPr>
-          <p:nvPr/>
-        </p:nvPicPr>
-        <p:blipFill rotWithShape="1">
-          <a:blip r:embed="rId2" cstate="print">
-            <a:extLst>
-              <a:ext uri="{28A0092B-C50C-407E-A947-70E740481C1C}">
-                <a14:useLocalDpi xmlns:a14="http://schemas.microsoft.com/office/drawing/2010/main" val="0"/>
-              </a:ext>
-            </a:extLst>
-          </a:blip>
-          <a:srcRect r="21647"/>
-          <a:stretch/>
-        </p:blipFill>
-        <p:spPr bwMode="auto">
-          <a:xfrm>
-            <a:off x="4267200" y="812528"/>
-            <a:ext cx="7267099" cy="5141631"/>
-          </a:xfrm>
-          <a:prstGeom prst="rect">
-            <a:avLst/>
-          </a:prstGeom>
-          <a:noFill/>
-          <a:ln>
-            <a:noFill/>
-          </a:ln>
-          <a:effectLst/>
-          <a:extLst>
-            <a:ext uri="{909E8E84-426E-40DD-AFC4-6F175D3DCCD1}">
-              <a14:hiddenFill xmlns:a14="http://schemas.microsoft.com/office/drawing/2010/main">
-                <a:solidFill>
-                  <a:schemeClr val="accent1"/>
-                </a:solidFill>
-              </a14:hiddenFill>
-            </a:ext>
-            <a:ext uri="{91240B29-F687-4F45-9708-019B960494DF}">
-              <a14:hiddenLine xmlns:a14="http://schemas.microsoft.com/office/drawing/2010/main" w="9525">
-                <a:solidFill>
-                  <a:schemeClr val="tx1"/>
-                </a:solidFill>
-                <a:miter lim="800000"/>
-                <a:headEnd/>
-                <a:tailEnd/>
-              </a14:hiddenLine>
-            </a:ext>
-            <a:ext uri="{AF507438-7753-43E0-B8FC-AC1667EBCBE1}">
-              <a14:hiddenEffects xmlns:a14="http://schemas.microsoft.com/office/drawing/2010/main">
-                <a:effectLst>
-                  <a:outerShdw dist="35921" dir="2700000" algn="ctr" rotWithShape="0">
-                    <a:schemeClr val="bg2"/>
-                  </a:outerShdw>
-                </a:effectLst>
-              </a14:hiddenEffects>
-            </a:ext>
-          </a:extLst>
-        </p:spPr>
-      </p:pic>
     </p:spTree>
     <p:extLst>
       <p:ext uri="{BB962C8B-B14F-4D97-AF65-F5344CB8AC3E}">
-        <p14:creationId xmlns:p14="http://schemas.microsoft.com/office/powerpoint/2010/main" val="1864948359"/>
-      </p:ext>
-    </p:extLst>
-  </p:cSld>
-  <p:clrMapOvr>
-    <a:masterClrMapping/>
-  </p:clrMapOvr>
-  <p:timing>
-    <p:tnLst>
-      <p:par>
-        <p:cTn id="1" dur="indefinite" restart="never" nodeType="tmRoot"/>
-      </p:par>
-    </p:tnLst>
-  </p:timing>
-</p:sld>
-</file>
-
-<file path=ppt/slides/slide39.xml><?xml version="1.0" encoding="utf-8"?>
-<p:sld xmlns:a="http://schemas.openxmlformats.org/drawingml/2006/main" xmlns:r="http://schemas.openxmlformats.org/officeDocument/2006/relationships" xmlns:p="http://schemas.openxmlformats.org/presentationml/2006/main">
-  <p:cSld>
-    <p:spTree>
-      <p:nvGrpSpPr>
-        <p:cNvPr id="1" name=""/>
-        <p:cNvGrpSpPr/>
-        <p:nvPr/>
-      </p:nvGrpSpPr>
-      <p:grpSpPr>
-        <a:xfrm>
-          <a:off x="0" y="0"/>
-          <a:ext cx="0" cy="0"/>
-          <a:chOff x="0" y="0"/>
-          <a:chExt cx="0" cy="0"/>
-        </a:xfrm>
-      </p:grpSpPr>
-      <p:sp>
-        <p:nvSpPr>
-          <p:cNvPr id="2" name="Content Placeholder 1"/>
-          <p:cNvSpPr>
-            <a:spLocks noGrp="1"/>
-          </p:cNvSpPr>
-          <p:nvPr>
-            <p:ph idx="15"/>
-          </p:nvPr>
-        </p:nvSpPr>
-        <p:spPr/>
-        <p:txBody>
-          <a:bodyPr/>
-          <a:lstStyle/>
-          <a:p>
-            <a:pPr lvl="0"/>
-            <a:r>
-              <a:rPr lang="es-AR" dirty="0"/>
-              <a:t>Determina si hay un bloque </a:t>
-            </a:r>
-            <a:r>
-              <a:rPr lang="es-AR" i="1" dirty="0"/>
-              <a:t>try</a:t>
-            </a:r>
-            <a:r>
-              <a:rPr lang="es-AR" dirty="0"/>
-              <a:t> o </a:t>
-            </a:r>
-            <a:r>
-              <a:rPr lang="es-AR" i="1" dirty="0"/>
-              <a:t>catch</a:t>
-            </a:r>
-            <a:r>
-              <a:rPr lang="es-AR" dirty="0"/>
-              <a:t> para atrapar el error</a:t>
-            </a:r>
-            <a:r>
-              <a:rPr lang="es-AR" dirty="0" smtClean="0"/>
-              <a:t>.</a:t>
-            </a:r>
-            <a:endParaRPr lang="es-AR" dirty="0"/>
-          </a:p>
-          <a:p>
-            <a:pPr lvl="0"/>
-            <a:r>
-              <a:rPr lang="es-AR" dirty="0"/>
-              <a:t>Si es así, para la ejecución del programa al bloque </a:t>
-            </a:r>
-            <a:r>
-              <a:rPr lang="es-AR" i="1" dirty="0"/>
-              <a:t>catch</a:t>
-            </a:r>
-            <a:r>
-              <a:rPr lang="es-AR" dirty="0" smtClean="0"/>
-              <a:t>.</a:t>
-            </a:r>
-            <a:endParaRPr lang="es-AR" dirty="0"/>
-          </a:p>
-          <a:p>
-            <a:pPr lvl="0"/>
-            <a:r>
-              <a:rPr lang="es-AR" dirty="0"/>
-              <a:t>Cuando finaliza la ejecución del </a:t>
-            </a:r>
-            <a:r>
-              <a:rPr lang="es-AR" i="1" dirty="0"/>
-              <a:t>catch</a:t>
-            </a:r>
-            <a:r>
-              <a:rPr lang="es-AR" dirty="0"/>
-              <a:t> se continua con la ejecución fuera del bloque</a:t>
-            </a:r>
-            <a:r>
-              <a:rPr lang="es-AR" dirty="0" smtClean="0"/>
-              <a:t>.</a:t>
-            </a:r>
-            <a:endParaRPr lang="es-AR" dirty="0"/>
-          </a:p>
-          <a:p>
-            <a:pPr lvl="0"/>
-            <a:r>
-              <a:rPr lang="es-AR" dirty="0"/>
-              <a:t>Si no es así, la ejecución del programa salta al llamado del miembro que ocasiono el error</a:t>
-            </a:r>
-            <a:r>
-              <a:rPr lang="es-AR" dirty="0" smtClean="0"/>
-              <a:t>.</a:t>
-            </a:r>
-            <a:endParaRPr lang="es-AR" dirty="0"/>
-          </a:p>
-          <a:p>
-            <a:pPr lvl="0"/>
-            <a:r>
-              <a:rPr lang="es-AR" dirty="0"/>
-              <a:t>Y se vuelve a evaluar si existe un bloque </a:t>
-            </a:r>
-            <a:r>
-              <a:rPr lang="es-AR" i="1" dirty="0"/>
-              <a:t>catch</a:t>
-            </a:r>
-            <a:r>
-              <a:rPr lang="es-AR" dirty="0"/>
-              <a:t> para manejar el error</a:t>
-            </a:r>
-            <a:r>
-              <a:rPr lang="es-AR" dirty="0" smtClean="0"/>
-              <a:t>.</a:t>
-            </a:r>
-            <a:endParaRPr lang="es-AR" dirty="0"/>
-          </a:p>
-          <a:p>
-            <a:pPr lvl="0"/>
-            <a:r>
-              <a:rPr lang="es-AR" dirty="0"/>
-              <a:t>Si nunca lo encuentra, un mensaje de error se le muestra al usuario y se finaliza el programa</a:t>
-            </a:r>
-            <a:r>
-              <a:rPr lang="es-AR" dirty="0" smtClean="0"/>
-              <a:t>.</a:t>
-            </a:r>
-            <a:endParaRPr lang="es-AR" dirty="0"/>
-          </a:p>
-        </p:txBody>
-      </p:sp>
-      <p:sp>
-        <p:nvSpPr>
-          <p:cNvPr id="3" name="Text Placeholder 2"/>
-          <p:cNvSpPr>
-            <a:spLocks noGrp="1"/>
-          </p:cNvSpPr>
-          <p:nvPr>
-            <p:ph type="body" sz="quarter" idx="16"/>
-          </p:nvPr>
-        </p:nvSpPr>
-        <p:spPr/>
-        <p:txBody>
-          <a:bodyPr/>
-          <a:lstStyle/>
-          <a:p>
-            <a:r>
-              <a:rPr lang="en-US" dirty="0" smtClean="0"/>
-              <a:t>.NET C#</a:t>
-            </a:r>
-            <a:endParaRPr lang="en-US" dirty="0"/>
-          </a:p>
-        </p:txBody>
-      </p:sp>
-      <p:sp>
-        <p:nvSpPr>
-          <p:cNvPr id="4" name="Text Placeholder 3"/>
-          <p:cNvSpPr>
-            <a:spLocks noGrp="1"/>
-          </p:cNvSpPr>
-          <p:nvPr>
-            <p:ph type="body" sz="quarter" idx="17"/>
-          </p:nvPr>
-        </p:nvSpPr>
-        <p:spPr/>
-        <p:txBody>
-          <a:bodyPr/>
-          <a:lstStyle/>
-          <a:p>
-            <a:r>
-              <a:rPr lang="es-ES" dirty="0" smtClean="0"/>
-              <a:t>CLR y las excepciones</a:t>
-            </a:r>
-          </a:p>
-          <a:p>
-            <a:endParaRPr lang="es-ES" dirty="0"/>
-          </a:p>
-        </p:txBody>
-      </p:sp>
-    </p:spTree>
-    <p:extLst>
-      <p:ext uri="{BB962C8B-B14F-4D97-AF65-F5344CB8AC3E}">
-        <p14:creationId xmlns:p14="http://schemas.microsoft.com/office/powerpoint/2010/main" val="2120600986"/>
+        <p14:creationId xmlns:p14="http://schemas.microsoft.com/office/powerpoint/2010/main" val="658284533"/>
       </p:ext>
     </p:extLst>
   </p:cSld>
@@ -19490,293 +18389,6 @@
 </p:sld>
 </file>
 
-<file path=ppt/slides/slide40.xml><?xml version="1.0" encoding="utf-8"?>
-<p:sld xmlns:a="http://schemas.openxmlformats.org/drawingml/2006/main" xmlns:r="http://schemas.openxmlformats.org/officeDocument/2006/relationships" xmlns:p="http://schemas.openxmlformats.org/presentationml/2006/main">
-  <p:cSld>
-    <p:spTree>
-      <p:nvGrpSpPr>
-        <p:cNvPr id="1" name=""/>
-        <p:cNvGrpSpPr/>
-        <p:nvPr/>
-      </p:nvGrpSpPr>
-      <p:grpSpPr>
-        <a:xfrm>
-          <a:off x="0" y="0"/>
-          <a:ext cx="0" cy="0"/>
-          <a:chOff x="0" y="0"/>
-          <a:chExt cx="0" cy="0"/>
-        </a:xfrm>
-      </p:grpSpPr>
-      <p:sp>
-        <p:nvSpPr>
-          <p:cNvPr id="2" name="Content Placeholder 1"/>
-          <p:cNvSpPr>
-            <a:spLocks noGrp="1"/>
-          </p:cNvSpPr>
-          <p:nvPr>
-            <p:ph idx="15"/>
-          </p:nvPr>
-        </p:nvSpPr>
-        <p:spPr>
-          <a:xfrm>
-            <a:off x="238755" y="1219564"/>
-            <a:ext cx="6175722" cy="4992853"/>
-          </a:xfrm>
-        </p:spPr>
-        <p:txBody>
-          <a:bodyPr/>
-          <a:lstStyle/>
-          <a:p>
-            <a:r>
-              <a:rPr lang="es-AR" sz="1800" dirty="0"/>
-              <a:t>Un bloque try especifica un bloque de código en el cual si existe un error este podrá ser manejado.</a:t>
-            </a:r>
-          </a:p>
-          <a:p>
-            <a:endParaRPr lang="en-US" dirty="0"/>
-          </a:p>
-        </p:txBody>
-      </p:sp>
-      <p:sp>
-        <p:nvSpPr>
-          <p:cNvPr id="3" name="Text Placeholder 2"/>
-          <p:cNvSpPr>
-            <a:spLocks noGrp="1"/>
-          </p:cNvSpPr>
-          <p:nvPr>
-            <p:ph type="body" sz="quarter" idx="16"/>
-          </p:nvPr>
-        </p:nvSpPr>
-        <p:spPr>
-          <a:xfrm>
-            <a:off x="239184" y="238951"/>
-            <a:ext cx="11713467" cy="472856"/>
-          </a:xfrm>
-        </p:spPr>
-        <p:txBody>
-          <a:bodyPr/>
-          <a:lstStyle/>
-          <a:p>
-            <a:r>
-              <a:rPr lang="en-US" dirty="0" smtClean="0"/>
-              <a:t>.NET C#</a:t>
-            </a:r>
-            <a:endParaRPr lang="en-US" dirty="0"/>
-          </a:p>
-        </p:txBody>
-      </p:sp>
-      <p:sp>
-        <p:nvSpPr>
-          <p:cNvPr id="4" name="Text Placeholder 3"/>
-          <p:cNvSpPr>
-            <a:spLocks noGrp="1"/>
-          </p:cNvSpPr>
-          <p:nvPr>
-            <p:ph type="body" sz="quarter" idx="17"/>
-          </p:nvPr>
-        </p:nvSpPr>
-        <p:spPr/>
-        <p:txBody>
-          <a:bodyPr/>
-          <a:lstStyle/>
-          <a:p>
-            <a:r>
-              <a:rPr lang="es-ES" dirty="0" smtClean="0"/>
-              <a:t>Excepciones</a:t>
-            </a:r>
-            <a:endParaRPr lang="es-ES" dirty="0"/>
-          </a:p>
-        </p:txBody>
-      </p:sp>
-      <p:pic>
-        <p:nvPicPr>
-          <p:cNvPr id="5" name="Picture 3"/>
-          <p:cNvPicPr>
-            <a:picLocks noChangeAspect="1" noChangeArrowheads="1"/>
-          </p:cNvPicPr>
-          <p:nvPr/>
-        </p:nvPicPr>
-        <p:blipFill>
-          <a:blip r:embed="rId2" cstate="print">
-            <a:extLst>
-              <a:ext uri="{28A0092B-C50C-407E-A947-70E740481C1C}">
-                <a14:useLocalDpi xmlns:a14="http://schemas.microsoft.com/office/drawing/2010/main" val="0"/>
-              </a:ext>
-            </a:extLst>
-          </a:blip>
-          <a:srcRect/>
-          <a:stretch>
-            <a:fillRect/>
-          </a:stretch>
-        </p:blipFill>
-        <p:spPr bwMode="auto">
-          <a:xfrm>
-            <a:off x="6414642" y="985343"/>
-            <a:ext cx="5538009" cy="5227074"/>
-          </a:xfrm>
-          <a:prstGeom prst="rect">
-            <a:avLst/>
-          </a:prstGeom>
-          <a:noFill/>
-          <a:ln>
-            <a:noFill/>
-          </a:ln>
-          <a:effectLst/>
-          <a:extLst>
-            <a:ext uri="{909E8E84-426E-40DD-AFC4-6F175D3DCCD1}">
-              <a14:hiddenFill xmlns:a14="http://schemas.microsoft.com/office/drawing/2010/main">
-                <a:solidFill>
-                  <a:schemeClr val="accent1"/>
-                </a:solidFill>
-              </a14:hiddenFill>
-            </a:ext>
-            <a:ext uri="{91240B29-F687-4F45-9708-019B960494DF}">
-              <a14:hiddenLine xmlns:a14="http://schemas.microsoft.com/office/drawing/2010/main" w="9525">
-                <a:solidFill>
-                  <a:schemeClr val="tx1"/>
-                </a:solidFill>
-                <a:miter lim="800000"/>
-                <a:headEnd/>
-                <a:tailEnd/>
-              </a14:hiddenLine>
-            </a:ext>
-            <a:ext uri="{AF507438-7753-43E0-B8FC-AC1667EBCBE1}">
-              <a14:hiddenEffects xmlns:a14="http://schemas.microsoft.com/office/drawing/2010/main">
-                <a:effectLst>
-                  <a:outerShdw dist="35921" dir="2700000" algn="ctr" rotWithShape="0">
-                    <a:schemeClr val="bg2"/>
-                  </a:outerShdw>
-                </a:effectLst>
-              </a14:hiddenEffects>
-            </a:ext>
-          </a:extLst>
-        </p:spPr>
-      </p:pic>
-    </p:spTree>
-    <p:extLst>
-      <p:ext uri="{BB962C8B-B14F-4D97-AF65-F5344CB8AC3E}">
-        <p14:creationId xmlns:p14="http://schemas.microsoft.com/office/powerpoint/2010/main" val="2054301956"/>
-      </p:ext>
-    </p:extLst>
-  </p:cSld>
-  <p:clrMapOvr>
-    <a:masterClrMapping/>
-  </p:clrMapOvr>
-  <p:timing>
-    <p:tnLst>
-      <p:par>
-        <p:cTn id="1" dur="indefinite" restart="never" nodeType="tmRoot"/>
-      </p:par>
-    </p:tnLst>
-  </p:timing>
-</p:sld>
-</file>
-
-<file path=ppt/slides/slide41.xml><?xml version="1.0" encoding="utf-8"?>
-<p:sld xmlns:a="http://schemas.openxmlformats.org/drawingml/2006/main" xmlns:r="http://schemas.openxmlformats.org/officeDocument/2006/relationships" xmlns:p="http://schemas.openxmlformats.org/presentationml/2006/main">
-  <p:cSld>
-    <p:spTree>
-      <p:nvGrpSpPr>
-        <p:cNvPr id="1" name=""/>
-        <p:cNvGrpSpPr/>
-        <p:nvPr/>
-      </p:nvGrpSpPr>
-      <p:grpSpPr>
-        <a:xfrm>
-          <a:off x="0" y="0"/>
-          <a:ext cx="0" cy="0"/>
-          <a:chOff x="0" y="0"/>
-          <a:chExt cx="0" cy="0"/>
-        </a:xfrm>
-      </p:grpSpPr>
-      <p:sp>
-        <p:nvSpPr>
-          <p:cNvPr id="2" name="Text Placeholder 1"/>
-          <p:cNvSpPr>
-            <a:spLocks noGrp="1"/>
-          </p:cNvSpPr>
-          <p:nvPr>
-            <p:ph type="body" sz="quarter" idx="11"/>
-          </p:nvPr>
-        </p:nvSpPr>
-        <p:spPr/>
-        <p:txBody>
-          <a:bodyPr/>
-          <a:lstStyle/>
-          <a:p>
-            <a:r>
-              <a:rPr lang="en-US" dirty="0" smtClean="0"/>
-              <a:t>¿</a:t>
-            </a:r>
-            <a:r>
-              <a:rPr lang="es-ES" dirty="0" smtClean="0"/>
-              <a:t>Preguntas</a:t>
-            </a:r>
-            <a:r>
-              <a:rPr lang="en-US" dirty="0" smtClean="0"/>
-              <a:t>?</a:t>
-            </a:r>
-            <a:endParaRPr lang="en-US" dirty="0"/>
-          </a:p>
-        </p:txBody>
-      </p:sp>
-    </p:spTree>
-    <p:extLst>
-      <p:ext uri="{BB962C8B-B14F-4D97-AF65-F5344CB8AC3E}">
-        <p14:creationId xmlns:p14="http://schemas.microsoft.com/office/powerpoint/2010/main" val="314099561"/>
-      </p:ext>
-    </p:extLst>
-  </p:cSld>
-  <p:clrMapOvr>
-    <a:masterClrMapping/>
-  </p:clrMapOvr>
-  <p:timing>
-    <p:tnLst>
-      <p:par>
-        <p:cTn id="1" dur="indefinite" restart="never" nodeType="tmRoot"/>
-      </p:par>
-    </p:tnLst>
-  </p:timing>
-</p:sld>
-</file>
-
-<file path=ppt/slides/slide42.xml><?xml version="1.0" encoding="utf-8"?>
-<p:sld xmlns:a="http://schemas.openxmlformats.org/drawingml/2006/main" xmlns:r="http://schemas.openxmlformats.org/officeDocument/2006/relationships" xmlns:p="http://schemas.openxmlformats.org/presentationml/2006/main">
-  <p:cSld>
-    <p:spTree>
-      <p:nvGrpSpPr>
-        <p:cNvPr id="1" name=""/>
-        <p:cNvGrpSpPr/>
-        <p:nvPr/>
-      </p:nvGrpSpPr>
-      <p:grpSpPr>
-        <a:xfrm>
-          <a:off x="0" y="0"/>
-          <a:ext cx="0" cy="0"/>
-          <a:chOff x="0" y="0"/>
-          <a:chExt cx="0" cy="0"/>
-        </a:xfrm>
-      </p:grpSpPr>
-    </p:spTree>
-    <p:extLst>
-      <p:ext uri="{BB962C8B-B14F-4D97-AF65-F5344CB8AC3E}">
-        <p14:creationId xmlns:p14="http://schemas.microsoft.com/office/powerpoint/2010/main" val="658284533"/>
-      </p:ext>
-    </p:extLst>
-  </p:cSld>
-  <p:clrMapOvr>
-    <a:masterClrMapping/>
-  </p:clrMapOvr>
-  <p:timing>
-    <p:tnLst>
-      <p:par>
-        <p:cTn id="1" dur="indefinite" restart="never" nodeType="tmRoot"/>
-      </p:par>
-    </p:tnLst>
-  </p:timing>
-</p:sld>
-</file>
-
 <file path=ppt/slides/slide5.xml><?xml version="1.0" encoding="utf-8"?>
 <p:sld xmlns:a="http://schemas.openxmlformats.org/drawingml/2006/main" xmlns:r="http://schemas.openxmlformats.org/officeDocument/2006/relationships" xmlns:p="http://schemas.openxmlformats.org/presentationml/2006/main">
   <p:cSld>
@@ -20533,6 +19145,13 @@
   <p:clrMapOvr>
     <a:masterClrMapping/>
   </p:clrMapOvr>
+  <p:timing>
+    <p:tnLst>
+      <p:par>
+        <p:cTn id="1" dur="indefinite" restart="never" nodeType="tmRoot"/>
+      </p:par>
+    </p:tnLst>
+  </p:timing>
 </p:sld>
 </file>
 
@@ -20597,11 +19216,7 @@
             </a:r>
             <a:r>
               <a:rPr lang="en-US" dirty="0" smtClean="0"/>
-              <a:t> </a:t>
-            </a:r>
-            <a:r>
-              <a:rPr lang="en-US" dirty="0" smtClean="0"/>
-              <a:t>primer </a:t>
+              <a:t> primer </a:t>
             </a:r>
             <a:r>
               <a:rPr lang="en-US" dirty="0"/>
@@ -20680,6 +19295,13 @@
   <p:clrMapOvr>
     <a:masterClrMapping/>
   </p:clrMapOvr>
+  <p:timing>
+    <p:tnLst>
+      <p:par>
+        <p:cTn id="1" dur="indefinite" restart="never" nodeType="tmRoot"/>
+      </p:par>
+    </p:tnLst>
+  </p:timing>
 </p:sld>
 </file>
 
@@ -21215,6 +19837,13 @@
   <p:clrMapOvr>
     <a:masterClrMapping/>
   </p:clrMapOvr>
+  <p:timing>
+    <p:tnLst>
+      <p:par>
+        <p:cTn id="1" dur="indefinite" restart="never" nodeType="tmRoot"/>
+      </p:par>
+    </p:tnLst>
+  </p:timing>
 </p:sld>
 </file>
 
@@ -21268,6 +19897,13 @@
   <p:clrMapOvr>
     <a:masterClrMapping/>
   </p:clrMapOvr>
+  <p:timing>
+    <p:tnLst>
+      <p:par>
+        <p:cTn id="1" dur="indefinite" restart="never" nodeType="tmRoot"/>
+      </p:par>
+    </p:tnLst>
+  </p:timing>
 </p:sld>
 </file>
 
@@ -21416,6 +20052,13 @@
   <p:clrMapOvr>
     <a:masterClrMapping/>
   </p:clrMapOvr>
+  <p:timing>
+    <p:tnLst>
+      <p:par>
+        <p:cTn id="1" dur="indefinite" restart="never" nodeType="tmRoot"/>
+      </p:par>
+    </p:tnLst>
+  </p:timing>
 </p:sld>
 </file>
 
